--- a/e116_estim/2023.10.12.pptx
+++ b/e116_estim/2023.10.12.pptx
@@ -7,25 +7,14 @@
   <p:sldIdLst>
     <p:sldId id="256" r:id="rId2"/>
     <p:sldId id="276" r:id="rId3"/>
-    <p:sldId id="277" r:id="rId4"/>
-    <p:sldId id="257" r:id="rId5"/>
-    <p:sldId id="258" r:id="rId6"/>
-    <p:sldId id="259" r:id="rId7"/>
-    <p:sldId id="260" r:id="rId8"/>
-    <p:sldId id="261" r:id="rId9"/>
-    <p:sldId id="262" r:id="rId10"/>
-    <p:sldId id="263" r:id="rId11"/>
-    <p:sldId id="264" r:id="rId12"/>
-    <p:sldId id="265" r:id="rId13"/>
-    <p:sldId id="266" r:id="rId14"/>
-    <p:sldId id="267" r:id="rId15"/>
-    <p:sldId id="268" r:id="rId16"/>
-    <p:sldId id="269" r:id="rId17"/>
-    <p:sldId id="270" r:id="rId18"/>
-    <p:sldId id="272" r:id="rId19"/>
-    <p:sldId id="274" r:id="rId20"/>
-    <p:sldId id="271" r:id="rId21"/>
-    <p:sldId id="275" r:id="rId22"/>
+    <p:sldId id="281" r:id="rId4"/>
+    <p:sldId id="277" r:id="rId5"/>
+    <p:sldId id="278" r:id="rId6"/>
+    <p:sldId id="282" r:id="rId7"/>
+    <p:sldId id="279" r:id="rId8"/>
+    <p:sldId id="283" r:id="rId9"/>
+    <p:sldId id="284" r:id="rId10"/>
+    <p:sldId id="285" r:id="rId11"/>
   </p:sldIdLst>
   <p:sldSz cx="12192000" cy="6858000"/>
   <p:notesSz cx="6858000" cy="9144000"/>
@@ -281,7 +270,7 @@
           <a:p>
             <a:fld id="{70C657AA-C5B8-47DD-BA5E-84B85563C266}" type="datetimeFigureOut">
               <a:rPr lang="en-GB" smtClean="0"/>
-              <a:t>12/10/2023</a:t>
+              <a:t>26/10/2023</a:t>
             </a:fld>
             <a:endParaRPr lang="en-GB"/>
           </a:p>
@@ -481,7 +470,7 @@
           <a:p>
             <a:fld id="{70C657AA-C5B8-47DD-BA5E-84B85563C266}" type="datetimeFigureOut">
               <a:rPr lang="en-GB" smtClean="0"/>
-              <a:t>12/10/2023</a:t>
+              <a:t>26/10/2023</a:t>
             </a:fld>
             <a:endParaRPr lang="en-GB"/>
           </a:p>
@@ -691,7 +680,7 @@
           <a:p>
             <a:fld id="{70C657AA-C5B8-47DD-BA5E-84B85563C266}" type="datetimeFigureOut">
               <a:rPr lang="en-GB" smtClean="0"/>
-              <a:t>12/10/2023</a:t>
+              <a:t>26/10/2023</a:t>
             </a:fld>
             <a:endParaRPr lang="en-GB"/>
           </a:p>
@@ -891,7 +880,7 @@
           <a:p>
             <a:fld id="{70C657AA-C5B8-47DD-BA5E-84B85563C266}" type="datetimeFigureOut">
               <a:rPr lang="en-GB" smtClean="0"/>
-              <a:t>12/10/2023</a:t>
+              <a:t>26/10/2023</a:t>
             </a:fld>
             <a:endParaRPr lang="en-GB"/>
           </a:p>
@@ -1167,7 +1156,7 @@
           <a:p>
             <a:fld id="{70C657AA-C5B8-47DD-BA5E-84B85563C266}" type="datetimeFigureOut">
               <a:rPr lang="en-GB" smtClean="0"/>
-              <a:t>12/10/2023</a:t>
+              <a:t>26/10/2023</a:t>
             </a:fld>
             <a:endParaRPr lang="en-GB"/>
           </a:p>
@@ -1435,7 +1424,7 @@
           <a:p>
             <a:fld id="{70C657AA-C5B8-47DD-BA5E-84B85563C266}" type="datetimeFigureOut">
               <a:rPr lang="en-GB" smtClean="0"/>
-              <a:t>12/10/2023</a:t>
+              <a:t>26/10/2023</a:t>
             </a:fld>
             <a:endParaRPr lang="en-GB"/>
           </a:p>
@@ -1850,7 +1839,7 @@
           <a:p>
             <a:fld id="{70C657AA-C5B8-47DD-BA5E-84B85563C266}" type="datetimeFigureOut">
               <a:rPr lang="en-GB" smtClean="0"/>
-              <a:t>12/10/2023</a:t>
+              <a:t>26/10/2023</a:t>
             </a:fld>
             <a:endParaRPr lang="en-GB"/>
           </a:p>
@@ -1992,7 +1981,7 @@
           <a:p>
             <a:fld id="{70C657AA-C5B8-47DD-BA5E-84B85563C266}" type="datetimeFigureOut">
               <a:rPr lang="en-GB" smtClean="0"/>
-              <a:t>12/10/2023</a:t>
+              <a:t>26/10/2023</a:t>
             </a:fld>
             <a:endParaRPr lang="en-GB"/>
           </a:p>
@@ -2105,7 +2094,7 @@
           <a:p>
             <a:fld id="{70C657AA-C5B8-47DD-BA5E-84B85563C266}" type="datetimeFigureOut">
               <a:rPr lang="en-GB" smtClean="0"/>
-              <a:t>12/10/2023</a:t>
+              <a:t>26/10/2023</a:t>
             </a:fld>
             <a:endParaRPr lang="en-GB"/>
           </a:p>
@@ -2418,7 +2407,7 @@
           <a:p>
             <a:fld id="{70C657AA-C5B8-47DD-BA5E-84B85563C266}" type="datetimeFigureOut">
               <a:rPr lang="en-GB" smtClean="0"/>
-              <a:t>12/10/2023</a:t>
+              <a:t>26/10/2023</a:t>
             </a:fld>
             <a:endParaRPr lang="en-GB"/>
           </a:p>
@@ -2707,7 +2696,7 @@
           <a:p>
             <a:fld id="{70C657AA-C5B8-47DD-BA5E-84B85563C266}" type="datetimeFigureOut">
               <a:rPr lang="en-GB" smtClean="0"/>
-              <a:t>12/10/2023</a:t>
+              <a:t>26/10/2023</a:t>
             </a:fld>
             <a:endParaRPr lang="en-GB"/>
           </a:p>
@@ -2950,7 +2939,7 @@
           <a:p>
             <a:fld id="{70C657AA-C5B8-47DD-BA5E-84B85563C266}" type="datetimeFigureOut">
               <a:rPr lang="en-GB" smtClean="0"/>
-              <a:t>12/10/2023</a:t>
+              <a:t>26/10/2023</a:t>
             </a:fld>
             <a:endParaRPr lang="en-GB"/>
           </a:p>
@@ -3471,7 +3460,7 @@
           <p:cNvPr id="2" name="Title 1">
             <a:extLst>
               <a:ext uri="{FF2B5EF4-FFF2-40B4-BE49-F238E27FC236}">
-                <a16:creationId xmlns:a16="http://schemas.microsoft.com/office/drawing/2014/main" id="{47354428-9B2A-E06E-8C65-B79F34D882C0}"/>
+                <a16:creationId xmlns:a16="http://schemas.microsoft.com/office/drawing/2014/main" id="{B34A28A0-B2D3-3FD1-A648-96A1A673AB8F}"/>
               </a:ext>
             </a:extLst>
           </p:cNvPr>
@@ -3482,1911 +3471,86 @@
             <p:ph type="title"/>
           </p:nvPr>
         </p:nvSpPr>
-        <p:spPr/>
-        <p:txBody>
-          <a:bodyPr/>
-          <a:lstStyle/>
-          <a:p>
-            <a:r>
-              <a:rPr lang="en-GB" dirty="0"/>
-              <a:t>1MHz carrier, </a:t>
-            </a:r>
-            <a:r>
-              <a:rPr lang="en-GB" dirty="0" err="1"/>
-              <a:t>df</a:t>
-            </a:r>
-            <a:r>
-              <a:rPr lang="en-GB" dirty="0"/>
-              <a:t> = 40Hz (file 7 )</a:t>
-            </a:r>
-          </a:p>
-        </p:txBody>
-      </p:sp>
-      <p:pic>
-        <p:nvPicPr>
-          <p:cNvPr id="5" name="Content Placeholder 4" descr="A red and black graph&#10;&#10;Description automatically generated">
-            <a:extLst>
-              <a:ext uri="{FF2B5EF4-FFF2-40B4-BE49-F238E27FC236}">
-                <a16:creationId xmlns:a16="http://schemas.microsoft.com/office/drawing/2014/main" id="{8A92FBCC-61D0-73DD-54B1-DDFA443E5D79}"/>
-              </a:ext>
-            </a:extLst>
-          </p:cNvPr>
-          <p:cNvPicPr>
-            <a:picLocks noGrp="1" noChangeAspect="1"/>
-          </p:cNvPicPr>
-          <p:nvPr>
-            <p:ph idx="1"/>
-          </p:nvPr>
-        </p:nvPicPr>
-        <p:blipFill>
-          <a:blip r:embed="rId2">
-            <a:extLst>
-              <a:ext uri="{28A0092B-C50C-407E-A947-70E740481C1C}">
-                <a14:useLocalDpi xmlns:a14="http://schemas.microsoft.com/office/drawing/2010/main" val="0"/>
-              </a:ext>
-            </a:extLst>
-          </a:blip>
-          <a:stretch>
-            <a:fillRect/>
-          </a:stretch>
-        </p:blipFill>
         <p:spPr>
           <a:xfrm>
-            <a:off x="1132404" y="1962103"/>
-            <a:ext cx="7252229" cy="4351338"/>
+            <a:off x="838200" y="365125"/>
+            <a:ext cx="10515600" cy="1184275"/>
           </a:xfrm>
         </p:spPr>
-      </p:pic>
-      <p:sp>
-        <p:nvSpPr>
-          <p:cNvPr id="6" name="TextBox 5">
-            <a:extLst>
-              <a:ext uri="{FF2B5EF4-FFF2-40B4-BE49-F238E27FC236}">
-                <a16:creationId xmlns:a16="http://schemas.microsoft.com/office/drawing/2014/main" id="{EF467F13-FC23-B5DE-75E8-C059BF3121C0}"/>
-              </a:ext>
-            </a:extLst>
-          </p:cNvPr>
-          <p:cNvSpPr txBox="1"/>
-          <p:nvPr/>
+        <p:txBody>
+          <a:bodyPr/>
+          <a:lstStyle/>
+          <a:p>
+            <a:r>
+              <a:rPr lang="en-US" dirty="0"/>
+              <a:t>Summary of e116 t3</a:t>
+            </a:r>
+            <a:endParaRPr lang="en-GB" dirty="0"/>
+          </a:p>
+        </p:txBody>
+      </p:sp>
+      <p:sp>
+        <p:nvSpPr>
+          <p:cNvPr id="3" name="Content Placeholder 2">
+            <a:extLst>
+              <a:ext uri="{FF2B5EF4-FFF2-40B4-BE49-F238E27FC236}">
+                <a16:creationId xmlns:a16="http://schemas.microsoft.com/office/drawing/2014/main" id="{1B26B5C5-B4B0-D13C-52A1-A0F316ECD4A6}"/>
+              </a:ext>
+            </a:extLst>
+          </p:cNvPr>
+          <p:cNvSpPr>
+            <a:spLocks noGrp="1"/>
+          </p:cNvSpPr>
+          <p:nvPr>
+            <p:ph idx="1"/>
+          </p:nvPr>
         </p:nvSpPr>
         <p:spPr>
           <a:xfrm>
-            <a:off x="8366759" y="3681691"/>
-            <a:ext cx="2209800" cy="369332"/>
+            <a:off x="228600" y="1739900"/>
+            <a:ext cx="11747500" cy="4437063"/>
           </a:xfrm>
-          <a:prstGeom prst="rect">
-            <a:avLst/>
-          </a:prstGeom>
-          <a:noFill/>
         </p:spPr>
         <p:txBody>
-          <a:bodyPr wrap="square" rtlCol="0">
-            <a:spAutoFit/>
-          </a:bodyPr>
-          <a:lstStyle/>
-          <a:p>
-            <a:r>
-              <a:rPr lang="en-GB" dirty="0"/>
-              <a:t>About 30 microvolts. </a:t>
-            </a:r>
+          <a:bodyPr/>
+          <a:lstStyle/>
+          <a:p>
+            <a:r>
+              <a:rPr lang="en-US" dirty="0"/>
+              <a:t>The amplitudes are a bit small, but their *MAY* be something there.</a:t>
+            </a:r>
+          </a:p>
+          <a:p>
+            <a:r>
+              <a:rPr lang="en-US" dirty="0"/>
+              <a:t>I used a very short 200 microsecond pulse time. Some studies show longer pulses(up to 0.05s) increase the amplitude of the effect. </a:t>
+            </a:r>
+          </a:p>
+          <a:p>
+            <a:r>
+              <a:rPr lang="en-US" dirty="0"/>
+              <a:t>Plan for t4</a:t>
+            </a:r>
+          </a:p>
+          <a:p>
+            <a:r>
+              <a:rPr lang="en-US" dirty="0"/>
+              <a:t>Use just one PRF setting i.e. PRF =1 . Use only direct stim. Iso = 0.5. Vary the length of the pulse. Use at least 10 repeats. </a:t>
+            </a:r>
+          </a:p>
+          <a:p>
+            <a:r>
+              <a:rPr lang="en-US" dirty="0"/>
+              <a:t>I can also vary the amplitude, up to the point where I OVLD the preamp, even with the filter…(band )10k low pass, 0.3Hz high pass. </a:t>
+            </a:r>
+            <a:endParaRPr lang="en-GB" dirty="0"/>
           </a:p>
         </p:txBody>
       </p:sp>
     </p:spTree>
     <p:extLst>
       <p:ext uri="{BB962C8B-B14F-4D97-AF65-F5344CB8AC3E}">
-        <p14:creationId xmlns:p14="http://schemas.microsoft.com/office/powerpoint/2010/main" val="1406115428"/>
-      </p:ext>
-    </p:extLst>
-  </p:cSld>
-  <p:clrMapOvr>
-    <a:masterClrMapping/>
-  </p:clrMapOvr>
-</p:sld>
-</file>
-
-<file path=ppt/slides/slide11.xml><?xml version="1.0" encoding="utf-8"?>
-<p:sld xmlns:a="http://schemas.openxmlformats.org/drawingml/2006/main" xmlns:r="http://schemas.openxmlformats.org/officeDocument/2006/relationships" xmlns:p="http://schemas.openxmlformats.org/presentationml/2006/main">
-  <p:cSld>
-    <p:spTree>
-      <p:nvGrpSpPr>
-        <p:cNvPr id="1" name=""/>
-        <p:cNvGrpSpPr/>
-        <p:nvPr/>
-      </p:nvGrpSpPr>
-      <p:grpSpPr>
-        <a:xfrm>
-          <a:off x="0" y="0"/>
-          <a:ext cx="0" cy="0"/>
-          <a:chOff x="0" y="0"/>
-          <a:chExt cx="0" cy="0"/>
-        </a:xfrm>
-      </p:grpSpPr>
-      <p:sp>
-        <p:nvSpPr>
-          <p:cNvPr id="2" name="Title 1">
-            <a:extLst>
-              <a:ext uri="{FF2B5EF4-FFF2-40B4-BE49-F238E27FC236}">
-                <a16:creationId xmlns:a16="http://schemas.microsoft.com/office/drawing/2014/main" id="{7D2E241E-969F-A1F5-C1DE-7393C7582F64}"/>
-              </a:ext>
-            </a:extLst>
-          </p:cNvPr>
-          <p:cNvSpPr>
-            <a:spLocks noGrp="1"/>
-          </p:cNvSpPr>
-          <p:nvPr>
-            <p:ph type="title"/>
-          </p:nvPr>
-        </p:nvSpPr>
-        <p:spPr/>
-        <p:txBody>
-          <a:bodyPr/>
-          <a:lstStyle/>
-          <a:p>
-            <a:r>
-              <a:rPr lang="en-GB" dirty="0"/>
-              <a:t>1MHz carrier, </a:t>
-            </a:r>
-            <a:r>
-              <a:rPr lang="en-GB" dirty="0" err="1"/>
-              <a:t>df</a:t>
-            </a:r>
-            <a:r>
-              <a:rPr lang="en-GB" dirty="0"/>
-              <a:t> = 100Hz (file 8 )</a:t>
-            </a:r>
-          </a:p>
-        </p:txBody>
-      </p:sp>
-      <p:pic>
-        <p:nvPicPr>
-          <p:cNvPr id="5" name="Picture 4" descr="A red and black graph&#10;&#10;Description automatically generated">
-            <a:extLst>
-              <a:ext uri="{FF2B5EF4-FFF2-40B4-BE49-F238E27FC236}">
-                <a16:creationId xmlns:a16="http://schemas.microsoft.com/office/drawing/2014/main" id="{C54FBFEF-F2AA-9FF0-67AA-08B90AD848E8}"/>
-              </a:ext>
-            </a:extLst>
-          </p:cNvPr>
-          <p:cNvPicPr>
-            <a:picLocks noChangeAspect="1"/>
-          </p:cNvPicPr>
-          <p:nvPr/>
-        </p:nvPicPr>
-        <p:blipFill>
-          <a:blip r:embed="rId2">
-            <a:extLst>
-              <a:ext uri="{28A0092B-C50C-407E-A947-70E740481C1C}">
-                <a14:useLocalDpi xmlns:a14="http://schemas.microsoft.com/office/drawing/2010/main" val="0"/>
-              </a:ext>
-            </a:extLst>
-          </a:blip>
-          <a:stretch>
-            <a:fillRect/>
-          </a:stretch>
-        </p:blipFill>
-        <p:spPr>
-          <a:xfrm>
-            <a:off x="159215" y="1371589"/>
-            <a:ext cx="9144018" cy="5486411"/>
-          </a:xfrm>
-          <a:prstGeom prst="rect">
-            <a:avLst/>
-          </a:prstGeom>
-        </p:spPr>
-      </p:pic>
-    </p:spTree>
-    <p:extLst>
-      <p:ext uri="{BB962C8B-B14F-4D97-AF65-F5344CB8AC3E}">
-        <p14:creationId xmlns:p14="http://schemas.microsoft.com/office/powerpoint/2010/main" val="3021090570"/>
-      </p:ext>
-    </p:extLst>
-  </p:cSld>
-  <p:clrMapOvr>
-    <a:masterClrMapping/>
-  </p:clrMapOvr>
-</p:sld>
-</file>
-
-<file path=ppt/slides/slide12.xml><?xml version="1.0" encoding="utf-8"?>
-<p:sld xmlns:a="http://schemas.openxmlformats.org/drawingml/2006/main" xmlns:r="http://schemas.openxmlformats.org/officeDocument/2006/relationships" xmlns:p="http://schemas.openxmlformats.org/presentationml/2006/main">
-  <p:cSld>
-    <p:spTree>
-      <p:nvGrpSpPr>
-        <p:cNvPr id="1" name=""/>
-        <p:cNvGrpSpPr/>
-        <p:nvPr/>
-      </p:nvGrpSpPr>
-      <p:grpSpPr>
-        <a:xfrm>
-          <a:off x="0" y="0"/>
-          <a:ext cx="0" cy="0"/>
-          <a:chOff x="0" y="0"/>
-          <a:chExt cx="0" cy="0"/>
-        </a:xfrm>
-      </p:grpSpPr>
-      <p:sp>
-        <p:nvSpPr>
-          <p:cNvPr id="2" name="Title 1">
-            <a:extLst>
-              <a:ext uri="{FF2B5EF4-FFF2-40B4-BE49-F238E27FC236}">
-                <a16:creationId xmlns:a16="http://schemas.microsoft.com/office/drawing/2014/main" id="{65B4F082-5F3D-07F9-3E80-DC34F1CDC8E9}"/>
-              </a:ext>
-            </a:extLst>
-          </p:cNvPr>
-          <p:cNvSpPr>
-            <a:spLocks noGrp="1"/>
-          </p:cNvSpPr>
-          <p:nvPr>
-            <p:ph type="title"/>
-          </p:nvPr>
-        </p:nvSpPr>
-        <p:spPr>
-          <a:xfrm>
-            <a:off x="927100" y="0"/>
-            <a:ext cx="10515600" cy="1325563"/>
-          </a:xfrm>
-        </p:spPr>
-        <p:txBody>
-          <a:bodyPr/>
-          <a:lstStyle/>
-          <a:p>
-            <a:r>
-              <a:rPr lang="en-GB" dirty="0"/>
-              <a:t>1MHz carrier, </a:t>
-            </a:r>
-            <a:r>
-              <a:rPr lang="en-GB" dirty="0" err="1"/>
-              <a:t>df</a:t>
-            </a:r>
-            <a:r>
-              <a:rPr lang="en-GB" dirty="0"/>
-              <a:t> = 4Hz (file 9 )</a:t>
-            </a:r>
-          </a:p>
-        </p:txBody>
-      </p:sp>
-      <p:pic>
-        <p:nvPicPr>
-          <p:cNvPr id="5" name="Picture 4" descr="A red and black sound waves&#10;&#10;Description automatically generated">
-            <a:extLst>
-              <a:ext uri="{FF2B5EF4-FFF2-40B4-BE49-F238E27FC236}">
-                <a16:creationId xmlns:a16="http://schemas.microsoft.com/office/drawing/2014/main" id="{F66D4273-4C25-87DD-A1BE-F8172E09EC32}"/>
-              </a:ext>
-            </a:extLst>
-          </p:cNvPr>
-          <p:cNvPicPr>
-            <a:picLocks noChangeAspect="1"/>
-          </p:cNvPicPr>
-          <p:nvPr/>
-        </p:nvPicPr>
-        <p:blipFill>
-          <a:blip r:embed="rId2">
-            <a:extLst>
-              <a:ext uri="{28A0092B-C50C-407E-A947-70E740481C1C}">
-                <a14:useLocalDpi xmlns:a14="http://schemas.microsoft.com/office/drawing/2010/main" val="0"/>
-              </a:ext>
-            </a:extLst>
-          </a:blip>
-          <a:stretch>
-            <a:fillRect/>
-          </a:stretch>
-        </p:blipFill>
-        <p:spPr>
-          <a:xfrm>
-            <a:off x="114291" y="1142994"/>
-            <a:ext cx="9144018" cy="5486411"/>
-          </a:xfrm>
-          <a:prstGeom prst="rect">
-            <a:avLst/>
-          </a:prstGeom>
-        </p:spPr>
-      </p:pic>
-    </p:spTree>
-    <p:extLst>
-      <p:ext uri="{BB962C8B-B14F-4D97-AF65-F5344CB8AC3E}">
-        <p14:creationId xmlns:p14="http://schemas.microsoft.com/office/powerpoint/2010/main" val="362795506"/>
-      </p:ext>
-    </p:extLst>
-  </p:cSld>
-  <p:clrMapOvr>
-    <a:masterClrMapping/>
-  </p:clrMapOvr>
-</p:sld>
-</file>
-
-<file path=ppt/slides/slide13.xml><?xml version="1.0" encoding="utf-8"?>
-<p:sld xmlns:a="http://schemas.openxmlformats.org/drawingml/2006/main" xmlns:r="http://schemas.openxmlformats.org/officeDocument/2006/relationships" xmlns:p="http://schemas.openxmlformats.org/presentationml/2006/main">
-  <p:cSld>
-    <p:spTree>
-      <p:nvGrpSpPr>
-        <p:cNvPr id="1" name=""/>
-        <p:cNvGrpSpPr/>
-        <p:nvPr/>
-      </p:nvGrpSpPr>
-      <p:grpSpPr>
-        <a:xfrm>
-          <a:off x="0" y="0"/>
-          <a:ext cx="0" cy="0"/>
-          <a:chOff x="0" y="0"/>
-          <a:chExt cx="0" cy="0"/>
-        </a:xfrm>
-      </p:grpSpPr>
-      <p:sp>
-        <p:nvSpPr>
-          <p:cNvPr id="2" name="Title 1">
-            <a:extLst>
-              <a:ext uri="{FF2B5EF4-FFF2-40B4-BE49-F238E27FC236}">
-                <a16:creationId xmlns:a16="http://schemas.microsoft.com/office/drawing/2014/main" id="{D04B2A6E-B134-F550-3B96-AB445D88AF0A}"/>
-              </a:ext>
-            </a:extLst>
-          </p:cNvPr>
-          <p:cNvSpPr>
-            <a:spLocks noGrp="1"/>
-          </p:cNvSpPr>
-          <p:nvPr>
-            <p:ph type="title"/>
-          </p:nvPr>
-        </p:nvSpPr>
-        <p:spPr>
-          <a:xfrm>
-            <a:off x="838200" y="365125"/>
-            <a:ext cx="10515600" cy="955675"/>
-          </a:xfrm>
-        </p:spPr>
-        <p:txBody>
-          <a:bodyPr/>
-          <a:lstStyle/>
-          <a:p>
-            <a:r>
-              <a:rPr lang="en-GB" dirty="0"/>
-              <a:t>1MHz carrier, </a:t>
-            </a:r>
-            <a:r>
-              <a:rPr lang="en-GB" dirty="0" err="1"/>
-              <a:t>df</a:t>
-            </a:r>
-            <a:r>
-              <a:rPr lang="en-GB" dirty="0"/>
-              <a:t> = 2Hz (file 10 )</a:t>
-            </a:r>
-          </a:p>
-        </p:txBody>
-      </p:sp>
-      <p:pic>
-        <p:nvPicPr>
-          <p:cNvPr id="5" name="Picture 4" descr="A red and black graph&#10;&#10;Description automatically generated">
-            <a:extLst>
-              <a:ext uri="{FF2B5EF4-FFF2-40B4-BE49-F238E27FC236}">
-                <a16:creationId xmlns:a16="http://schemas.microsoft.com/office/drawing/2014/main" id="{99947656-DABF-E70E-0A27-1D30CF8CBD6A}"/>
-              </a:ext>
-            </a:extLst>
-          </p:cNvPr>
-          <p:cNvPicPr>
-            <a:picLocks noChangeAspect="1"/>
-          </p:cNvPicPr>
-          <p:nvPr/>
-        </p:nvPicPr>
-        <p:blipFill>
-          <a:blip r:embed="rId2">
-            <a:extLst>
-              <a:ext uri="{28A0092B-C50C-407E-A947-70E740481C1C}">
-                <a14:useLocalDpi xmlns:a14="http://schemas.microsoft.com/office/drawing/2010/main" val="0"/>
-              </a:ext>
-            </a:extLst>
-          </a:blip>
-          <a:stretch>
-            <a:fillRect/>
-          </a:stretch>
-        </p:blipFill>
-        <p:spPr>
-          <a:xfrm>
-            <a:off x="342891" y="1184264"/>
-            <a:ext cx="9144018" cy="5486411"/>
-          </a:xfrm>
-          <a:prstGeom prst="rect">
-            <a:avLst/>
-          </a:prstGeom>
-        </p:spPr>
-      </p:pic>
-    </p:spTree>
-    <p:extLst>
-      <p:ext uri="{BB962C8B-B14F-4D97-AF65-F5344CB8AC3E}">
-        <p14:creationId xmlns:p14="http://schemas.microsoft.com/office/powerpoint/2010/main" val="3800517771"/>
-      </p:ext>
-    </p:extLst>
-  </p:cSld>
-  <p:clrMapOvr>
-    <a:masterClrMapping/>
-  </p:clrMapOvr>
-</p:sld>
-</file>
-
-<file path=ppt/slides/slide14.xml><?xml version="1.0" encoding="utf-8"?>
-<p:sld xmlns:a="http://schemas.openxmlformats.org/drawingml/2006/main" xmlns:r="http://schemas.openxmlformats.org/officeDocument/2006/relationships" xmlns:p="http://schemas.openxmlformats.org/presentationml/2006/main">
-  <p:cSld>
-    <p:spTree>
-      <p:nvGrpSpPr>
-        <p:cNvPr id="1" name=""/>
-        <p:cNvGrpSpPr/>
-        <p:nvPr/>
-      </p:nvGrpSpPr>
-      <p:grpSpPr>
-        <a:xfrm>
-          <a:off x="0" y="0"/>
-          <a:ext cx="0" cy="0"/>
-          <a:chOff x="0" y="0"/>
-          <a:chExt cx="0" cy="0"/>
-        </a:xfrm>
-      </p:grpSpPr>
-      <p:sp>
-        <p:nvSpPr>
-          <p:cNvPr id="2" name="Title 1">
-            <a:extLst>
-              <a:ext uri="{FF2B5EF4-FFF2-40B4-BE49-F238E27FC236}">
-                <a16:creationId xmlns:a16="http://schemas.microsoft.com/office/drawing/2014/main" id="{60560BD3-B262-9DBE-A874-7FAD3F3D4C42}"/>
-              </a:ext>
-            </a:extLst>
-          </p:cNvPr>
-          <p:cNvSpPr>
-            <a:spLocks noGrp="1"/>
-          </p:cNvSpPr>
-          <p:nvPr>
-            <p:ph type="title"/>
-          </p:nvPr>
-        </p:nvSpPr>
-        <p:spPr>
-          <a:xfrm>
-            <a:off x="838200" y="365126"/>
-            <a:ext cx="10515600" cy="1032160"/>
-          </a:xfrm>
-        </p:spPr>
-        <p:txBody>
-          <a:bodyPr>
-            <a:normAutofit/>
-          </a:bodyPr>
-          <a:lstStyle/>
-          <a:p>
-            <a:r>
-              <a:rPr lang="en-GB" sz="3200" dirty="0"/>
-              <a:t>Mouse  </a:t>
-            </a:r>
-            <a:br>
-              <a:rPr lang="en-GB" sz="2400" dirty="0"/>
-            </a:br>
-            <a:r>
-              <a:rPr lang="en-GB" sz="2200" dirty="0"/>
-              <a:t>Run rf_ti.py and ae_rf_transmitter_transfer_function.py</a:t>
-            </a:r>
-            <a:endParaRPr lang="en-GB" dirty="0"/>
-          </a:p>
-        </p:txBody>
-      </p:sp>
-      <p:sp>
-        <p:nvSpPr>
-          <p:cNvPr id="3" name="Content Placeholder 2">
-            <a:extLst>
-              <a:ext uri="{FF2B5EF4-FFF2-40B4-BE49-F238E27FC236}">
-                <a16:creationId xmlns:a16="http://schemas.microsoft.com/office/drawing/2014/main" id="{960796B9-7A2E-8EC0-42D4-2C6E599954D8}"/>
-              </a:ext>
-            </a:extLst>
-          </p:cNvPr>
-          <p:cNvSpPr>
-            <a:spLocks noGrp="1"/>
-          </p:cNvSpPr>
-          <p:nvPr>
-            <p:ph idx="1"/>
-          </p:nvPr>
-        </p:nvSpPr>
-        <p:spPr>
-          <a:xfrm>
-            <a:off x="474133" y="1682044"/>
-            <a:ext cx="11356623" cy="4810829"/>
-          </a:xfrm>
-        </p:spPr>
-        <p:txBody>
-          <a:bodyPr>
-            <a:normAutofit/>
-          </a:bodyPr>
-          <a:lstStyle/>
-          <a:p>
-            <a:pPr marL="0" indent="0">
-              <a:buNone/>
-            </a:pPr>
-            <a:r>
-              <a:rPr lang="en-GB" sz="1800" dirty="0"/>
-              <a:t>- Run at </a:t>
-            </a:r>
-            <a:r>
-              <a:rPr lang="en-GB" sz="1800" dirty="0" err="1"/>
-              <a:t>df</a:t>
-            </a:r>
-            <a:r>
-              <a:rPr lang="en-GB" sz="1800" dirty="0"/>
-              <a:t>    = 1,2,3,4,5,10,40,100, </a:t>
-            </a:r>
-            <a:r>
-              <a:rPr lang="en-GB" sz="1800" dirty="0" err="1"/>
-              <a:t>vout</a:t>
-            </a:r>
-            <a:r>
-              <a:rPr lang="en-GB" sz="1800" dirty="0"/>
-              <a:t> = 10V. </a:t>
-            </a:r>
-          </a:p>
-          <a:p>
-            <a:pPr marL="0" indent="0">
-              <a:buNone/>
-            </a:pPr>
-            <a:r>
-              <a:rPr lang="en-GB" sz="1800" dirty="0"/>
-              <a:t>- What is the ratio between the mix f and the applied f in the mouse? – the ratio appear to change over time, increasing as the mouse came out of k. </a:t>
-            </a:r>
-          </a:p>
-          <a:p>
-            <a:pPr marL="0" indent="0">
-              <a:buNone/>
-            </a:pPr>
-            <a:r>
-              <a:rPr lang="en-GB" sz="1800" dirty="0"/>
-              <a:t>- transmission spectrum in the mouse? – I didn’t attempt. </a:t>
-            </a:r>
-          </a:p>
-          <a:p>
-            <a:pPr marL="0" indent="0">
-              <a:buNone/>
-            </a:pPr>
-            <a:r>
-              <a:rPr lang="en-GB" sz="1800" dirty="0"/>
-              <a:t>- I think my amplitudes were too low to evoke spikes. </a:t>
-            </a:r>
-          </a:p>
-          <a:p>
-            <a:pPr marL="0" indent="0">
-              <a:buNone/>
-            </a:pPr>
-            <a:r>
-              <a:rPr lang="en-GB" sz="1800" dirty="0"/>
-              <a:t>TODO: make a spike timing diagram. - - </a:t>
-            </a:r>
-            <a:r>
-              <a:rPr lang="en-GB" sz="1800" dirty="0" err="1"/>
-              <a:t>Analyze</a:t>
-            </a:r>
-            <a:r>
-              <a:rPr lang="en-GB" sz="1800" dirty="0"/>
-              <a:t> frequency/amplitude trends. </a:t>
-            </a:r>
-          </a:p>
-          <a:p>
-            <a:pPr marL="0" indent="0">
-              <a:buNone/>
-            </a:pPr>
-            <a:endParaRPr lang="en-GB" sz="1800" dirty="0"/>
-          </a:p>
-          <a:p>
-            <a:pPr marL="0" indent="0">
-              <a:buNone/>
-            </a:pPr>
-            <a:r>
-              <a:rPr lang="en-GB" sz="1800" dirty="0"/>
-              <a:t>For future, consider using a higher carrier frequency - I may need to decouple my transmit frequency from record frequency to do this. i.e. 5MHz carrier would be better than 1MHz in terms of energy transmitted. </a:t>
-            </a:r>
-          </a:p>
-          <a:p>
-            <a:pPr marL="0" indent="0">
-              <a:buNone/>
-            </a:pPr>
-            <a:r>
-              <a:rPr lang="en-GB" sz="1800" dirty="0"/>
-              <a:t>My antenna only goes up to 2MHz. So try 2MHz.  </a:t>
-            </a:r>
-          </a:p>
-        </p:txBody>
-      </p:sp>
-    </p:spTree>
-    <p:extLst>
-      <p:ext uri="{BB962C8B-B14F-4D97-AF65-F5344CB8AC3E}">
-        <p14:creationId xmlns:p14="http://schemas.microsoft.com/office/powerpoint/2010/main" val="3854784260"/>
-      </p:ext>
-    </p:extLst>
-  </p:cSld>
-  <p:clrMapOvr>
-    <a:masterClrMapping/>
-  </p:clrMapOvr>
-</p:sld>
-</file>
-
-<file path=ppt/slides/slide15.xml><?xml version="1.0" encoding="utf-8"?>
-<p:sld xmlns:a="http://schemas.openxmlformats.org/drawingml/2006/main" xmlns:r="http://schemas.openxmlformats.org/officeDocument/2006/relationships" xmlns:p="http://schemas.openxmlformats.org/presentationml/2006/main">
-  <p:cSld>
-    <p:spTree>
-      <p:nvGrpSpPr>
-        <p:cNvPr id="1" name=""/>
-        <p:cNvGrpSpPr/>
-        <p:nvPr/>
-      </p:nvGrpSpPr>
-      <p:grpSpPr>
-        <a:xfrm>
-          <a:off x="0" y="0"/>
-          <a:ext cx="0" cy="0"/>
-          <a:chOff x="0" y="0"/>
-          <a:chExt cx="0" cy="0"/>
-        </a:xfrm>
-      </p:grpSpPr>
-      <p:sp>
-        <p:nvSpPr>
-          <p:cNvPr id="2" name="Title 1">
-            <a:extLst>
-              <a:ext uri="{FF2B5EF4-FFF2-40B4-BE49-F238E27FC236}">
-                <a16:creationId xmlns:a16="http://schemas.microsoft.com/office/drawing/2014/main" id="{4CBB330D-07A2-D28D-EA82-045059702D90}"/>
-              </a:ext>
-            </a:extLst>
-          </p:cNvPr>
-          <p:cNvSpPr>
-            <a:spLocks noGrp="1"/>
-          </p:cNvSpPr>
-          <p:nvPr>
-            <p:ph type="title"/>
-          </p:nvPr>
-        </p:nvSpPr>
-        <p:spPr/>
-        <p:txBody>
-          <a:bodyPr/>
-          <a:lstStyle/>
-          <a:p>
-            <a:r>
-              <a:rPr lang="en-GB" dirty="0"/>
-              <a:t>Mouse: </a:t>
-            </a:r>
-            <a:r>
-              <a:rPr lang="en-GB" dirty="0" err="1"/>
-              <a:t>Df</a:t>
-            </a:r>
-            <a:r>
-              <a:rPr lang="en-GB" dirty="0"/>
-              <a:t> = 3Hz </a:t>
-            </a:r>
-            <a:r>
-              <a:rPr lang="en-GB" sz="1800" dirty="0"/>
-              <a:t>(e112_RF_antenna t2 mouse)</a:t>
-            </a:r>
-          </a:p>
-        </p:txBody>
-      </p:sp>
-      <p:pic>
-        <p:nvPicPr>
-          <p:cNvPr id="5" name="Content Placeholder 4" descr="A screenshot of a graph&#10;&#10;Description automatically generated">
-            <a:extLst>
-              <a:ext uri="{FF2B5EF4-FFF2-40B4-BE49-F238E27FC236}">
-                <a16:creationId xmlns:a16="http://schemas.microsoft.com/office/drawing/2014/main" id="{FE5F0874-39A3-FEA1-7EC6-C7F52957D017}"/>
-              </a:ext>
-            </a:extLst>
-          </p:cNvPr>
-          <p:cNvPicPr>
-            <a:picLocks noGrp="1" noChangeAspect="1"/>
-          </p:cNvPicPr>
-          <p:nvPr>
-            <p:ph idx="1"/>
-          </p:nvPr>
-        </p:nvPicPr>
-        <p:blipFill>
-          <a:blip r:embed="rId2">
-            <a:extLst>
-              <a:ext uri="{28A0092B-C50C-407E-A947-70E740481C1C}">
-                <a14:useLocalDpi xmlns:a14="http://schemas.microsoft.com/office/drawing/2010/main" val="0"/>
-              </a:ext>
-            </a:extLst>
-          </a:blip>
-          <a:stretch>
-            <a:fillRect/>
-          </a:stretch>
-        </p:blipFill>
-        <p:spPr>
-          <a:xfrm>
-            <a:off x="468354" y="1690688"/>
-            <a:ext cx="7252229" cy="4351338"/>
-          </a:xfrm>
-        </p:spPr>
-      </p:pic>
-      <p:sp>
-        <p:nvSpPr>
-          <p:cNvPr id="6" name="TextBox 5">
-            <a:extLst>
-              <a:ext uri="{FF2B5EF4-FFF2-40B4-BE49-F238E27FC236}">
-                <a16:creationId xmlns:a16="http://schemas.microsoft.com/office/drawing/2014/main" id="{32CE7A29-80B0-3043-18FA-10147A2E7802}"/>
-              </a:ext>
-            </a:extLst>
-          </p:cNvPr>
-          <p:cNvSpPr txBox="1"/>
-          <p:nvPr/>
-        </p:nvSpPr>
-        <p:spPr>
-          <a:xfrm>
-            <a:off x="7720583" y="1690688"/>
-            <a:ext cx="4214743" cy="2308324"/>
-          </a:xfrm>
-          <a:prstGeom prst="rect">
-            <a:avLst/>
-          </a:prstGeom>
-          <a:noFill/>
-        </p:spPr>
-        <p:txBody>
-          <a:bodyPr wrap="square" rtlCol="0">
-            <a:spAutoFit/>
-          </a:bodyPr>
-          <a:lstStyle/>
-          <a:p>
-            <a:r>
-              <a:rPr lang="en-GB" dirty="0"/>
-              <a:t>There is a massive difference between the start and end of the ketamine.  Entrainment happens far more easily when ketamine is low. </a:t>
-            </a:r>
-          </a:p>
-          <a:p>
-            <a:endParaRPr lang="en-GB" dirty="0"/>
-          </a:p>
-          <a:p>
-            <a:r>
-              <a:rPr lang="en-GB" dirty="0"/>
-              <a:t>Did I change the position? I did a bit… </a:t>
-            </a:r>
-          </a:p>
-          <a:p>
-            <a:endParaRPr lang="en-GB" dirty="0"/>
-          </a:p>
-          <a:p>
-            <a:r>
-              <a:rPr lang="en-GB" dirty="0"/>
-              <a:t>Maybe I should try Isoflurane again?</a:t>
-            </a:r>
-          </a:p>
-        </p:txBody>
-      </p:sp>
-    </p:spTree>
-    <p:extLst>
-      <p:ext uri="{BB962C8B-B14F-4D97-AF65-F5344CB8AC3E}">
-        <p14:creationId xmlns:p14="http://schemas.microsoft.com/office/powerpoint/2010/main" val="3772579532"/>
-      </p:ext>
-    </p:extLst>
-  </p:cSld>
-  <p:clrMapOvr>
-    <a:masterClrMapping/>
-  </p:clrMapOvr>
-</p:sld>
-</file>
-
-<file path=ppt/slides/slide16.xml><?xml version="1.0" encoding="utf-8"?>
-<p:sld xmlns:a="http://schemas.openxmlformats.org/drawingml/2006/main" xmlns:r="http://schemas.openxmlformats.org/officeDocument/2006/relationships" xmlns:p="http://schemas.openxmlformats.org/presentationml/2006/main">
-  <p:cSld>
-    <p:spTree>
-      <p:nvGrpSpPr>
-        <p:cNvPr id="1" name=""/>
-        <p:cNvGrpSpPr/>
-        <p:nvPr/>
-      </p:nvGrpSpPr>
-      <p:grpSpPr>
-        <a:xfrm>
-          <a:off x="0" y="0"/>
-          <a:ext cx="0" cy="0"/>
-          <a:chOff x="0" y="0"/>
-          <a:chExt cx="0" cy="0"/>
-        </a:xfrm>
-      </p:grpSpPr>
-      <p:sp>
-        <p:nvSpPr>
-          <p:cNvPr id="2" name="Title 1">
-            <a:extLst>
-              <a:ext uri="{FF2B5EF4-FFF2-40B4-BE49-F238E27FC236}">
-                <a16:creationId xmlns:a16="http://schemas.microsoft.com/office/drawing/2014/main" id="{07F8A3C4-3CF2-3280-333E-C7D0A70EDE99}"/>
-              </a:ext>
-            </a:extLst>
-          </p:cNvPr>
-          <p:cNvSpPr>
-            <a:spLocks noGrp="1"/>
-          </p:cNvSpPr>
-          <p:nvPr>
-            <p:ph type="title"/>
-          </p:nvPr>
-        </p:nvSpPr>
-        <p:spPr/>
-        <p:txBody>
-          <a:bodyPr/>
-          <a:lstStyle/>
-          <a:p>
-            <a:r>
-              <a:rPr lang="en-GB" dirty="0"/>
-              <a:t>Mouse </a:t>
-            </a:r>
-            <a:r>
-              <a:rPr lang="en-GB" dirty="0" err="1"/>
-              <a:t>Df</a:t>
-            </a:r>
-            <a:r>
-              <a:rPr lang="en-GB" dirty="0"/>
-              <a:t> = 5Hz</a:t>
-            </a:r>
-          </a:p>
-        </p:txBody>
-      </p:sp>
-      <p:pic>
-        <p:nvPicPr>
-          <p:cNvPr id="5" name="Picture 4" descr="A screenshot of a graph&#10;&#10;Description automatically generated">
-            <a:extLst>
-              <a:ext uri="{FF2B5EF4-FFF2-40B4-BE49-F238E27FC236}">
-                <a16:creationId xmlns:a16="http://schemas.microsoft.com/office/drawing/2014/main" id="{87C14F2E-CD6A-2BDE-FDA4-CDF835D61430}"/>
-              </a:ext>
-            </a:extLst>
-          </p:cNvPr>
-          <p:cNvPicPr>
-            <a:picLocks noChangeAspect="1"/>
-          </p:cNvPicPr>
-          <p:nvPr/>
-        </p:nvPicPr>
-        <p:blipFill>
-          <a:blip r:embed="rId2">
-            <a:extLst>
-              <a:ext uri="{28A0092B-C50C-407E-A947-70E740481C1C}">
-                <a14:useLocalDpi xmlns:a14="http://schemas.microsoft.com/office/drawing/2010/main" val="0"/>
-              </a:ext>
-            </a:extLst>
-          </a:blip>
-          <a:stretch>
-            <a:fillRect/>
-          </a:stretch>
-        </p:blipFill>
-        <p:spPr>
-          <a:xfrm>
-            <a:off x="-87886" y="1328808"/>
-            <a:ext cx="8412489" cy="5047494"/>
-          </a:xfrm>
-          <a:prstGeom prst="rect">
-            <a:avLst/>
-          </a:prstGeom>
-        </p:spPr>
-      </p:pic>
-      <p:sp>
-        <p:nvSpPr>
-          <p:cNvPr id="6" name="TextBox 5">
-            <a:extLst>
-              <a:ext uri="{FF2B5EF4-FFF2-40B4-BE49-F238E27FC236}">
-                <a16:creationId xmlns:a16="http://schemas.microsoft.com/office/drawing/2014/main" id="{B8010116-F253-E6BC-876A-7C3DFB85AF17}"/>
-              </a:ext>
-            </a:extLst>
-          </p:cNvPr>
-          <p:cNvSpPr txBox="1"/>
-          <p:nvPr/>
-        </p:nvSpPr>
-        <p:spPr>
-          <a:xfrm>
-            <a:off x="8324603" y="1690688"/>
-            <a:ext cx="3867397" cy="923330"/>
-          </a:xfrm>
-          <a:prstGeom prst="rect">
-            <a:avLst/>
-          </a:prstGeom>
-          <a:noFill/>
-        </p:spPr>
-        <p:txBody>
-          <a:bodyPr wrap="square" rtlCol="0">
-            <a:spAutoFit/>
-          </a:bodyPr>
-          <a:lstStyle/>
-          <a:p>
-            <a:r>
-              <a:rPr lang="en-GB" dirty="0"/>
-              <a:t>Entrainment occurs more easily when k is wearing off. Amplitude is near non-existent when k is newly administered. </a:t>
-            </a:r>
-          </a:p>
-        </p:txBody>
-      </p:sp>
-    </p:spTree>
-    <p:extLst>
-      <p:ext uri="{BB962C8B-B14F-4D97-AF65-F5344CB8AC3E}">
-        <p14:creationId xmlns:p14="http://schemas.microsoft.com/office/powerpoint/2010/main" val="2385434363"/>
-      </p:ext>
-    </p:extLst>
-  </p:cSld>
-  <p:clrMapOvr>
-    <a:masterClrMapping/>
-  </p:clrMapOvr>
-</p:sld>
-</file>
-
-<file path=ppt/slides/slide17.xml><?xml version="1.0" encoding="utf-8"?>
-<p:sld xmlns:a="http://schemas.openxmlformats.org/drawingml/2006/main" xmlns:r="http://schemas.openxmlformats.org/officeDocument/2006/relationships" xmlns:p="http://schemas.openxmlformats.org/presentationml/2006/main">
-  <p:cSld>
-    <p:spTree>
-      <p:nvGrpSpPr>
-        <p:cNvPr id="1" name=""/>
-        <p:cNvGrpSpPr/>
-        <p:nvPr/>
-      </p:nvGrpSpPr>
-      <p:grpSpPr>
-        <a:xfrm>
-          <a:off x="0" y="0"/>
-          <a:ext cx="0" cy="0"/>
-          <a:chOff x="0" y="0"/>
-          <a:chExt cx="0" cy="0"/>
-        </a:xfrm>
-      </p:grpSpPr>
-      <p:sp>
-        <p:nvSpPr>
-          <p:cNvPr id="2" name="Title 1">
-            <a:extLst>
-              <a:ext uri="{FF2B5EF4-FFF2-40B4-BE49-F238E27FC236}">
-                <a16:creationId xmlns:a16="http://schemas.microsoft.com/office/drawing/2014/main" id="{C2BFFD19-680A-801E-E85D-0FB09AF4125E}"/>
-              </a:ext>
-            </a:extLst>
-          </p:cNvPr>
-          <p:cNvSpPr>
-            <a:spLocks noGrp="1"/>
-          </p:cNvSpPr>
-          <p:nvPr>
-            <p:ph type="title"/>
-          </p:nvPr>
-        </p:nvSpPr>
-        <p:spPr>
-          <a:xfrm>
-            <a:off x="838200" y="31063"/>
-            <a:ext cx="10515600" cy="866267"/>
-          </a:xfrm>
-        </p:spPr>
-        <p:txBody>
-          <a:bodyPr/>
-          <a:lstStyle/>
-          <a:p>
-            <a:r>
-              <a:rPr lang="en-GB" dirty="0"/>
-              <a:t>Carrier 2kHz compared with 1MHz (</a:t>
-            </a:r>
-            <a:r>
-              <a:rPr lang="en-GB" dirty="0" err="1"/>
-              <a:t>df</a:t>
-            </a:r>
-            <a:r>
-              <a:rPr lang="en-GB" dirty="0"/>
-              <a:t> = 10Hz)</a:t>
-            </a:r>
-          </a:p>
-        </p:txBody>
-      </p:sp>
-      <p:pic>
-        <p:nvPicPr>
-          <p:cNvPr id="7" name="Picture 6" descr="A screenshot of a graph&#10;&#10;Description automatically generated">
-            <a:extLst>
-              <a:ext uri="{FF2B5EF4-FFF2-40B4-BE49-F238E27FC236}">
-                <a16:creationId xmlns:a16="http://schemas.microsoft.com/office/drawing/2014/main" id="{3E592974-944C-10C6-9047-136BCE9A4485}"/>
-              </a:ext>
-            </a:extLst>
-          </p:cNvPr>
-          <p:cNvPicPr>
-            <a:picLocks noChangeAspect="1"/>
-          </p:cNvPicPr>
-          <p:nvPr/>
-        </p:nvPicPr>
-        <p:blipFill rotWithShape="1">
-          <a:blip r:embed="rId2">
-            <a:extLst>
-              <a:ext uri="{28A0092B-C50C-407E-A947-70E740481C1C}">
-                <a14:useLocalDpi xmlns:a14="http://schemas.microsoft.com/office/drawing/2010/main" val="0"/>
-              </a:ext>
-            </a:extLst>
-          </a:blip>
-          <a:srcRect l="7146" t="458" r="8335" b="-458"/>
-          <a:stretch/>
-        </p:blipFill>
-        <p:spPr>
-          <a:xfrm>
-            <a:off x="138545" y="1238359"/>
-            <a:ext cx="7303326" cy="5184653"/>
-          </a:xfrm>
-          <a:prstGeom prst="rect">
-            <a:avLst/>
-          </a:prstGeom>
-        </p:spPr>
-      </p:pic>
-      <p:sp>
-        <p:nvSpPr>
-          <p:cNvPr id="8" name="TextBox 7">
-            <a:extLst>
-              <a:ext uri="{FF2B5EF4-FFF2-40B4-BE49-F238E27FC236}">
-                <a16:creationId xmlns:a16="http://schemas.microsoft.com/office/drawing/2014/main" id="{F0E707D4-3D1C-84D7-789D-16B5364D1C46}"/>
-              </a:ext>
-            </a:extLst>
-          </p:cNvPr>
-          <p:cNvSpPr txBox="1"/>
-          <p:nvPr/>
-        </p:nvSpPr>
-        <p:spPr>
-          <a:xfrm>
-            <a:off x="838200" y="2228671"/>
-            <a:ext cx="792480" cy="369332"/>
-          </a:xfrm>
-          <a:prstGeom prst="rect">
-            <a:avLst/>
-          </a:prstGeom>
-          <a:noFill/>
-        </p:spPr>
-        <p:txBody>
-          <a:bodyPr wrap="square" rtlCol="0">
-            <a:spAutoFit/>
-          </a:bodyPr>
-          <a:lstStyle/>
-          <a:p>
-            <a:r>
-              <a:rPr lang="en-GB" dirty="0"/>
-              <a:t>10Hz</a:t>
-            </a:r>
-          </a:p>
-        </p:txBody>
-      </p:sp>
-      <p:sp>
-        <p:nvSpPr>
-          <p:cNvPr id="9" name="TextBox 8">
-            <a:extLst>
-              <a:ext uri="{FF2B5EF4-FFF2-40B4-BE49-F238E27FC236}">
-                <a16:creationId xmlns:a16="http://schemas.microsoft.com/office/drawing/2014/main" id="{8E114A03-2687-7B39-4234-BEC6926C3930}"/>
-              </a:ext>
-            </a:extLst>
-          </p:cNvPr>
-          <p:cNvSpPr txBox="1"/>
-          <p:nvPr/>
-        </p:nvSpPr>
-        <p:spPr>
-          <a:xfrm>
-            <a:off x="7528957" y="1397675"/>
-            <a:ext cx="4524498" cy="2031325"/>
-          </a:xfrm>
-          <a:prstGeom prst="rect">
-            <a:avLst/>
-          </a:prstGeom>
-          <a:noFill/>
-        </p:spPr>
-        <p:txBody>
-          <a:bodyPr wrap="square" rtlCol="0">
-            <a:spAutoFit/>
-          </a:bodyPr>
-          <a:lstStyle/>
-          <a:p>
-            <a:r>
-              <a:rPr lang="en-GB" dirty="0"/>
-              <a:t>The 10Hz is clear and present when the carrier is 1MHz, and non-existent(below noise floor) at 2kHz.</a:t>
-            </a:r>
-          </a:p>
-          <a:p>
-            <a:endParaRPr lang="en-GB" dirty="0"/>
-          </a:p>
-          <a:p>
-            <a:endParaRPr lang="en-GB" dirty="0"/>
-          </a:p>
-          <a:p>
-            <a:r>
-              <a:rPr lang="en-GB" dirty="0"/>
-              <a:t>The ratio of the signal 4000 microvolts : 30-200 microvolts pending anaesthesia level.  </a:t>
-            </a:r>
-          </a:p>
-        </p:txBody>
-      </p:sp>
-    </p:spTree>
-    <p:extLst>
-      <p:ext uri="{BB962C8B-B14F-4D97-AF65-F5344CB8AC3E}">
-        <p14:creationId xmlns:p14="http://schemas.microsoft.com/office/powerpoint/2010/main" val="2990011316"/>
-      </p:ext>
-    </p:extLst>
-  </p:cSld>
-  <p:clrMapOvr>
-    <a:masterClrMapping/>
-  </p:clrMapOvr>
-</p:sld>
-</file>
-
-<file path=ppt/slides/slide18.xml><?xml version="1.0" encoding="utf-8"?>
-<p:sld xmlns:a="http://schemas.openxmlformats.org/drawingml/2006/main" xmlns:r="http://schemas.openxmlformats.org/officeDocument/2006/relationships" xmlns:p="http://schemas.openxmlformats.org/presentationml/2006/main">
-  <p:cSld>
-    <p:spTree>
-      <p:nvGrpSpPr>
-        <p:cNvPr id="1" name=""/>
-        <p:cNvGrpSpPr/>
-        <p:nvPr/>
-      </p:nvGrpSpPr>
-      <p:grpSpPr>
-        <a:xfrm>
-          <a:off x="0" y="0"/>
-          <a:ext cx="0" cy="0"/>
-          <a:chOff x="0" y="0"/>
-          <a:chExt cx="0" cy="0"/>
-        </a:xfrm>
-      </p:grpSpPr>
-      <p:sp>
-        <p:nvSpPr>
-          <p:cNvPr id="12" name="Title 1">
-            <a:extLst>
-              <a:ext uri="{FF2B5EF4-FFF2-40B4-BE49-F238E27FC236}">
-                <a16:creationId xmlns:a16="http://schemas.microsoft.com/office/drawing/2014/main" id="{CB41F8F1-6764-9F69-FB4A-A807F166A0A5}"/>
-              </a:ext>
-            </a:extLst>
-          </p:cNvPr>
-          <p:cNvSpPr txBox="1">
-            <a:spLocks/>
-          </p:cNvSpPr>
-          <p:nvPr/>
-        </p:nvSpPr>
-        <p:spPr>
-          <a:xfrm>
-            <a:off x="240031" y="285882"/>
-            <a:ext cx="4573270" cy="877888"/>
-          </a:xfrm>
-          <a:prstGeom prst="rect">
-            <a:avLst/>
-          </a:prstGeom>
-        </p:spPr>
-        <p:txBody>
-          <a:bodyPr vert="horz" lIns="91440" tIns="45720" rIns="91440" bIns="45720" rtlCol="0" anchor="ctr">
-            <a:normAutofit/>
-          </a:bodyPr>
-          <a:lstStyle>
-            <a:lvl1pPr algn="l" defTabSz="914400" rtl="0" eaLnBrk="1" latinLnBrk="0" hangingPunct="1">
-              <a:lnSpc>
-                <a:spcPct val="90000"/>
-              </a:lnSpc>
-              <a:spcBef>
-                <a:spcPct val="0"/>
-              </a:spcBef>
-              <a:buNone/>
-              <a:defRPr sz="4400" kern="1200">
-                <a:solidFill>
-                  <a:schemeClr val="tx1"/>
-                </a:solidFill>
-                <a:latin typeface="+mj-lt"/>
-                <a:ea typeface="+mj-ea"/>
-                <a:cs typeface="+mj-cs"/>
-              </a:defRPr>
-            </a:lvl1pPr>
-          </a:lstStyle>
-          <a:p>
-            <a:r>
-              <a:rPr lang="en-GB" sz="2400" b="1"/>
-              <a:t>E107 (t3) preamplifier artefact test. </a:t>
-            </a:r>
-            <a:endParaRPr lang="en-GB" sz="2400" b="1" dirty="0"/>
-          </a:p>
-        </p:txBody>
-      </p:sp>
-      <p:pic>
-        <p:nvPicPr>
-          <p:cNvPr id="13" name="Picture 12" descr="A diagram of a graph&#10;&#10;Description automatically generated with medium confidence">
-            <a:extLst>
-              <a:ext uri="{FF2B5EF4-FFF2-40B4-BE49-F238E27FC236}">
-                <a16:creationId xmlns:a16="http://schemas.microsoft.com/office/drawing/2014/main" id="{78F9D2A8-1DE5-A38A-94D5-92E522886A1D}"/>
-              </a:ext>
-            </a:extLst>
-          </p:cNvPr>
-          <p:cNvPicPr>
-            <a:picLocks noChangeAspect="1"/>
-          </p:cNvPicPr>
-          <p:nvPr/>
-        </p:nvPicPr>
-        <p:blipFill>
-          <a:blip r:embed="rId2">
-            <a:extLst>
-              <a:ext uri="{28A0092B-C50C-407E-A947-70E740481C1C}">
-                <a14:useLocalDpi xmlns:a14="http://schemas.microsoft.com/office/drawing/2010/main" val="0"/>
-              </a:ext>
-            </a:extLst>
-          </a:blip>
-          <a:stretch>
-            <a:fillRect/>
-          </a:stretch>
-        </p:blipFill>
-        <p:spPr>
-          <a:xfrm>
-            <a:off x="6319584" y="1628772"/>
-            <a:ext cx="5852172" cy="4389129"/>
-          </a:xfrm>
-          <a:prstGeom prst="rect">
-            <a:avLst/>
-          </a:prstGeom>
-        </p:spPr>
-      </p:pic>
-      <p:pic>
-        <p:nvPicPr>
-          <p:cNvPr id="14" name="Picture 13">
-            <a:extLst>
-              <a:ext uri="{FF2B5EF4-FFF2-40B4-BE49-F238E27FC236}">
-                <a16:creationId xmlns:a16="http://schemas.microsoft.com/office/drawing/2014/main" id="{C3EAEABC-A19A-4DCA-4277-F26B6AD8C4A5}"/>
-              </a:ext>
-            </a:extLst>
-          </p:cNvPr>
-          <p:cNvPicPr>
-            <a:picLocks noChangeAspect="1"/>
-          </p:cNvPicPr>
-          <p:nvPr/>
-        </p:nvPicPr>
-        <p:blipFill>
-          <a:blip r:embed="rId3"/>
-          <a:stretch>
-            <a:fillRect/>
-          </a:stretch>
-        </p:blipFill>
-        <p:spPr>
-          <a:xfrm>
-            <a:off x="6407974" y="5980111"/>
-            <a:ext cx="2693722" cy="732692"/>
-          </a:xfrm>
-          <a:prstGeom prst="rect">
-            <a:avLst/>
-          </a:prstGeom>
-        </p:spPr>
-      </p:pic>
-      <p:pic>
-        <p:nvPicPr>
-          <p:cNvPr id="15" name="Picture 14">
-            <a:extLst>
-              <a:ext uri="{FF2B5EF4-FFF2-40B4-BE49-F238E27FC236}">
-                <a16:creationId xmlns:a16="http://schemas.microsoft.com/office/drawing/2014/main" id="{5B193D6A-65AC-7094-3158-7C15EA8D0CB7}"/>
-              </a:ext>
-            </a:extLst>
-          </p:cNvPr>
-          <p:cNvPicPr>
-            <a:picLocks noChangeAspect="1"/>
-          </p:cNvPicPr>
-          <p:nvPr/>
-        </p:nvPicPr>
-        <p:blipFill>
-          <a:blip r:embed="rId4"/>
-          <a:stretch>
-            <a:fillRect/>
-          </a:stretch>
-        </p:blipFill>
-        <p:spPr>
-          <a:xfrm>
-            <a:off x="7471283" y="1419222"/>
-            <a:ext cx="3534833" cy="445033"/>
-          </a:xfrm>
-          <a:prstGeom prst="rect">
-            <a:avLst/>
-          </a:prstGeom>
-        </p:spPr>
-      </p:pic>
-      <p:pic>
-        <p:nvPicPr>
-          <p:cNvPr id="16" name="Picture 15">
-            <a:extLst>
-              <a:ext uri="{FF2B5EF4-FFF2-40B4-BE49-F238E27FC236}">
-                <a16:creationId xmlns:a16="http://schemas.microsoft.com/office/drawing/2014/main" id="{C950A2AA-C1FE-5584-7630-7A1AB8B2547B}"/>
-              </a:ext>
-            </a:extLst>
-          </p:cNvPr>
-          <p:cNvPicPr>
-            <a:picLocks noChangeAspect="1"/>
-          </p:cNvPicPr>
-          <p:nvPr/>
-        </p:nvPicPr>
-        <p:blipFill>
-          <a:blip r:embed="rId5"/>
-          <a:stretch>
-            <a:fillRect/>
-          </a:stretch>
-        </p:blipFill>
-        <p:spPr>
-          <a:xfrm>
-            <a:off x="1619111" y="1386171"/>
-            <a:ext cx="3414432" cy="419100"/>
-          </a:xfrm>
-          <a:prstGeom prst="rect">
-            <a:avLst/>
-          </a:prstGeom>
-        </p:spPr>
-      </p:pic>
-      <p:pic>
-        <p:nvPicPr>
-          <p:cNvPr id="17" name="Picture 16">
-            <a:extLst>
-              <a:ext uri="{FF2B5EF4-FFF2-40B4-BE49-F238E27FC236}">
-                <a16:creationId xmlns:a16="http://schemas.microsoft.com/office/drawing/2014/main" id="{7EF9EBEE-BFBD-7705-6F03-35BF4163AEC0}"/>
-              </a:ext>
-            </a:extLst>
-          </p:cNvPr>
-          <p:cNvPicPr>
-            <a:picLocks noChangeAspect="1"/>
-          </p:cNvPicPr>
-          <p:nvPr/>
-        </p:nvPicPr>
-        <p:blipFill>
-          <a:blip r:embed="rId6"/>
-          <a:stretch>
-            <a:fillRect/>
-          </a:stretch>
-        </p:blipFill>
-        <p:spPr>
-          <a:xfrm>
-            <a:off x="5892550" y="2751932"/>
-            <a:ext cx="527299" cy="1938601"/>
-          </a:xfrm>
-          <a:prstGeom prst="rect">
-            <a:avLst/>
-          </a:prstGeom>
-        </p:spPr>
-      </p:pic>
-      <p:pic>
-        <p:nvPicPr>
-          <p:cNvPr id="18" name="Picture 17">
-            <a:extLst>
-              <a:ext uri="{FF2B5EF4-FFF2-40B4-BE49-F238E27FC236}">
-                <a16:creationId xmlns:a16="http://schemas.microsoft.com/office/drawing/2014/main" id="{85DB2EF5-E22B-7FC3-A2B4-E2AEFC9C8B39}"/>
-              </a:ext>
-            </a:extLst>
-          </p:cNvPr>
-          <p:cNvPicPr>
-            <a:picLocks noChangeAspect="1"/>
-          </p:cNvPicPr>
-          <p:nvPr/>
-        </p:nvPicPr>
-        <p:blipFill>
-          <a:blip r:embed="rId7"/>
-          <a:stretch>
-            <a:fillRect/>
-          </a:stretch>
-        </p:blipFill>
-        <p:spPr>
-          <a:xfrm>
-            <a:off x="838200" y="5980111"/>
-            <a:ext cx="1847849" cy="692943"/>
-          </a:xfrm>
-          <a:prstGeom prst="rect">
-            <a:avLst/>
-          </a:prstGeom>
-        </p:spPr>
-      </p:pic>
-      <p:pic>
-        <p:nvPicPr>
-          <p:cNvPr id="19" name="Picture 18">
-            <a:extLst>
-              <a:ext uri="{FF2B5EF4-FFF2-40B4-BE49-F238E27FC236}">
-                <a16:creationId xmlns:a16="http://schemas.microsoft.com/office/drawing/2014/main" id="{5C6A6750-6FB0-AED2-99A3-4C9054125934}"/>
-              </a:ext>
-            </a:extLst>
-          </p:cNvPr>
-          <p:cNvPicPr>
-            <a:picLocks noChangeAspect="1"/>
-          </p:cNvPicPr>
-          <p:nvPr/>
-        </p:nvPicPr>
-        <p:blipFill>
-          <a:blip r:embed="rId8"/>
-          <a:stretch>
-            <a:fillRect/>
-          </a:stretch>
-        </p:blipFill>
-        <p:spPr>
-          <a:xfrm>
-            <a:off x="3965577" y="6032233"/>
-            <a:ext cx="2000249" cy="659173"/>
-          </a:xfrm>
-          <a:prstGeom prst="rect">
-            <a:avLst/>
-          </a:prstGeom>
-        </p:spPr>
-      </p:pic>
-      <p:sp>
-        <p:nvSpPr>
-          <p:cNvPr id="20" name="TextBox 19">
-            <a:extLst>
-              <a:ext uri="{FF2B5EF4-FFF2-40B4-BE49-F238E27FC236}">
-                <a16:creationId xmlns:a16="http://schemas.microsoft.com/office/drawing/2014/main" id="{A97511B4-708A-BEC1-EC5C-BB3BB1BB56FB}"/>
-              </a:ext>
-            </a:extLst>
-          </p:cNvPr>
-          <p:cNvSpPr txBox="1"/>
-          <p:nvPr/>
-        </p:nvSpPr>
-        <p:spPr>
-          <a:xfrm>
-            <a:off x="4927600" y="-11206"/>
-            <a:ext cx="7264399" cy="1754326"/>
-          </a:xfrm>
-          <a:prstGeom prst="rect">
-            <a:avLst/>
-          </a:prstGeom>
-          <a:noFill/>
-        </p:spPr>
-        <p:txBody>
-          <a:bodyPr wrap="square" rtlCol="0">
-            <a:spAutoFit/>
-          </a:bodyPr>
-          <a:lstStyle/>
-          <a:p>
-            <a:r>
-              <a:rPr lang="en-GB" sz="1800" i="0" u="none" strike="noStrike" kern="1200" baseline="0" dirty="0">
-                <a:solidFill>
-                  <a:srgbClr val="000000"/>
-                </a:solidFill>
-                <a:latin typeface="Arial" panose="020B0604020202020204" pitchFamily="34" charset="0"/>
-                <a:cs typeface="Arial" panose="020B0604020202020204" pitchFamily="34" charset="0"/>
-              </a:rPr>
-              <a:t>The mixing product frequencies are below the noise floor. The applied signal amplitudes are larger than what we see</a:t>
-            </a:r>
-            <a:r>
-              <a:rPr lang="en-GB" sz="1800" i="1" u="none" strike="noStrike" kern="1200" baseline="0" dirty="0">
-                <a:solidFill>
-                  <a:srgbClr val="000000"/>
-                </a:solidFill>
-                <a:latin typeface="Arial" panose="020B0604020202020204" pitchFamily="34" charset="0"/>
-                <a:cs typeface="Arial" panose="020B0604020202020204" pitchFamily="34" charset="0"/>
-              </a:rPr>
-              <a:t> in vivo </a:t>
-            </a:r>
-            <a:r>
-              <a:rPr lang="en-GB" sz="1800" i="0" u="none" strike="noStrike" kern="1200" baseline="0" dirty="0">
-                <a:solidFill>
-                  <a:srgbClr val="000000"/>
-                </a:solidFill>
-                <a:latin typeface="Arial" panose="020B0604020202020204" pitchFamily="34" charset="0"/>
-                <a:cs typeface="Arial" panose="020B0604020202020204" pitchFamily="34" charset="0"/>
-              </a:rPr>
-              <a:t>(with 1020Hz@200</a:t>
-            </a:r>
-            <a:r>
-              <a:rPr lang="en-GB" sz="1800" i="1" u="none" strike="noStrike" kern="1200" baseline="0" dirty="0">
-                <a:solidFill>
-                  <a:srgbClr val="000000"/>
-                </a:solidFill>
-                <a:latin typeface="Arial" panose="020B0604020202020204" pitchFamily="34" charset="0"/>
-                <a:cs typeface="Arial" panose="020B0604020202020204" pitchFamily="34" charset="0"/>
-              </a:rPr>
-              <a:t>𝜇</a:t>
-            </a:r>
-            <a:r>
-              <a:rPr lang="en-US" sz="1800" i="1" u="none" strike="noStrike" kern="1200" baseline="0" dirty="0">
-                <a:solidFill>
-                  <a:srgbClr val="000000"/>
-                </a:solidFill>
-                <a:latin typeface="Arial" panose="020B0604020202020204" pitchFamily="34" charset="0"/>
-                <a:cs typeface="Arial" panose="020B0604020202020204" pitchFamily="34" charset="0"/>
-              </a:rPr>
-              <a:t>𝑉</a:t>
-            </a:r>
-            <a:r>
-              <a:rPr lang="en-GB" sz="1800" i="0" u="none" strike="noStrike" kern="1200" baseline="0" dirty="0">
-                <a:solidFill>
-                  <a:srgbClr val="000000"/>
-                </a:solidFill>
-                <a:latin typeface="Arial" panose="020B0604020202020204" pitchFamily="34" charset="0"/>
-                <a:cs typeface="Arial" panose="020B0604020202020204" pitchFamily="34" charset="0"/>
-              </a:rPr>
-              <a:t>and 70Hz@3</a:t>
-            </a:r>
-            <a:r>
-              <a:rPr lang="en-US" sz="1800" i="0" u="none" strike="noStrike" kern="1200" baseline="0" dirty="0">
-                <a:solidFill>
-                  <a:srgbClr val="000000"/>
-                </a:solidFill>
-                <a:latin typeface="Arial" panose="020B0604020202020204" pitchFamily="34" charset="0"/>
-                <a:cs typeface="Arial" panose="020B0604020202020204" pitchFamily="34" charset="0"/>
-              </a:rPr>
-              <a:t>1</a:t>
-            </a:r>
-            <a:r>
-              <a:rPr lang="en-GB" sz="1800" i="1" u="none" strike="noStrike" kern="1200" baseline="0" dirty="0">
-                <a:solidFill>
-                  <a:srgbClr val="000000"/>
-                </a:solidFill>
-                <a:latin typeface="Arial" panose="020B0604020202020204" pitchFamily="34" charset="0"/>
-                <a:cs typeface="Arial" panose="020B0604020202020204" pitchFamily="34" charset="0"/>
-              </a:rPr>
-              <a:t>𝜇</a:t>
-            </a:r>
-            <a:r>
-              <a:rPr lang="en-US" sz="1800" i="1" u="none" strike="noStrike" kern="1200" baseline="0" dirty="0">
-                <a:solidFill>
-                  <a:srgbClr val="000000"/>
-                </a:solidFill>
-                <a:latin typeface="Arial" panose="020B0604020202020204" pitchFamily="34" charset="0"/>
-                <a:cs typeface="Arial" panose="020B0604020202020204" pitchFamily="34" charset="0"/>
-              </a:rPr>
-              <a:t>𝑉</a:t>
-            </a:r>
-            <a:r>
-              <a:rPr lang="en-GB" sz="1800" i="0" u="none" strike="noStrike" kern="1200" baseline="0" dirty="0">
-                <a:solidFill>
-                  <a:srgbClr val="000000"/>
-                </a:solidFill>
-                <a:latin typeface="Arial" panose="020B0604020202020204" pitchFamily="34" charset="0"/>
-                <a:cs typeface="Arial" panose="020B0604020202020204" pitchFamily="34" charset="0"/>
-              </a:rPr>
-              <a:t>)</a:t>
-            </a:r>
-            <a:r>
-              <a:rPr lang="en-GB" sz="1800" i="1" u="none" strike="noStrike" kern="1200" baseline="0" dirty="0">
-                <a:solidFill>
-                  <a:srgbClr val="000000"/>
-                </a:solidFill>
-                <a:latin typeface="Arial" panose="020B0604020202020204" pitchFamily="34" charset="0"/>
-                <a:cs typeface="Arial" panose="020B0604020202020204" pitchFamily="34" charset="0"/>
-              </a:rPr>
-              <a:t>, </a:t>
-            </a:r>
-            <a:r>
-              <a:rPr lang="en-GB" sz="1800" i="0" u="none" strike="noStrike" kern="1200" baseline="0" dirty="0">
-                <a:solidFill>
-                  <a:srgbClr val="000000"/>
-                </a:solidFill>
-                <a:latin typeface="Arial" panose="020B0604020202020204" pitchFamily="34" charset="0"/>
-                <a:cs typeface="Arial" panose="020B0604020202020204" pitchFamily="34" charset="0"/>
-              </a:rPr>
-              <a:t>hence the frequency mixing that we see in our neural decoding experiment does NOT occur in the preamplifier. </a:t>
-            </a:r>
-          </a:p>
-          <a:p>
-            <a:endParaRPr lang="en-GB" dirty="0"/>
-          </a:p>
-        </p:txBody>
-      </p:sp>
-      <p:pic>
-        <p:nvPicPr>
-          <p:cNvPr id="21" name="Picture 20" descr="A graph of a graph showing a number of columns&#10;&#10;Description automatically generated with medium confidence">
-            <a:extLst>
-              <a:ext uri="{FF2B5EF4-FFF2-40B4-BE49-F238E27FC236}">
-                <a16:creationId xmlns:a16="http://schemas.microsoft.com/office/drawing/2014/main" id="{B57F8AE7-B474-2F29-37C3-FCE7A739A8A2}"/>
-              </a:ext>
-            </a:extLst>
-          </p:cNvPr>
-          <p:cNvPicPr>
-            <a:picLocks noChangeAspect="1"/>
-          </p:cNvPicPr>
-          <p:nvPr/>
-        </p:nvPicPr>
-        <p:blipFill>
-          <a:blip r:embed="rId9">
-            <a:extLst>
-              <a:ext uri="{28A0092B-C50C-407E-A947-70E740481C1C}">
-                <a14:useLocalDpi xmlns:a14="http://schemas.microsoft.com/office/drawing/2010/main" val="0"/>
-              </a:ext>
-            </a:extLst>
-          </a:blip>
-          <a:stretch>
-            <a:fillRect/>
-          </a:stretch>
-        </p:blipFill>
-        <p:spPr>
-          <a:xfrm>
-            <a:off x="467412" y="1688591"/>
-            <a:ext cx="5852172" cy="4389129"/>
-          </a:xfrm>
-          <a:prstGeom prst="rect">
-            <a:avLst/>
-          </a:prstGeom>
-        </p:spPr>
-      </p:pic>
-      <p:pic>
-        <p:nvPicPr>
-          <p:cNvPr id="22" name="Picture 21">
-            <a:extLst>
-              <a:ext uri="{FF2B5EF4-FFF2-40B4-BE49-F238E27FC236}">
-                <a16:creationId xmlns:a16="http://schemas.microsoft.com/office/drawing/2014/main" id="{56CD0E89-4ADC-A8F3-F72D-07026FD18FCE}"/>
-              </a:ext>
-            </a:extLst>
-          </p:cNvPr>
-          <p:cNvPicPr>
-            <a:picLocks noChangeAspect="1"/>
-          </p:cNvPicPr>
-          <p:nvPr/>
-        </p:nvPicPr>
-        <p:blipFill>
-          <a:blip r:embed="rId6"/>
-          <a:stretch>
-            <a:fillRect/>
-          </a:stretch>
-        </p:blipFill>
-        <p:spPr>
-          <a:xfrm>
-            <a:off x="5965826" y="2856441"/>
-            <a:ext cx="470446" cy="1729581"/>
-          </a:xfrm>
-          <a:prstGeom prst="rect">
-            <a:avLst/>
-          </a:prstGeom>
-        </p:spPr>
-      </p:pic>
-    </p:spTree>
-    <p:extLst>
-      <p:ext uri="{BB962C8B-B14F-4D97-AF65-F5344CB8AC3E}">
-        <p14:creationId xmlns:p14="http://schemas.microsoft.com/office/powerpoint/2010/main" val="4253956226"/>
-      </p:ext>
-    </p:extLst>
-  </p:cSld>
-  <p:clrMapOvr>
-    <a:masterClrMapping/>
-  </p:clrMapOvr>
-</p:sld>
-</file>
-
-<file path=ppt/slides/slide19.xml><?xml version="1.0" encoding="utf-8"?>
-<p:sld xmlns:a="http://schemas.openxmlformats.org/drawingml/2006/main" xmlns:r="http://schemas.openxmlformats.org/officeDocument/2006/relationships" xmlns:p="http://schemas.openxmlformats.org/presentationml/2006/main">
-  <p:cSld>
-    <p:spTree>
-      <p:nvGrpSpPr>
-        <p:cNvPr id="1" name=""/>
-        <p:cNvGrpSpPr/>
-        <p:nvPr/>
-      </p:nvGrpSpPr>
-      <p:grpSpPr>
-        <a:xfrm>
-          <a:off x="0" y="0"/>
-          <a:ext cx="0" cy="0"/>
-          <a:chOff x="0" y="0"/>
-          <a:chExt cx="0" cy="0"/>
-        </a:xfrm>
-      </p:grpSpPr>
-      <p:sp>
-        <p:nvSpPr>
-          <p:cNvPr id="2" name="Title 1">
-            <a:extLst>
-              <a:ext uri="{FF2B5EF4-FFF2-40B4-BE49-F238E27FC236}">
-                <a16:creationId xmlns:a16="http://schemas.microsoft.com/office/drawing/2014/main" id="{F1375BD7-E92F-3B69-7795-479CB2863209}"/>
-              </a:ext>
-            </a:extLst>
-          </p:cNvPr>
-          <p:cNvSpPr>
-            <a:spLocks noGrp="1"/>
-          </p:cNvSpPr>
-          <p:nvPr>
-            <p:ph type="title"/>
-          </p:nvPr>
-        </p:nvSpPr>
-        <p:spPr>
-          <a:xfrm>
-            <a:off x="838200" y="222621"/>
-            <a:ext cx="10515600" cy="964911"/>
-          </a:xfrm>
-        </p:spPr>
-        <p:txBody>
-          <a:bodyPr>
-            <a:noAutofit/>
-          </a:bodyPr>
-          <a:lstStyle/>
-          <a:p>
-            <a:pPr algn="ctr"/>
-            <a:r>
-              <a:rPr lang="en-GB" sz="3200" dirty="0"/>
-              <a:t>Mouse: Is it actually a neural response? </a:t>
-            </a:r>
-            <a:br>
-              <a:rPr lang="en-GB" sz="3200" dirty="0"/>
-            </a:br>
-            <a:r>
-              <a:rPr lang="en-GB" sz="3200" dirty="0"/>
-              <a:t>Or am I just generating the </a:t>
-            </a:r>
-            <a:r>
-              <a:rPr lang="en-GB" sz="3200" dirty="0" err="1"/>
-              <a:t>df</a:t>
-            </a:r>
-            <a:r>
-              <a:rPr lang="en-GB" sz="3200" dirty="0"/>
-              <a:t> </a:t>
-            </a:r>
-            <a:r>
-              <a:rPr lang="en-GB" sz="3200" i="1" dirty="0"/>
-              <a:t>in vivo</a:t>
-            </a:r>
-            <a:r>
-              <a:rPr lang="en-GB" sz="3200" dirty="0"/>
-              <a:t>?  </a:t>
-            </a:r>
-          </a:p>
-        </p:txBody>
-      </p:sp>
-      <p:sp>
-        <p:nvSpPr>
-          <p:cNvPr id="3" name="Content Placeholder 2">
-            <a:extLst>
-              <a:ext uri="{FF2B5EF4-FFF2-40B4-BE49-F238E27FC236}">
-                <a16:creationId xmlns:a16="http://schemas.microsoft.com/office/drawing/2014/main" id="{572AE4D4-97C7-CD2F-EA66-A8D80E464CDA}"/>
-              </a:ext>
-            </a:extLst>
-          </p:cNvPr>
-          <p:cNvSpPr>
-            <a:spLocks noGrp="1"/>
-          </p:cNvSpPr>
-          <p:nvPr>
-            <p:ph idx="1"/>
-          </p:nvPr>
-        </p:nvSpPr>
-        <p:spPr>
-          <a:xfrm>
-            <a:off x="505691" y="1407021"/>
-            <a:ext cx="11179627" cy="1772598"/>
-          </a:xfrm>
-        </p:spPr>
-        <p:txBody>
-          <a:bodyPr>
-            <a:normAutofit/>
-          </a:bodyPr>
-          <a:lstStyle/>
-          <a:p>
-            <a:r>
-              <a:rPr lang="en-GB" sz="1800" dirty="0"/>
-              <a:t>Frequency vs amplitude in phantom/mouse. </a:t>
-            </a:r>
-          </a:p>
-          <a:p>
-            <a:pPr marL="0" indent="0">
-              <a:buNone/>
-            </a:pPr>
-            <a:r>
-              <a:rPr lang="en-GB" sz="1800" dirty="0"/>
-              <a:t>Note: My neural amplitudes were too low to evoke enough spikes to make a good spike diagram, nor did I obtain behavioural proof. I think I need to get a higher amplitude </a:t>
-            </a:r>
-            <a:r>
-              <a:rPr lang="en-GB" sz="1800" dirty="0" err="1"/>
-              <a:t>lfp</a:t>
-            </a:r>
-            <a:r>
-              <a:rPr lang="en-GB" sz="1800" dirty="0"/>
-              <a:t> to do that, which means I need to go to a higher carrier so more signal gets </a:t>
-            </a:r>
-            <a:r>
-              <a:rPr lang="en-GB" sz="1800"/>
-              <a:t>through into mouse brain. </a:t>
-            </a:r>
-            <a:endParaRPr lang="en-GB" sz="1800" dirty="0"/>
-          </a:p>
-        </p:txBody>
-      </p:sp>
-      <p:pic>
-        <p:nvPicPr>
-          <p:cNvPr id="5" name="Picture 4" descr="A graph of a person with a red line&#10;&#10;Description automatically generated">
-            <a:extLst>
-              <a:ext uri="{FF2B5EF4-FFF2-40B4-BE49-F238E27FC236}">
-                <a16:creationId xmlns:a16="http://schemas.microsoft.com/office/drawing/2014/main" id="{2129CAD6-6BDD-1DE1-DDB5-C04747F4A739}"/>
-              </a:ext>
-            </a:extLst>
-          </p:cNvPr>
-          <p:cNvPicPr>
-            <a:picLocks noChangeAspect="1"/>
-          </p:cNvPicPr>
-          <p:nvPr/>
-        </p:nvPicPr>
-        <p:blipFill>
-          <a:blip r:embed="rId2">
-            <a:extLst>
-              <a:ext uri="{28A0092B-C50C-407E-A947-70E740481C1C}">
-                <a14:useLocalDpi xmlns:a14="http://schemas.microsoft.com/office/drawing/2010/main" val="0"/>
-              </a:ext>
-            </a:extLst>
-          </a:blip>
-          <a:stretch>
-            <a:fillRect/>
-          </a:stretch>
-        </p:blipFill>
-        <p:spPr>
-          <a:xfrm>
-            <a:off x="581883" y="2955176"/>
-            <a:ext cx="5361717" cy="3217030"/>
-          </a:xfrm>
-          <a:prstGeom prst="rect">
-            <a:avLst/>
-          </a:prstGeom>
-        </p:spPr>
-      </p:pic>
-      <p:sp>
-        <p:nvSpPr>
-          <p:cNvPr id="6" name="TextBox 5">
-            <a:extLst>
-              <a:ext uri="{FF2B5EF4-FFF2-40B4-BE49-F238E27FC236}">
-                <a16:creationId xmlns:a16="http://schemas.microsoft.com/office/drawing/2014/main" id="{0D32EFAF-FD6A-4D39-98A1-06F2B69EF586}"/>
-              </a:ext>
-            </a:extLst>
-          </p:cNvPr>
-          <p:cNvSpPr txBox="1"/>
-          <p:nvPr/>
-        </p:nvSpPr>
-        <p:spPr>
-          <a:xfrm rot="16200000">
-            <a:off x="-265565" y="4336831"/>
-            <a:ext cx="1325563" cy="369332"/>
-          </a:xfrm>
-          <a:prstGeom prst="rect">
-            <a:avLst/>
-          </a:prstGeom>
-          <a:noFill/>
-        </p:spPr>
-        <p:txBody>
-          <a:bodyPr wrap="square" rtlCol="0">
-            <a:spAutoFit/>
-          </a:bodyPr>
-          <a:lstStyle/>
-          <a:p>
-            <a:r>
-              <a:rPr lang="en-GB" dirty="0"/>
-              <a:t>microvolts</a:t>
-            </a:r>
-          </a:p>
-        </p:txBody>
-      </p:sp>
-      <p:sp>
-        <p:nvSpPr>
-          <p:cNvPr id="7" name="TextBox 6">
-            <a:extLst>
-              <a:ext uri="{FF2B5EF4-FFF2-40B4-BE49-F238E27FC236}">
-                <a16:creationId xmlns:a16="http://schemas.microsoft.com/office/drawing/2014/main" id="{6527459E-603F-38F9-87FF-A8FB9F97E693}"/>
-              </a:ext>
-            </a:extLst>
-          </p:cNvPr>
-          <p:cNvSpPr txBox="1"/>
-          <p:nvPr/>
-        </p:nvSpPr>
-        <p:spPr>
-          <a:xfrm>
-            <a:off x="2392814" y="6172206"/>
-            <a:ext cx="1747386" cy="369332"/>
-          </a:xfrm>
-          <a:prstGeom prst="rect">
-            <a:avLst/>
-          </a:prstGeom>
-          <a:noFill/>
-        </p:spPr>
-        <p:txBody>
-          <a:bodyPr wrap="square" rtlCol="0">
-            <a:spAutoFit/>
-          </a:bodyPr>
-          <a:lstStyle/>
-          <a:p>
-            <a:r>
-              <a:rPr lang="en-GB" dirty="0"/>
-              <a:t>Frequencies(Hz)</a:t>
-            </a:r>
-          </a:p>
-        </p:txBody>
-      </p:sp>
-      <p:sp>
-        <p:nvSpPr>
-          <p:cNvPr id="8" name="TextBox 7">
-            <a:extLst>
-              <a:ext uri="{FF2B5EF4-FFF2-40B4-BE49-F238E27FC236}">
-                <a16:creationId xmlns:a16="http://schemas.microsoft.com/office/drawing/2014/main" id="{B40B47BF-3517-F85F-A4A6-913676EEEB30}"/>
-              </a:ext>
-            </a:extLst>
-          </p:cNvPr>
-          <p:cNvSpPr txBox="1"/>
-          <p:nvPr/>
-        </p:nvSpPr>
-        <p:spPr>
-          <a:xfrm>
-            <a:off x="5954260" y="2780503"/>
-            <a:ext cx="5883450" cy="1477328"/>
-          </a:xfrm>
-          <a:prstGeom prst="rect">
-            <a:avLst/>
-          </a:prstGeom>
-          <a:noFill/>
-        </p:spPr>
-        <p:txBody>
-          <a:bodyPr wrap="square" rtlCol="0">
-            <a:spAutoFit/>
-          </a:bodyPr>
-          <a:lstStyle/>
-          <a:p>
-            <a:r>
-              <a:rPr lang="en-GB" dirty="0"/>
-              <a:t>There is a clear trend that the mouse amplitudes are higher at lower frequencies, 5Hz, 3hz being very high amplitude.  </a:t>
-            </a:r>
-          </a:p>
-          <a:p>
-            <a:endParaRPr lang="en-GB" dirty="0"/>
-          </a:p>
-          <a:p>
-            <a:r>
-              <a:rPr lang="en-GB" dirty="0"/>
-              <a:t>Note: I measure the amplitude by taking the FFT amplitude at the difference frequency. </a:t>
-            </a:r>
-          </a:p>
-        </p:txBody>
-      </p:sp>
-    </p:spTree>
-    <p:extLst>
-      <p:ext uri="{BB962C8B-B14F-4D97-AF65-F5344CB8AC3E}">
-        <p14:creationId xmlns:p14="http://schemas.microsoft.com/office/powerpoint/2010/main" val="911215905"/>
+        <p14:creationId xmlns:p14="http://schemas.microsoft.com/office/powerpoint/2010/main" val="1574715503"/>
       </p:ext>
     </p:extLst>
   </p:cSld>
@@ -5429,12 +3593,23 @@
             <p:ph type="title"/>
           </p:nvPr>
         </p:nvSpPr>
-        <p:spPr/>
-        <p:txBody>
-          <a:bodyPr/>
-          <a:lstStyle/>
-          <a:p>
-            <a:endParaRPr lang="en-GB"/>
+        <p:spPr>
+          <a:xfrm>
+            <a:off x="749300" y="195262"/>
+            <a:ext cx="10515600" cy="727075"/>
+          </a:xfrm>
+        </p:spPr>
+        <p:txBody>
+          <a:bodyPr>
+            <a:normAutofit fontScale="90000"/>
+          </a:bodyPr>
+          <a:lstStyle/>
+          <a:p>
+            <a:r>
+              <a:rPr lang="en-US" dirty="0"/>
+              <a:t>Direct electrical stimulation and RF TI experiment. </a:t>
+            </a:r>
+            <a:endParaRPr lang="en-GB" dirty="0"/>
           </a:p>
         </p:txBody>
       </p:sp>
@@ -5454,16 +3629,125 @@
             <p:ph idx="1"/>
           </p:nvPr>
         </p:nvSpPr>
-        <p:spPr/>
-        <p:txBody>
-          <a:bodyPr/>
-          <a:lstStyle/>
-          <a:p>
+        <p:spPr>
+          <a:xfrm>
+            <a:off x="323850" y="1159668"/>
+            <a:ext cx="11544300" cy="5228432"/>
+          </a:xfrm>
+        </p:spPr>
+        <p:txBody>
+          <a:bodyPr>
+            <a:normAutofit lnSpcReduction="10000"/>
+          </a:bodyPr>
+          <a:lstStyle/>
+          <a:p>
+            <a:r>
+              <a:rPr lang="en-US" sz="1600" dirty="0"/>
+              <a:t>Direct e-stim using a pulse and sine wave. </a:t>
+            </a:r>
+          </a:p>
+          <a:p>
+            <a:pPr marL="514350" indent="-514350">
+              <a:buAutoNum type="arabicPeriod"/>
+            </a:pPr>
+            <a:r>
+              <a:rPr lang="en-US" sz="1600" dirty="0"/>
+              <a:t>If I stim and measure with the same electrode… (no gain, using a pulsed e stim, i.e. 30ms duration), can I see LFP or spikes. i.e. use ch5 diff input, or ch1 for single ended. Adjust </a:t>
+            </a:r>
+            <a:r>
+              <a:rPr lang="en-US" sz="1600" dirty="0" err="1"/>
+              <a:t>daq</a:t>
+            </a:r>
+            <a:r>
+              <a:rPr lang="en-US" sz="1600" dirty="0"/>
+              <a:t> ranges appropriately.  Is there a particular amplitude I can see LFP response? </a:t>
+            </a:r>
+          </a:p>
+          <a:p>
+            <a:pPr marL="514350" indent="-514350">
+              <a:buAutoNum type="arabicPeriod"/>
+            </a:pPr>
+            <a:r>
+              <a:rPr lang="en-US" sz="1600" dirty="0"/>
+              <a:t>Low frequency direct sine wave, using a high-pass filter on the preamp. In this case, the stim electrode would be different to the measurement electrodes. The stim electrode can be placed in gel over the top of the mouse head, and the GND a cup electrode in the mouth. Can I see spikes? </a:t>
+            </a:r>
+          </a:p>
+          <a:p>
+            <a:pPr marL="0" indent="0">
+              <a:buNone/>
+            </a:pPr>
+            <a:r>
+              <a:rPr lang="en-US" sz="1600" dirty="0"/>
+              <a:t>Try a few different amplitudes. Where do I see a response? </a:t>
+            </a:r>
+          </a:p>
+          <a:p>
+            <a:pPr marL="0" indent="0">
+              <a:buNone/>
+            </a:pPr>
+            <a:r>
+              <a:rPr lang="en-US" sz="1600" dirty="0"/>
+              <a:t>Silicon sheet using Transformer? , 5Hz and much high frequency 2MHz RF TI. </a:t>
+            </a:r>
+          </a:p>
+          <a:p>
+            <a:pPr marL="514350" indent="-514350">
+              <a:buAutoNum type="arabicPeriod"/>
+            </a:pPr>
+            <a:r>
+              <a:rPr lang="en-US" sz="1600" dirty="0"/>
+              <a:t>Silicon sheet, then stim electrode in gel? Apply high frequency PRF set up at 2Mhz. Also apply direct 5Hz. What happens on the measurement electrodes for each case with the same difference frequency? </a:t>
+            </a:r>
+          </a:p>
+          <a:p>
+            <a:pPr marL="0" indent="0">
+              <a:buNone/>
+            </a:pPr>
+            <a:endParaRPr lang="en-US" sz="1600" dirty="0"/>
+          </a:p>
+          <a:p>
+            <a:pPr marL="0" indent="0">
+              <a:buNone/>
+            </a:pPr>
             <a:r>
               <a:rPr lang="en-US" dirty="0"/>
-              <a:t>Direct e-stim. </a:t>
-            </a:r>
-            <a:endParaRPr lang="en-GB" dirty="0"/>
+              <a:t>Code rf_ti_hf_test.py</a:t>
+            </a:r>
+          </a:p>
+          <a:p>
+            <a:pPr marL="0" indent="0">
+              <a:buNone/>
+            </a:pPr>
+            <a:r>
+              <a:rPr lang="en-US" dirty="0"/>
+              <a:t>Goal: See pulse induced LFPs, and sine wave induced spikes. </a:t>
+            </a:r>
+          </a:p>
+          <a:p>
+            <a:pPr marL="0" indent="0">
+              <a:buNone/>
+            </a:pPr>
+            <a:r>
+              <a:rPr lang="en-US" dirty="0"/>
+              <a:t>Then try rf </a:t>
+            </a:r>
+            <a:r>
+              <a:rPr lang="en-US" dirty="0" err="1"/>
+              <a:t>ti</a:t>
+            </a:r>
+            <a:r>
+              <a:rPr lang="en-US" dirty="0"/>
+              <a:t> again, but with a non-resonant and close to head solution. </a:t>
+            </a:r>
+          </a:p>
+          <a:p>
+            <a:pPr marL="0" indent="0">
+              <a:buNone/>
+            </a:pPr>
+            <a:r>
+              <a:rPr lang="en-GB" dirty="0"/>
+              <a:t>I am not confident that I can output a signal this way with the RF amplifier. </a:t>
+            </a:r>
           </a:p>
         </p:txBody>
       </p:sp>
@@ -5471,278 +3755,6 @@
     <p:extLst>
       <p:ext uri="{BB962C8B-B14F-4D97-AF65-F5344CB8AC3E}">
         <p14:creationId xmlns:p14="http://schemas.microsoft.com/office/powerpoint/2010/main" val="1364541002"/>
-      </p:ext>
-    </p:extLst>
-  </p:cSld>
-  <p:clrMapOvr>
-    <a:masterClrMapping/>
-  </p:clrMapOvr>
-</p:sld>
-</file>
-
-<file path=ppt/slides/slide20.xml><?xml version="1.0" encoding="utf-8"?>
-<p:sld xmlns:a="http://schemas.openxmlformats.org/drawingml/2006/main" xmlns:r="http://schemas.openxmlformats.org/officeDocument/2006/relationships" xmlns:p="http://schemas.openxmlformats.org/presentationml/2006/main">
-  <p:cSld>
-    <p:spTree>
-      <p:nvGrpSpPr>
-        <p:cNvPr id="1" name=""/>
-        <p:cNvGrpSpPr/>
-        <p:nvPr/>
-      </p:nvGrpSpPr>
-      <p:grpSpPr>
-        <a:xfrm>
-          <a:off x="0" y="0"/>
-          <a:ext cx="0" cy="0"/>
-          <a:chOff x="0" y="0"/>
-          <a:chExt cx="0" cy="0"/>
-        </a:xfrm>
-      </p:grpSpPr>
-      <p:sp>
-        <p:nvSpPr>
-          <p:cNvPr id="2" name="Title 1">
-            <a:extLst>
-              <a:ext uri="{FF2B5EF4-FFF2-40B4-BE49-F238E27FC236}">
-                <a16:creationId xmlns:a16="http://schemas.microsoft.com/office/drawing/2014/main" id="{BCD64256-A664-17E7-8B65-23ADC74EE9E7}"/>
-              </a:ext>
-            </a:extLst>
-          </p:cNvPr>
-          <p:cNvSpPr>
-            <a:spLocks noGrp="1"/>
-          </p:cNvSpPr>
-          <p:nvPr>
-            <p:ph type="title"/>
-          </p:nvPr>
-        </p:nvSpPr>
-        <p:spPr>
-          <a:xfrm>
-            <a:off x="460248" y="426720"/>
-            <a:ext cx="11011316" cy="837248"/>
-          </a:xfrm>
-        </p:spPr>
-        <p:txBody>
-          <a:bodyPr>
-            <a:normAutofit fontScale="90000"/>
-          </a:bodyPr>
-          <a:lstStyle/>
-          <a:p>
-            <a:pPr algn="ctr"/>
-            <a:r>
-              <a:rPr lang="en-GB" dirty="0"/>
-              <a:t>Moving to a higher frequency </a:t>
-            </a:r>
-            <a:br>
-              <a:rPr lang="en-GB" dirty="0"/>
-            </a:br>
-            <a:r>
-              <a:rPr lang="en-GB" dirty="0"/>
-              <a:t>so I can elicit higher amplitude </a:t>
-            </a:r>
-            <a:r>
-              <a:rPr lang="en-GB" dirty="0" err="1"/>
-              <a:t>df</a:t>
-            </a:r>
-            <a:r>
-              <a:rPr lang="en-GB" dirty="0"/>
-              <a:t>. </a:t>
-            </a:r>
-          </a:p>
-        </p:txBody>
-      </p:sp>
-      <p:sp>
-        <p:nvSpPr>
-          <p:cNvPr id="3" name="Content Placeholder 2">
-            <a:extLst>
-              <a:ext uri="{FF2B5EF4-FFF2-40B4-BE49-F238E27FC236}">
-                <a16:creationId xmlns:a16="http://schemas.microsoft.com/office/drawing/2014/main" id="{9EEE1DEE-0B0D-4809-F3DA-D89C1906FDF2}"/>
-              </a:ext>
-            </a:extLst>
-          </p:cNvPr>
-          <p:cNvSpPr>
-            <a:spLocks noGrp="1"/>
-          </p:cNvSpPr>
-          <p:nvPr>
-            <p:ph idx="1"/>
-          </p:nvPr>
-        </p:nvSpPr>
-        <p:spPr>
-          <a:xfrm>
-            <a:off x="460248" y="1496441"/>
-            <a:ext cx="11497056" cy="4351338"/>
-          </a:xfrm>
-        </p:spPr>
-        <p:txBody>
-          <a:bodyPr>
-            <a:normAutofit/>
-          </a:bodyPr>
-          <a:lstStyle/>
-          <a:p>
-            <a:r>
-              <a:rPr lang="en-GB" dirty="0"/>
-              <a:t>It is ok to have the generator at a different f to the recording. </a:t>
-            </a:r>
-          </a:p>
-          <a:p>
-            <a:r>
-              <a:rPr lang="en-GB" dirty="0"/>
-              <a:t>It is ok to have each generators at different fs. </a:t>
-            </a:r>
-          </a:p>
-          <a:p>
-            <a:r>
-              <a:rPr lang="en-GB" dirty="0"/>
-              <a:t>1e7,i.e. 10MHz output Fs on gen current is ok. </a:t>
-            </a:r>
-          </a:p>
-          <a:p>
-            <a:r>
-              <a:rPr lang="en-GB" dirty="0"/>
-              <a:t>I can go up to 2MHz carrier f, with a 10MHz sample rate. i.e. 5 samples per period. </a:t>
-            </a:r>
-          </a:p>
-          <a:p>
-            <a:r>
-              <a:rPr lang="en-GB" dirty="0"/>
-              <a:t>Optionally, I can buy a different antenna that goes to 4MHz.</a:t>
-            </a:r>
-          </a:p>
-          <a:p>
-            <a:pPr marL="0" indent="0">
-              <a:buNone/>
-            </a:pPr>
-            <a:r>
-              <a:rPr lang="en-GB" dirty="0"/>
-              <a:t> </a:t>
-            </a:r>
-          </a:p>
-        </p:txBody>
-      </p:sp>
-    </p:spTree>
-    <p:extLst>
-      <p:ext uri="{BB962C8B-B14F-4D97-AF65-F5344CB8AC3E}">
-        <p14:creationId xmlns:p14="http://schemas.microsoft.com/office/powerpoint/2010/main" val="1436382133"/>
-      </p:ext>
-    </p:extLst>
-  </p:cSld>
-  <p:clrMapOvr>
-    <a:masterClrMapping/>
-  </p:clrMapOvr>
-</p:sld>
-</file>
-
-<file path=ppt/slides/slide21.xml><?xml version="1.0" encoding="utf-8"?>
-<p:sld xmlns:a="http://schemas.openxmlformats.org/drawingml/2006/main" xmlns:r="http://schemas.openxmlformats.org/officeDocument/2006/relationships" xmlns:p="http://schemas.openxmlformats.org/presentationml/2006/main">
-  <p:cSld>
-    <p:spTree>
-      <p:nvGrpSpPr>
-        <p:cNvPr id="1" name=""/>
-        <p:cNvGrpSpPr/>
-        <p:nvPr/>
-      </p:nvGrpSpPr>
-      <p:grpSpPr>
-        <a:xfrm>
-          <a:off x="0" y="0"/>
-          <a:ext cx="0" cy="0"/>
-          <a:chOff x="0" y="0"/>
-          <a:chExt cx="0" cy="0"/>
-        </a:xfrm>
-      </p:grpSpPr>
-      <p:sp>
-        <p:nvSpPr>
-          <p:cNvPr id="2" name="Title 1">
-            <a:extLst>
-              <a:ext uri="{FF2B5EF4-FFF2-40B4-BE49-F238E27FC236}">
-                <a16:creationId xmlns:a16="http://schemas.microsoft.com/office/drawing/2014/main" id="{4AA59299-2518-F7B7-944B-7F07523FDAC9}"/>
-              </a:ext>
-            </a:extLst>
-          </p:cNvPr>
-          <p:cNvSpPr>
-            <a:spLocks noGrp="1"/>
-          </p:cNvSpPr>
-          <p:nvPr>
-            <p:ph type="title"/>
-          </p:nvPr>
-        </p:nvSpPr>
-        <p:spPr/>
-        <p:txBody>
-          <a:bodyPr/>
-          <a:lstStyle/>
-          <a:p>
-            <a:r>
-              <a:rPr lang="en-US" dirty="0"/>
-              <a:t>Electrical Tests to do. </a:t>
-            </a:r>
-            <a:endParaRPr lang="en-GB" dirty="0"/>
-          </a:p>
-        </p:txBody>
-      </p:sp>
-      <p:sp>
-        <p:nvSpPr>
-          <p:cNvPr id="3" name="Content Placeholder 2">
-            <a:extLst>
-              <a:ext uri="{FF2B5EF4-FFF2-40B4-BE49-F238E27FC236}">
-                <a16:creationId xmlns:a16="http://schemas.microsoft.com/office/drawing/2014/main" id="{473B45D7-1A00-7D22-DEEE-EC6769C9BF3B}"/>
-              </a:ext>
-            </a:extLst>
-          </p:cNvPr>
-          <p:cNvSpPr>
-            <a:spLocks noGrp="1"/>
-          </p:cNvSpPr>
-          <p:nvPr>
-            <p:ph idx="1"/>
-          </p:nvPr>
-        </p:nvSpPr>
-        <p:spPr>
-          <a:xfrm>
-            <a:off x="838200" y="1690688"/>
-            <a:ext cx="10515600" cy="4683044"/>
-          </a:xfrm>
-        </p:spPr>
-        <p:txBody>
-          <a:bodyPr/>
-          <a:lstStyle/>
-          <a:p>
-            <a:r>
-              <a:rPr lang="en-US" dirty="0"/>
-              <a:t>Direct 5Hz instead of 2kHz.</a:t>
-            </a:r>
-          </a:p>
-          <a:p>
-            <a:r>
-              <a:rPr lang="en-US" dirty="0"/>
-              <a:t>Use a pulse stimulation, to show that evoked field follows at delay. </a:t>
-            </a:r>
-          </a:p>
-          <a:p>
-            <a:r>
-              <a:rPr lang="en-US" dirty="0"/>
-              <a:t>Look at time separation of the evoked signal and the applied signal.</a:t>
-            </a:r>
-          </a:p>
-          <a:p>
-            <a:r>
-              <a:rPr lang="en-GB" dirty="0"/>
-              <a:t>do phantom amplitude experiment at 2MHz carrier, Fs = 10MHz. Is the amount that gets through larger than at 1MHz? By how much? </a:t>
-            </a:r>
-          </a:p>
-          <a:p>
-            <a:r>
-              <a:rPr lang="en-GB" dirty="0"/>
-              <a:t>Can I obtain spiking information. </a:t>
-            </a:r>
-          </a:p>
-          <a:p>
-            <a:r>
-              <a:rPr lang="en-US" dirty="0"/>
-              <a:t>Does the antenna really make an amplitude difference compared to direct application of fields?</a:t>
-            </a:r>
-            <a:endParaRPr lang="en-GB" dirty="0"/>
-          </a:p>
-        </p:txBody>
-      </p:sp>
-    </p:spTree>
-    <p:extLst>
-      <p:ext uri="{BB962C8B-B14F-4D97-AF65-F5344CB8AC3E}">
-        <p14:creationId xmlns:p14="http://schemas.microsoft.com/office/powerpoint/2010/main" val="2509749633"/>
       </p:ext>
     </p:extLst>
   </p:cSld>
@@ -5774,7 +3786,7 @@
           <p:cNvPr id="2" name="Title 1">
             <a:extLst>
               <a:ext uri="{FF2B5EF4-FFF2-40B4-BE49-F238E27FC236}">
-                <a16:creationId xmlns:a16="http://schemas.microsoft.com/office/drawing/2014/main" id="{21A1ADEC-3CE8-9486-305E-C155A7C9E62F}"/>
+                <a16:creationId xmlns:a16="http://schemas.microsoft.com/office/drawing/2014/main" id="{6A85C392-0B5B-C32C-C82A-7C08F8010B1E}"/>
               </a:ext>
             </a:extLst>
           </p:cNvPr>
@@ -5785,12 +3797,21 @@
             <p:ph type="title"/>
           </p:nvPr>
         </p:nvSpPr>
-        <p:spPr/>
+        <p:spPr>
+          <a:xfrm>
+            <a:off x="838200" y="365126"/>
+            <a:ext cx="10515600" cy="928098"/>
+          </a:xfrm>
+        </p:spPr>
         <p:txBody>
           <a:bodyPr/>
           <a:lstStyle/>
           <a:p>
-            <a:endParaRPr lang="en-GB"/>
+            <a:r>
+              <a:rPr lang="en-US" dirty="0"/>
+              <a:t>E116 t1. mouse with e pulses. </a:t>
+            </a:r>
+            <a:endParaRPr lang="en-GB" dirty="0"/>
           </a:p>
         </p:txBody>
       </p:sp>
@@ -5799,7 +3820,7 @@
           <p:cNvPr id="3" name="Content Placeholder 2">
             <a:extLst>
               <a:ext uri="{FF2B5EF4-FFF2-40B4-BE49-F238E27FC236}">
-                <a16:creationId xmlns:a16="http://schemas.microsoft.com/office/drawing/2014/main" id="{33B5901D-5038-A754-420E-120B1E8A4544}"/>
+                <a16:creationId xmlns:a16="http://schemas.microsoft.com/office/drawing/2014/main" id="{C5D701C9-3907-B105-6077-63BDDE101419}"/>
               </a:ext>
             </a:extLst>
           </p:cNvPr>
@@ -5810,19 +3831,48 @@
             <p:ph idx="1"/>
           </p:nvPr>
         </p:nvSpPr>
-        <p:spPr/>
+        <p:spPr>
+          <a:xfrm>
+            <a:off x="600891" y="1690688"/>
+            <a:ext cx="11116491" cy="4540295"/>
+          </a:xfrm>
+        </p:spPr>
         <p:txBody>
           <a:bodyPr/>
           <a:lstStyle/>
           <a:p>
-            <a:endParaRPr lang="en-GB"/>
+            <a:r>
+              <a:rPr lang="en-US" dirty="0"/>
+              <a:t>I only saw one or two LFP – right at the end. Then the head bar came off.. </a:t>
+            </a:r>
+          </a:p>
+          <a:p>
+            <a:r>
+              <a:rPr lang="en-US" dirty="0"/>
+              <a:t>I think I need to work on this more so I can understand when I do and don’t get LFPs – it is definitely mouse based. Switch back to isoflurane. </a:t>
+            </a:r>
+          </a:p>
+          <a:p>
+            <a:r>
+              <a:rPr lang="en-US" dirty="0"/>
+              <a:t>Improve my fixation of the </a:t>
+            </a:r>
+            <a:r>
+              <a:rPr lang="en-US" dirty="0" err="1"/>
+              <a:t>headbar</a:t>
+            </a:r>
+            <a:r>
+              <a:rPr lang="en-US" dirty="0"/>
+              <a:t>. </a:t>
+            </a:r>
+            <a:endParaRPr lang="en-GB" dirty="0"/>
           </a:p>
         </p:txBody>
       </p:sp>
     </p:spTree>
     <p:extLst>
       <p:ext uri="{BB962C8B-B14F-4D97-AF65-F5344CB8AC3E}">
-        <p14:creationId xmlns:p14="http://schemas.microsoft.com/office/powerpoint/2010/main" val="1897207269"/>
+        <p14:creationId xmlns:p14="http://schemas.microsoft.com/office/powerpoint/2010/main" val="175872618"/>
       </p:ext>
     </p:extLst>
   </p:cSld>
@@ -5854,7 +3904,7 @@
           <p:cNvPr id="2" name="Title 1">
             <a:extLst>
               <a:ext uri="{FF2B5EF4-FFF2-40B4-BE49-F238E27FC236}">
-                <a16:creationId xmlns:a16="http://schemas.microsoft.com/office/drawing/2014/main" id="{AA78FF8D-A4A4-7A23-59FF-B9600A7ABCB0}"/>
+                <a16:creationId xmlns:a16="http://schemas.microsoft.com/office/drawing/2014/main" id="{21A1ADEC-3CE8-9486-305E-C155A7C9E62F}"/>
               </a:ext>
             </a:extLst>
           </p:cNvPr>
@@ -5865,466 +3915,66 @@
             <p:ph type="title"/>
           </p:nvPr>
         </p:nvSpPr>
-        <p:spPr>
-          <a:xfrm>
-            <a:off x="838200" y="258073"/>
-            <a:ext cx="10515600" cy="1325563"/>
-          </a:xfrm>
-        </p:spPr>
+        <p:spPr/>
         <p:txBody>
           <a:bodyPr/>
           <a:lstStyle/>
           <a:p>
-            <a:r>
-              <a:rPr lang="en-GB" dirty="0"/>
-              <a:t>RF TI may work. Here is 5Hz </a:t>
-            </a:r>
-            <a:r>
-              <a:rPr lang="en-GB" dirty="0" err="1"/>
-              <a:t>df</a:t>
-            </a:r>
-            <a:r>
-              <a:rPr lang="en-GB" dirty="0"/>
-              <a:t>. </a:t>
-            </a:r>
-          </a:p>
-        </p:txBody>
-      </p:sp>
-      <p:pic>
-        <p:nvPicPr>
-          <p:cNvPr id="5" name="Content Placeholder 4" descr="A machine with a red circle&#10;&#10;Description automatically generated">
-            <a:extLst>
-              <a:ext uri="{FF2B5EF4-FFF2-40B4-BE49-F238E27FC236}">
-                <a16:creationId xmlns:a16="http://schemas.microsoft.com/office/drawing/2014/main" id="{CEBAFE51-D164-2288-A6A3-D5297418A3F6}"/>
-              </a:ext>
-            </a:extLst>
-          </p:cNvPr>
-          <p:cNvPicPr>
-            <a:picLocks noGrp="1" noChangeAspect="1"/>
-          </p:cNvPicPr>
+            <a:endParaRPr lang="en-GB"/>
+          </a:p>
+        </p:txBody>
+      </p:sp>
+      <p:sp>
+        <p:nvSpPr>
+          <p:cNvPr id="3" name="Content Placeholder 2">
+            <a:extLst>
+              <a:ext uri="{FF2B5EF4-FFF2-40B4-BE49-F238E27FC236}">
+                <a16:creationId xmlns:a16="http://schemas.microsoft.com/office/drawing/2014/main" id="{33B5901D-5038-A754-420E-120B1E8A4544}"/>
+              </a:ext>
+            </a:extLst>
+          </p:cNvPr>
+          <p:cNvSpPr>
+            <a:spLocks noGrp="1"/>
+          </p:cNvSpPr>
           <p:nvPr>
             <p:ph idx="1"/>
           </p:nvPr>
-        </p:nvPicPr>
-        <p:blipFill>
-          <a:blip r:embed="rId2">
-            <a:extLst>
-              <a:ext uri="{28A0092B-C50C-407E-A947-70E740481C1C}">
-                <a14:useLocalDpi xmlns:a14="http://schemas.microsoft.com/office/drawing/2010/main" val="0"/>
-              </a:ext>
-            </a:extLst>
-          </a:blip>
-          <a:stretch>
-            <a:fillRect/>
-          </a:stretch>
-        </p:blipFill>
-        <p:spPr>
-          <a:xfrm>
-            <a:off x="1144443" y="1866568"/>
-            <a:ext cx="3270302" cy="4351338"/>
-          </a:xfrm>
-        </p:spPr>
-      </p:pic>
-      <p:sp>
-        <p:nvSpPr>
-          <p:cNvPr id="8" name="TextBox 7">
-            <a:extLst>
-              <a:ext uri="{FF2B5EF4-FFF2-40B4-BE49-F238E27FC236}">
-                <a16:creationId xmlns:a16="http://schemas.microsoft.com/office/drawing/2014/main" id="{A313556B-1D15-A502-C851-1D9200AE1839}"/>
-              </a:ext>
-            </a:extLst>
-          </p:cNvPr>
-          <p:cNvSpPr txBox="1"/>
-          <p:nvPr/>
-        </p:nvSpPr>
-        <p:spPr>
-          <a:xfrm rot="16200000">
-            <a:off x="4462913" y="4874445"/>
-            <a:ext cx="1325563" cy="369332"/>
-          </a:xfrm>
-          <a:prstGeom prst="rect">
-            <a:avLst/>
-          </a:prstGeom>
-          <a:noFill/>
-        </p:spPr>
-        <p:txBody>
-          <a:bodyPr wrap="square" rtlCol="0">
-            <a:spAutoFit/>
-          </a:bodyPr>
-          <a:lstStyle/>
-          <a:p>
-            <a:r>
-              <a:rPr lang="en-GB" dirty="0"/>
-              <a:t>microvolts</a:t>
-            </a:r>
-          </a:p>
-        </p:txBody>
-      </p:sp>
-      <p:sp>
-        <p:nvSpPr>
-          <p:cNvPr id="9" name="TextBox 8">
-            <a:extLst>
-              <a:ext uri="{FF2B5EF4-FFF2-40B4-BE49-F238E27FC236}">
-                <a16:creationId xmlns:a16="http://schemas.microsoft.com/office/drawing/2014/main" id="{9F77BFB2-177F-055A-1862-236D6A3A043D}"/>
-              </a:ext>
-            </a:extLst>
-          </p:cNvPr>
-          <p:cNvSpPr txBox="1"/>
-          <p:nvPr/>
-        </p:nvSpPr>
-        <p:spPr>
-          <a:xfrm>
-            <a:off x="7802741" y="6048480"/>
-            <a:ext cx="1005979" cy="369332"/>
-          </a:xfrm>
-          <a:prstGeom prst="rect">
-            <a:avLst/>
-          </a:prstGeom>
-          <a:noFill/>
-        </p:spPr>
-        <p:txBody>
-          <a:bodyPr wrap="square" rtlCol="0">
-            <a:spAutoFit/>
-          </a:bodyPr>
-          <a:lstStyle/>
-          <a:p>
-            <a:r>
-              <a:rPr lang="en-GB" dirty="0"/>
-              <a:t>Time(s)</a:t>
-            </a:r>
-          </a:p>
-        </p:txBody>
-      </p:sp>
-      <p:sp>
-        <p:nvSpPr>
-          <p:cNvPr id="10" name="TextBox 9">
-            <a:extLst>
-              <a:ext uri="{FF2B5EF4-FFF2-40B4-BE49-F238E27FC236}">
-                <a16:creationId xmlns:a16="http://schemas.microsoft.com/office/drawing/2014/main" id="{4A9AAB96-D781-2BB0-6EDB-95371645DF96}"/>
-              </a:ext>
-            </a:extLst>
-          </p:cNvPr>
-          <p:cNvSpPr txBox="1"/>
-          <p:nvPr/>
-        </p:nvSpPr>
-        <p:spPr>
-          <a:xfrm rot="16200000">
-            <a:off x="4783811" y="3325679"/>
-            <a:ext cx="755886" cy="369332"/>
-          </a:xfrm>
-          <a:prstGeom prst="rect">
-            <a:avLst/>
-          </a:prstGeom>
-          <a:noFill/>
-        </p:spPr>
-        <p:txBody>
-          <a:bodyPr wrap="square" rtlCol="0">
-            <a:spAutoFit/>
-          </a:bodyPr>
-          <a:lstStyle/>
-          <a:p>
-            <a:r>
-              <a:rPr lang="en-GB" dirty="0"/>
-              <a:t>volts</a:t>
-            </a:r>
-          </a:p>
-        </p:txBody>
-      </p:sp>
-      <p:sp>
-        <p:nvSpPr>
-          <p:cNvPr id="11" name="TextBox 10">
-            <a:extLst>
-              <a:ext uri="{FF2B5EF4-FFF2-40B4-BE49-F238E27FC236}">
-                <a16:creationId xmlns:a16="http://schemas.microsoft.com/office/drawing/2014/main" id="{E3BA8751-FFC2-68B1-38C3-67AFE13913FF}"/>
-              </a:ext>
-            </a:extLst>
-          </p:cNvPr>
-          <p:cNvSpPr txBox="1"/>
-          <p:nvPr/>
-        </p:nvSpPr>
-        <p:spPr>
-          <a:xfrm>
-            <a:off x="4570709" y="1942326"/>
-            <a:ext cx="1551423" cy="369332"/>
-          </a:xfrm>
-          <a:prstGeom prst="rect">
-            <a:avLst/>
-          </a:prstGeom>
-          <a:noFill/>
-        </p:spPr>
-        <p:txBody>
-          <a:bodyPr wrap="square" rtlCol="0">
-            <a:spAutoFit/>
-          </a:bodyPr>
-          <a:lstStyle/>
-          <a:p>
-            <a:r>
-              <a:rPr lang="en-GB" dirty="0"/>
-              <a:t>Gain = 500</a:t>
-            </a:r>
-          </a:p>
-        </p:txBody>
-      </p:sp>
-      <p:sp>
-        <p:nvSpPr>
-          <p:cNvPr id="12" name="TextBox 11">
-            <a:extLst>
-              <a:ext uri="{FF2B5EF4-FFF2-40B4-BE49-F238E27FC236}">
-                <a16:creationId xmlns:a16="http://schemas.microsoft.com/office/drawing/2014/main" id="{8CAA74B5-97EC-8AA1-F508-78F4BE2BB4D3}"/>
-              </a:ext>
-            </a:extLst>
-          </p:cNvPr>
-          <p:cNvSpPr txBox="1"/>
-          <p:nvPr/>
-        </p:nvSpPr>
-        <p:spPr>
-          <a:xfrm>
-            <a:off x="4599411" y="2255029"/>
-            <a:ext cx="3320792" cy="369332"/>
-          </a:xfrm>
-          <a:prstGeom prst="rect">
-            <a:avLst/>
-          </a:prstGeom>
-          <a:noFill/>
-        </p:spPr>
-        <p:txBody>
-          <a:bodyPr wrap="square" rtlCol="0">
-            <a:spAutoFit/>
-          </a:bodyPr>
-          <a:lstStyle/>
-          <a:p>
-            <a:r>
-              <a:rPr lang="en-GB" dirty="0"/>
-              <a:t>Preamp filter at 1k low pass. 6dB</a:t>
-            </a:r>
-          </a:p>
-        </p:txBody>
-      </p:sp>
-      <p:sp>
-        <p:nvSpPr>
-          <p:cNvPr id="13" name="TextBox 12">
-            <a:extLst>
-              <a:ext uri="{FF2B5EF4-FFF2-40B4-BE49-F238E27FC236}">
-                <a16:creationId xmlns:a16="http://schemas.microsoft.com/office/drawing/2014/main" id="{1E3B544B-C67E-6C1D-6F27-FCAABFB8AEF9}"/>
-              </a:ext>
-            </a:extLst>
-          </p:cNvPr>
-          <p:cNvSpPr txBox="1"/>
-          <p:nvPr/>
-        </p:nvSpPr>
-        <p:spPr>
-          <a:xfrm>
-            <a:off x="6408374" y="1949303"/>
-            <a:ext cx="1551423" cy="369332"/>
-          </a:xfrm>
-          <a:prstGeom prst="rect">
-            <a:avLst/>
-          </a:prstGeom>
-          <a:noFill/>
-        </p:spPr>
-        <p:txBody>
-          <a:bodyPr wrap="square" rtlCol="0">
-            <a:spAutoFit/>
-          </a:bodyPr>
-          <a:lstStyle/>
-          <a:p>
-            <a:r>
-              <a:rPr lang="en-GB" dirty="0" err="1"/>
-              <a:t>Vout</a:t>
-            </a:r>
-            <a:r>
-              <a:rPr lang="en-GB" dirty="0"/>
-              <a:t> = 10V</a:t>
-            </a:r>
-          </a:p>
-        </p:txBody>
-      </p:sp>
-      <p:sp>
-        <p:nvSpPr>
-          <p:cNvPr id="14" name="TextBox 13">
-            <a:extLst>
-              <a:ext uri="{FF2B5EF4-FFF2-40B4-BE49-F238E27FC236}">
-                <a16:creationId xmlns:a16="http://schemas.microsoft.com/office/drawing/2014/main" id="{0F0F7D41-D887-94E4-0E29-540AB05382D0}"/>
-              </a:ext>
-            </a:extLst>
-          </p:cNvPr>
-          <p:cNvSpPr txBox="1"/>
-          <p:nvPr/>
-        </p:nvSpPr>
-        <p:spPr>
-          <a:xfrm>
-            <a:off x="8409736" y="1438714"/>
-            <a:ext cx="2356412" cy="646331"/>
-          </a:xfrm>
-          <a:prstGeom prst="rect">
-            <a:avLst/>
-          </a:prstGeom>
-          <a:noFill/>
-        </p:spPr>
-        <p:txBody>
-          <a:bodyPr wrap="square" rtlCol="0">
-            <a:spAutoFit/>
-          </a:bodyPr>
-          <a:lstStyle/>
-          <a:p>
-            <a:r>
-              <a:rPr lang="en-GB" dirty="0"/>
-              <a:t>F1 = 1MHz</a:t>
-            </a:r>
-          </a:p>
-          <a:p>
-            <a:r>
-              <a:rPr lang="en-GB" dirty="0"/>
-              <a:t>F2 = 1MHZ + 10Hz</a:t>
-            </a:r>
-          </a:p>
-        </p:txBody>
-      </p:sp>
-      <p:pic>
-        <p:nvPicPr>
-          <p:cNvPr id="16" name="Picture 15" descr="A red and black sound waves&#10;&#10;Description automatically generated">
-            <a:extLst>
-              <a:ext uri="{FF2B5EF4-FFF2-40B4-BE49-F238E27FC236}">
-                <a16:creationId xmlns:a16="http://schemas.microsoft.com/office/drawing/2014/main" id="{13CBD747-30A9-3E97-2AD9-1D0D110D7CA1}"/>
-              </a:ext>
-            </a:extLst>
-          </p:cNvPr>
-          <p:cNvPicPr>
-            <a:picLocks noChangeAspect="1"/>
-          </p:cNvPicPr>
-          <p:nvPr/>
-        </p:nvPicPr>
-        <p:blipFill>
-          <a:blip r:embed="rId3">
-            <a:extLst>
-              <a:ext uri="{28A0092B-C50C-407E-A947-70E740481C1C}">
-                <a14:useLocalDpi xmlns:a14="http://schemas.microsoft.com/office/drawing/2010/main" val="0"/>
-              </a:ext>
-            </a:extLst>
-          </a:blip>
-          <a:stretch>
-            <a:fillRect/>
-          </a:stretch>
-        </p:blipFill>
-        <p:spPr>
-          <a:xfrm>
-            <a:off x="5459205" y="2563296"/>
-            <a:ext cx="5872250" cy="3523350"/>
-          </a:xfrm>
-          <a:prstGeom prst="rect">
-            <a:avLst/>
-          </a:prstGeom>
-        </p:spPr>
-      </p:pic>
-      <p:sp>
-        <p:nvSpPr>
-          <p:cNvPr id="17" name="TextBox 16">
-            <a:extLst>
-              <a:ext uri="{FF2B5EF4-FFF2-40B4-BE49-F238E27FC236}">
-                <a16:creationId xmlns:a16="http://schemas.microsoft.com/office/drawing/2014/main" id="{061F2C69-397A-2B3D-FB6D-9A5F09FD855E}"/>
-              </a:ext>
-            </a:extLst>
-          </p:cNvPr>
-          <p:cNvSpPr txBox="1"/>
-          <p:nvPr/>
-        </p:nvSpPr>
-        <p:spPr>
-          <a:xfrm>
-            <a:off x="8409736" y="2208646"/>
-            <a:ext cx="3320792" cy="369332"/>
-          </a:xfrm>
-          <a:prstGeom prst="rect">
-            <a:avLst/>
-          </a:prstGeom>
-          <a:noFill/>
-        </p:spPr>
-        <p:txBody>
-          <a:bodyPr wrap="square" rtlCol="0">
-            <a:spAutoFit/>
-          </a:bodyPr>
-          <a:lstStyle/>
-          <a:p>
-            <a:r>
-              <a:rPr lang="en-GB" dirty="0"/>
-              <a:t>Location, v close to gel. </a:t>
-            </a:r>
-          </a:p>
-        </p:txBody>
-      </p:sp>
-      <p:sp>
-        <p:nvSpPr>
-          <p:cNvPr id="18" name="TextBox 17">
-            <a:extLst>
-              <a:ext uri="{FF2B5EF4-FFF2-40B4-BE49-F238E27FC236}">
-                <a16:creationId xmlns:a16="http://schemas.microsoft.com/office/drawing/2014/main" id="{04C87A93-5C7D-7D68-E967-F4639B13B0BF}"/>
-              </a:ext>
-            </a:extLst>
-          </p:cNvPr>
-          <p:cNvSpPr txBox="1"/>
-          <p:nvPr/>
-        </p:nvSpPr>
-        <p:spPr>
-          <a:xfrm>
-            <a:off x="10165972" y="3053804"/>
-            <a:ext cx="1763169" cy="369332"/>
-          </a:xfrm>
-          <a:prstGeom prst="rect">
-            <a:avLst/>
-          </a:prstGeom>
-          <a:noFill/>
-        </p:spPr>
-        <p:txBody>
-          <a:bodyPr wrap="square" rtlCol="0">
-            <a:spAutoFit/>
-          </a:bodyPr>
-          <a:lstStyle/>
-          <a:p>
-            <a:r>
-              <a:rPr lang="en-GB" dirty="0"/>
-              <a:t>Output signal</a:t>
-            </a:r>
-          </a:p>
-        </p:txBody>
-      </p:sp>
-      <p:sp>
-        <p:nvSpPr>
-          <p:cNvPr id="19" name="TextBox 18">
-            <a:extLst>
-              <a:ext uri="{FF2B5EF4-FFF2-40B4-BE49-F238E27FC236}">
-                <a16:creationId xmlns:a16="http://schemas.microsoft.com/office/drawing/2014/main" id="{BB39541A-0481-2F36-3AF0-5A58ABF79A21}"/>
-              </a:ext>
-            </a:extLst>
-          </p:cNvPr>
-          <p:cNvSpPr txBox="1"/>
-          <p:nvPr/>
-        </p:nvSpPr>
-        <p:spPr>
-          <a:xfrm>
-            <a:off x="10070132" y="4396329"/>
-            <a:ext cx="2239528" cy="369332"/>
-          </a:xfrm>
-          <a:prstGeom prst="rect">
-            <a:avLst/>
-          </a:prstGeom>
-          <a:noFill/>
-        </p:spPr>
-        <p:txBody>
-          <a:bodyPr wrap="square" rtlCol="0">
-            <a:spAutoFit/>
-          </a:bodyPr>
-          <a:lstStyle/>
-          <a:p>
-            <a:r>
-              <a:rPr lang="en-GB" dirty="0"/>
-              <a:t>Measurement signal</a:t>
-            </a:r>
+        </p:nvSpPr>
+        <p:spPr/>
+        <p:txBody>
+          <a:bodyPr/>
+          <a:lstStyle/>
+          <a:p>
+            <a:r>
+              <a:rPr lang="en-US" dirty="0"/>
+              <a:t>Try  to test/fix the other side of the bono </a:t>
+            </a:r>
+            <a:r>
+              <a:rPr lang="en-US" dirty="0" err="1"/>
+              <a:t>tx</a:t>
+            </a:r>
+            <a:r>
+              <a:rPr lang="en-US" dirty="0"/>
+              <a:t>.</a:t>
+            </a:r>
+          </a:p>
+          <a:p>
+            <a:r>
+              <a:rPr lang="en-US" dirty="0"/>
+              <a:t>Esra said that high frequencies don’t penetrate… but then how do HF water filled antennas work? What I am seeing is HF everywhere as if </a:t>
+            </a:r>
+            <a:r>
+              <a:rPr lang="en-US"/>
+              <a:t>the medium no longer mattered.  </a:t>
+            </a:r>
+            <a:endParaRPr lang="en-GB" dirty="0"/>
           </a:p>
         </p:txBody>
       </p:sp>
     </p:spTree>
     <p:extLst>
       <p:ext uri="{BB962C8B-B14F-4D97-AF65-F5344CB8AC3E}">
-        <p14:creationId xmlns:p14="http://schemas.microsoft.com/office/powerpoint/2010/main" val="126054831"/>
+        <p14:creationId xmlns:p14="http://schemas.microsoft.com/office/powerpoint/2010/main" val="1897207269"/>
       </p:ext>
     </p:extLst>
   </p:cSld>
@@ -6356,7 +4006,7 @@
           <p:cNvPr id="2" name="Title 1">
             <a:extLst>
               <a:ext uri="{FF2B5EF4-FFF2-40B4-BE49-F238E27FC236}">
-                <a16:creationId xmlns:a16="http://schemas.microsoft.com/office/drawing/2014/main" id="{D3446F88-8B4B-F038-0E36-5759B37D74D3}"/>
+                <a16:creationId xmlns:a16="http://schemas.microsoft.com/office/drawing/2014/main" id="{B72C958B-CAB1-E423-75CF-884EC87974DF}"/>
               </a:ext>
             </a:extLst>
           </p:cNvPr>
@@ -6367,99 +4017,85 @@
             <p:ph type="title"/>
           </p:nvPr>
         </p:nvSpPr>
-        <p:spPr>
-          <a:xfrm>
-            <a:off x="838200" y="365125"/>
-            <a:ext cx="10515600" cy="638175"/>
-          </a:xfrm>
-        </p:spPr>
-        <p:txBody>
-          <a:bodyPr>
-            <a:normAutofit/>
-          </a:bodyPr>
-          <a:lstStyle/>
-          <a:p>
-            <a:r>
-              <a:rPr lang="en-GB" sz="3200" dirty="0"/>
-              <a:t>2khz and 2khz + 5Hz (same settings as previous page)</a:t>
-            </a:r>
-          </a:p>
-        </p:txBody>
-      </p:sp>
-      <p:pic>
-        <p:nvPicPr>
-          <p:cNvPr id="5" name="Content Placeholder 4" descr="A black and red sound waves&#10;&#10;Description automatically generated">
-            <a:extLst>
-              <a:ext uri="{FF2B5EF4-FFF2-40B4-BE49-F238E27FC236}">
-                <a16:creationId xmlns:a16="http://schemas.microsoft.com/office/drawing/2014/main" id="{9626CD3F-19DB-4549-8A3E-3A2A92689131}"/>
-              </a:ext>
-            </a:extLst>
-          </p:cNvPr>
-          <p:cNvPicPr>
-            <a:picLocks noGrp="1" noChangeAspect="1"/>
-          </p:cNvPicPr>
+        <p:spPr/>
+        <p:txBody>
+          <a:bodyPr/>
+          <a:lstStyle/>
+          <a:p>
+            <a:r>
+              <a:rPr lang="en-US" dirty="0"/>
+              <a:t>T2 – mouse with Pat’s surgery, isoflurane test. </a:t>
+            </a:r>
+            <a:endParaRPr lang="en-GB" dirty="0"/>
+          </a:p>
+        </p:txBody>
+      </p:sp>
+      <p:sp>
+        <p:nvSpPr>
+          <p:cNvPr id="3" name="Content Placeholder 2">
+            <a:extLst>
+              <a:ext uri="{FF2B5EF4-FFF2-40B4-BE49-F238E27FC236}">
+                <a16:creationId xmlns:a16="http://schemas.microsoft.com/office/drawing/2014/main" id="{C1EF6018-ED73-9AA7-9B53-283640E4648C}"/>
+              </a:ext>
+            </a:extLst>
+          </p:cNvPr>
+          <p:cNvSpPr>
+            <a:spLocks noGrp="1"/>
+          </p:cNvSpPr>
           <p:nvPr>
             <p:ph idx="1"/>
           </p:nvPr>
-        </p:nvPicPr>
-        <p:blipFill>
-          <a:blip r:embed="rId2">
-            <a:extLst>
-              <a:ext uri="{28A0092B-C50C-407E-A947-70E740481C1C}">
-                <a14:useLocalDpi xmlns:a14="http://schemas.microsoft.com/office/drawing/2010/main" val="0"/>
-              </a:ext>
-            </a:extLst>
-          </a:blip>
-          <a:stretch>
-            <a:fillRect/>
-          </a:stretch>
-        </p:blipFill>
-        <p:spPr>
-          <a:xfrm>
-            <a:off x="366766" y="941102"/>
-            <a:ext cx="8472434" cy="5083461"/>
-          </a:xfrm>
-        </p:spPr>
-      </p:pic>
-      <p:sp>
-        <p:nvSpPr>
-          <p:cNvPr id="6" name="TextBox 5">
-            <a:extLst>
-              <a:ext uri="{FF2B5EF4-FFF2-40B4-BE49-F238E27FC236}">
-                <a16:creationId xmlns:a16="http://schemas.microsoft.com/office/drawing/2014/main" id="{DE82F01F-8EEE-0C6C-A4BD-567D2F93C63C}"/>
-              </a:ext>
-            </a:extLst>
-          </p:cNvPr>
-          <p:cNvSpPr txBox="1"/>
-          <p:nvPr/>
-        </p:nvSpPr>
-        <p:spPr>
-          <a:xfrm>
-            <a:off x="8961120" y="2962037"/>
-            <a:ext cx="2209800" cy="369332"/>
-          </a:xfrm>
-          <a:prstGeom prst="rect">
-            <a:avLst/>
-          </a:prstGeom>
-          <a:noFill/>
-        </p:spPr>
-        <p:txBody>
-          <a:bodyPr wrap="square" rtlCol="0">
-            <a:spAutoFit/>
-          </a:bodyPr>
-          <a:lstStyle/>
-          <a:p>
-            <a:r>
-              <a:rPr lang="en-GB" dirty="0"/>
-              <a:t>Nothing there</a:t>
-            </a:r>
+        </p:nvSpPr>
+        <p:spPr/>
+        <p:txBody>
+          <a:bodyPr/>
+          <a:lstStyle/>
+          <a:p>
+            <a:r>
+              <a:rPr lang="en-US" dirty="0"/>
+              <a:t>Implanted electrodes, surgery earlier in the day. Given 2hr break. </a:t>
+            </a:r>
+          </a:p>
+          <a:p>
+            <a:r>
+              <a:rPr lang="en-US" dirty="0"/>
+              <a:t>Do e stim with the rf amplifier. Inc low frequency sinusoidal stim. </a:t>
+            </a:r>
+          </a:p>
+          <a:p>
+            <a:r>
+              <a:rPr lang="en-US" dirty="0"/>
+              <a:t>Add the impedance adapter in the path for the rf out</a:t>
+            </a:r>
+            <a:r>
+              <a:rPr lang="en-US"/>
+              <a:t>. </a:t>
+            </a:r>
+            <a:endParaRPr lang="en-US" dirty="0"/>
+          </a:p>
+          <a:p>
+            <a:r>
+              <a:rPr lang="en-US" dirty="0"/>
+              <a:t>Then do rf </a:t>
+            </a:r>
+            <a:r>
+              <a:rPr lang="en-US" dirty="0" err="1"/>
+              <a:t>ti</a:t>
+            </a:r>
+            <a:r>
+              <a:rPr lang="en-US" dirty="0"/>
+              <a:t> with the rf amplifier. </a:t>
+            </a:r>
+          </a:p>
+          <a:p>
+            <a:endParaRPr lang="en-GB" dirty="0"/>
           </a:p>
         </p:txBody>
       </p:sp>
     </p:spTree>
     <p:extLst>
       <p:ext uri="{BB962C8B-B14F-4D97-AF65-F5344CB8AC3E}">
-        <p14:creationId xmlns:p14="http://schemas.microsoft.com/office/powerpoint/2010/main" val="1963847564"/>
+        <p14:creationId xmlns:p14="http://schemas.microsoft.com/office/powerpoint/2010/main" val="31686074"/>
       </p:ext>
     </p:extLst>
   </p:cSld>
@@ -6491,7 +4127,7 @@
           <p:cNvPr id="2" name="Title 1">
             <a:extLst>
               <a:ext uri="{FF2B5EF4-FFF2-40B4-BE49-F238E27FC236}">
-                <a16:creationId xmlns:a16="http://schemas.microsoft.com/office/drawing/2014/main" id="{A9EC883D-6BDC-94CC-8E47-6B44117B4C10}"/>
+                <a16:creationId xmlns:a16="http://schemas.microsoft.com/office/drawing/2014/main" id="{F8811EE2-E316-CD20-C76A-2A7C47A7D274}"/>
               </a:ext>
             </a:extLst>
           </p:cNvPr>
@@ -6502,92 +4138,154 @@
             <p:ph type="title"/>
           </p:nvPr>
         </p:nvSpPr>
-        <p:spPr/>
-        <p:txBody>
-          <a:bodyPr/>
-          <a:lstStyle/>
-          <a:p>
-            <a:r>
-              <a:rPr lang="en-GB" dirty="0"/>
-              <a:t>Back to 1MHz, </a:t>
-            </a:r>
-            <a:r>
-              <a:rPr lang="en-GB" dirty="0" err="1"/>
-              <a:t>df</a:t>
-            </a:r>
-            <a:r>
-              <a:rPr lang="en-GB" dirty="0"/>
-              <a:t> = 3Hz. (file 3)</a:t>
-            </a:r>
-          </a:p>
-        </p:txBody>
-      </p:sp>
-      <p:pic>
-        <p:nvPicPr>
-          <p:cNvPr id="5" name="Content Placeholder 4" descr="A red and black sound waves&#10;&#10;Description automatically generated">
-            <a:extLst>
-              <a:ext uri="{FF2B5EF4-FFF2-40B4-BE49-F238E27FC236}">
-                <a16:creationId xmlns:a16="http://schemas.microsoft.com/office/drawing/2014/main" id="{A6485594-A709-834B-DC63-9D96A46FD748}"/>
-              </a:ext>
-            </a:extLst>
-          </p:cNvPr>
-          <p:cNvPicPr>
-            <a:picLocks noGrp="1" noChangeAspect="1"/>
-          </p:cNvPicPr>
-          <p:nvPr>
-            <p:ph idx="1"/>
-          </p:nvPr>
-        </p:nvPicPr>
-        <p:blipFill>
-          <a:blip r:embed="rId2">
-            <a:extLst>
-              <a:ext uri="{28A0092B-C50C-407E-A947-70E740481C1C}">
-                <a14:useLocalDpi xmlns:a14="http://schemas.microsoft.com/office/drawing/2010/main" val="0"/>
-              </a:ext>
-            </a:extLst>
-          </a:blip>
-          <a:stretch>
-            <a:fillRect/>
-          </a:stretch>
-        </p:blipFill>
         <p:spPr>
           <a:xfrm>
-            <a:off x="549645" y="1840865"/>
-            <a:ext cx="7252229" cy="4351338"/>
+            <a:off x="323850" y="195262"/>
+            <a:ext cx="10941050" cy="727075"/>
           </a:xfrm>
         </p:spPr>
-      </p:pic>
-      <p:sp>
-        <p:nvSpPr>
-          <p:cNvPr id="6" name="TextBox 5">
-            <a:extLst>
-              <a:ext uri="{FF2B5EF4-FFF2-40B4-BE49-F238E27FC236}">
-                <a16:creationId xmlns:a16="http://schemas.microsoft.com/office/drawing/2014/main" id="{9EE3EF84-D48F-1B62-AF77-73D40A48CB72}"/>
-              </a:ext>
-            </a:extLst>
-          </p:cNvPr>
-          <p:cNvSpPr txBox="1"/>
-          <p:nvPr/>
+        <p:txBody>
+          <a:bodyPr>
+            <a:normAutofit fontScale="90000"/>
+          </a:bodyPr>
+          <a:lstStyle/>
+          <a:p>
+            <a:r>
+              <a:rPr lang="en-US" dirty="0"/>
+              <a:t>Direct electrical stimulation and RF TI experiment-t2 </a:t>
+            </a:r>
+            <a:endParaRPr lang="en-GB" dirty="0"/>
+          </a:p>
+        </p:txBody>
+      </p:sp>
+      <p:sp>
+        <p:nvSpPr>
+          <p:cNvPr id="3" name="Content Placeholder 2">
+            <a:extLst>
+              <a:ext uri="{FF2B5EF4-FFF2-40B4-BE49-F238E27FC236}">
+                <a16:creationId xmlns:a16="http://schemas.microsoft.com/office/drawing/2014/main" id="{FD3AAA52-F84F-859D-55A6-2C353218004B}"/>
+              </a:ext>
+            </a:extLst>
+          </p:cNvPr>
+          <p:cNvSpPr>
+            <a:spLocks noGrp="1"/>
+          </p:cNvSpPr>
+          <p:nvPr>
+            <p:ph idx="1"/>
+          </p:nvPr>
         </p:nvSpPr>
         <p:spPr>
           <a:xfrm>
-            <a:off x="8199120" y="3230880"/>
-            <a:ext cx="2209800" cy="369332"/>
+            <a:off x="323850" y="1159668"/>
+            <a:ext cx="11544300" cy="5228432"/>
           </a:xfrm>
-          <a:prstGeom prst="rect">
-            <a:avLst/>
-          </a:prstGeom>
-          <a:noFill/>
         </p:spPr>
         <p:txBody>
-          <a:bodyPr wrap="square" rtlCol="0">
-            <a:spAutoFit/>
+          <a:bodyPr>
+            <a:normAutofit/>
           </a:bodyPr>
           <a:lstStyle/>
           <a:p>
             <a:r>
-              <a:rPr lang="en-GB" dirty="0"/>
-              <a:t>About 30 microvolts. </a:t>
+              <a:rPr lang="en-US" sz="1600" dirty="0"/>
+              <a:t>Direct e-stim using a pulse and sine wave. </a:t>
+            </a:r>
+          </a:p>
+          <a:p>
+            <a:pPr marL="514350" indent="-514350">
+              <a:buAutoNum type="arabicPeriod"/>
+            </a:pPr>
+            <a:r>
+              <a:rPr lang="en-US" sz="1600" dirty="0"/>
+              <a:t>Pulsed e stim, using preamp, and low pass filter set to 10k. </a:t>
+            </a:r>
+          </a:p>
+          <a:p>
+            <a:pPr marL="514350" indent="-514350">
+              <a:buAutoNum type="arabicPeriod"/>
+            </a:pPr>
+            <a:r>
+              <a:rPr lang="en-US" sz="1600" dirty="0"/>
+              <a:t>Low frequency direct sine wave, using a high-pass filter on the preamp. In this case, the stim electrode would be different to the measurement electrodes. The stim electrode can be placed in gel over the top of the mouse head, and the GND a cup electrode in the mouth. Can I see spikes? </a:t>
+            </a:r>
+          </a:p>
+          <a:p>
+            <a:pPr marL="0" indent="0">
+              <a:buNone/>
+            </a:pPr>
+            <a:r>
+              <a:rPr lang="en-US" sz="1600" dirty="0"/>
+              <a:t>Try a few different amplitudes. Where do I see a response? Is it isoflurane level dependent. </a:t>
+            </a:r>
+          </a:p>
+          <a:p>
+            <a:pPr marL="0" indent="0">
+              <a:buNone/>
+            </a:pPr>
+            <a:r>
+              <a:rPr lang="en-US" sz="1600" dirty="0"/>
+              <a:t>Remember to change the impedance adapter I and V </a:t>
+            </a:r>
+            <a:r>
+              <a:rPr lang="en-US" sz="1600" dirty="0" err="1"/>
+              <a:t>chans</a:t>
+            </a:r>
+            <a:r>
+              <a:rPr lang="en-US" sz="1600" dirty="0"/>
+              <a:t> to the bono transformer. </a:t>
+            </a:r>
+          </a:p>
+          <a:p>
+            <a:pPr marL="0" indent="0">
+              <a:buNone/>
+            </a:pPr>
+            <a:r>
+              <a:rPr lang="en-US" sz="1600" dirty="0"/>
+              <a:t>Silicon sheet using Transformer? , 5Hz and much high frequency 2MHz RF TI. Low pass filter in place. </a:t>
+            </a:r>
+          </a:p>
+          <a:p>
+            <a:pPr marL="514350" indent="-514350">
+              <a:buAutoNum type="arabicPeriod"/>
+            </a:pPr>
+            <a:r>
+              <a:rPr lang="en-US" sz="1600" dirty="0"/>
+              <a:t>Silicon sheet, then stim electrode in gel? Apply high frequency PRF set up at 2Mhz. Also apply direct 5Hz. What happens on the measurement electrodes for each case with the same difference frequency? </a:t>
+            </a:r>
+          </a:p>
+          <a:p>
+            <a:pPr marL="0" indent="0">
+              <a:buNone/>
+            </a:pPr>
+            <a:r>
+              <a:rPr lang="en-US" dirty="0"/>
+              <a:t>Code rf_ti_hf_test.py</a:t>
+            </a:r>
+          </a:p>
+          <a:p>
+            <a:pPr marL="0" indent="0">
+              <a:buNone/>
+            </a:pPr>
+            <a:r>
+              <a:rPr lang="en-US" dirty="0"/>
+              <a:t>Goal: See pulse induced LFPs, and sine wave induced spikes. </a:t>
+            </a:r>
+          </a:p>
+          <a:p>
+            <a:pPr marL="0" indent="0">
+              <a:buNone/>
+            </a:pPr>
+            <a:r>
+              <a:rPr lang="en-US" dirty="0"/>
+              <a:t>Then try rf </a:t>
+            </a:r>
+            <a:r>
+              <a:rPr lang="en-US" dirty="0" err="1"/>
+              <a:t>ti</a:t>
+            </a:r>
+            <a:r>
+              <a:rPr lang="en-US" dirty="0"/>
+              <a:t> again, but at 2Mhz, try to adjust iso level until I get spikes. </a:t>
             </a:r>
           </a:p>
         </p:txBody>
@@ -6595,7 +4293,7 @@
     </p:spTree>
     <p:extLst>
       <p:ext uri="{BB962C8B-B14F-4D97-AF65-F5344CB8AC3E}">
-        <p14:creationId xmlns:p14="http://schemas.microsoft.com/office/powerpoint/2010/main" val="1551330799"/>
+        <p14:creationId xmlns:p14="http://schemas.microsoft.com/office/powerpoint/2010/main" val="3302803305"/>
       </p:ext>
     </p:extLst>
   </p:cSld>
@@ -6627,7 +4325,7 @@
           <p:cNvPr id="2" name="Title 1">
             <a:extLst>
               <a:ext uri="{FF2B5EF4-FFF2-40B4-BE49-F238E27FC236}">
-                <a16:creationId xmlns:a16="http://schemas.microsoft.com/office/drawing/2014/main" id="{DEBB08EF-BEA3-994D-5922-49FAD81C91D9}"/>
+                <a16:creationId xmlns:a16="http://schemas.microsoft.com/office/drawing/2014/main" id="{4B488D07-FF66-E589-5219-145658720314}"/>
               </a:ext>
             </a:extLst>
           </p:cNvPr>
@@ -6638,41 +4336,78 @@
             <p:ph type="title"/>
           </p:nvPr>
         </p:nvSpPr>
-        <p:spPr/>
-        <p:txBody>
-          <a:bodyPr/>
-          <a:lstStyle/>
-          <a:p>
-            <a:r>
-              <a:rPr lang="en-GB" dirty="0"/>
-              <a:t>1MHz carrier, </a:t>
-            </a:r>
-            <a:r>
-              <a:rPr lang="en-GB" dirty="0" err="1"/>
-              <a:t>df</a:t>
-            </a:r>
-            <a:r>
-              <a:rPr lang="en-GB" dirty="0"/>
-              <a:t> = 1Hz. (file 4)</a:t>
-            </a:r>
+        <p:spPr>
+          <a:xfrm>
+            <a:off x="838200" y="314959"/>
+            <a:ext cx="10515600" cy="732155"/>
+          </a:xfrm>
+        </p:spPr>
+        <p:txBody>
+          <a:bodyPr>
+            <a:normAutofit/>
+          </a:bodyPr>
+          <a:lstStyle/>
+          <a:p>
+            <a:r>
+              <a:rPr lang="en-US" sz="2400" dirty="0"/>
+              <a:t>T2 results – I can see something I think.. But it is very small and unconvincing. </a:t>
+            </a:r>
+            <a:endParaRPr lang="en-GB" sz="2400" dirty="0"/>
+          </a:p>
+        </p:txBody>
+      </p:sp>
+      <p:sp>
+        <p:nvSpPr>
+          <p:cNvPr id="5" name="Content Placeholder 4">
+            <a:extLst>
+              <a:ext uri="{FF2B5EF4-FFF2-40B4-BE49-F238E27FC236}">
+                <a16:creationId xmlns:a16="http://schemas.microsoft.com/office/drawing/2014/main" id="{75099920-224E-AF68-F3DB-BD1F59362827}"/>
+              </a:ext>
+            </a:extLst>
+          </p:cNvPr>
+          <p:cNvSpPr>
+            <a:spLocks noGrp="1"/>
+          </p:cNvSpPr>
+          <p:nvPr>
+            <p:ph idx="1"/>
+          </p:nvPr>
+        </p:nvSpPr>
+        <p:spPr>
+          <a:xfrm>
+            <a:off x="1759471" y="2422525"/>
+            <a:ext cx="2844800" cy="371475"/>
+          </a:xfrm>
+        </p:spPr>
+        <p:txBody>
+          <a:bodyPr>
+            <a:normAutofit/>
+          </a:bodyPr>
+          <a:lstStyle/>
+          <a:p>
+            <a:pPr marL="0" indent="0">
+              <a:buNone/>
+            </a:pPr>
+            <a:r>
+              <a:rPr lang="en-US" sz="1400" dirty="0"/>
+              <a:t>Direct stim results PRF = 1</a:t>
+            </a:r>
+            <a:endParaRPr lang="en-GB" sz="1400" dirty="0"/>
           </a:p>
         </p:txBody>
       </p:sp>
       <p:pic>
         <p:nvPicPr>
-          <p:cNvPr id="5" name="Content Placeholder 4" descr="A red and black graph&#10;&#10;Description automatically generated">
-            <a:extLst>
-              <a:ext uri="{FF2B5EF4-FFF2-40B4-BE49-F238E27FC236}">
-                <a16:creationId xmlns:a16="http://schemas.microsoft.com/office/drawing/2014/main" id="{2B957779-7112-2AA8-B8FB-D206EA809300}"/>
+          <p:cNvPr id="7" name="Picture 6" descr="A graph of a graph of a graph&#10;&#10;Description automatically generated with medium confidence">
+            <a:extLst>
+              <a:ext uri="{FF2B5EF4-FFF2-40B4-BE49-F238E27FC236}">
+                <a16:creationId xmlns:a16="http://schemas.microsoft.com/office/drawing/2014/main" id="{46536014-1B28-B091-5C81-2C498FD73913}"/>
               </a:ext>
             </a:extLst>
           </p:cNvPr>
           <p:cNvPicPr>
-            <a:picLocks noGrp="1" noChangeAspect="1"/>
+            <a:picLocks noChangeAspect="1"/>
           </p:cNvPicPr>
-          <p:nvPr>
-            <p:ph idx="1"/>
-          </p:nvPr>
+          <p:nvPr/>
         </p:nvPicPr>
         <p:blipFill>
           <a:blip r:embed="rId2">
@@ -6688,50 +4423,562 @@
         </p:blipFill>
         <p:spPr>
           <a:xfrm>
-            <a:off x="976365" y="1690688"/>
-            <a:ext cx="7252229" cy="4351338"/>
-          </a:xfrm>
-        </p:spPr>
-      </p:pic>
-      <p:sp>
-        <p:nvSpPr>
-          <p:cNvPr id="6" name="TextBox 5">
-            <a:extLst>
-              <a:ext uri="{FF2B5EF4-FFF2-40B4-BE49-F238E27FC236}">
-                <a16:creationId xmlns:a16="http://schemas.microsoft.com/office/drawing/2014/main" id="{8813FDD1-31CC-B433-B479-475D14B2FA2C}"/>
-              </a:ext>
-            </a:extLst>
-          </p:cNvPr>
-          <p:cNvSpPr txBox="1"/>
-          <p:nvPr/>
-        </p:nvSpPr>
-        <p:spPr>
-          <a:xfrm>
-            <a:off x="8366759" y="3681691"/>
-            <a:ext cx="2209800" cy="369332"/>
+            <a:off x="465659" y="2912750"/>
+            <a:ext cx="5432425" cy="3259455"/>
           </a:xfrm>
           <a:prstGeom prst="rect">
             <a:avLst/>
           </a:prstGeom>
-          <a:noFill/>
         </p:spPr>
-        <p:txBody>
-          <a:bodyPr wrap="square" rtlCol="0">
-            <a:spAutoFit/>
+      </p:pic>
+      <p:pic>
+        <p:nvPicPr>
+          <p:cNvPr id="9" name="Picture 8" descr="A graph of a graph of a graph&#10;&#10;Description automatically generated with medium confidence">
+            <a:extLst>
+              <a:ext uri="{FF2B5EF4-FFF2-40B4-BE49-F238E27FC236}">
+                <a16:creationId xmlns:a16="http://schemas.microsoft.com/office/drawing/2014/main" id="{8EC1C0DC-E57A-E689-21E5-B6B99B4DBF20}"/>
+              </a:ext>
+            </a:extLst>
+          </p:cNvPr>
+          <p:cNvPicPr>
+            <a:picLocks noChangeAspect="1"/>
+          </p:cNvPicPr>
+          <p:nvPr/>
+        </p:nvPicPr>
+        <p:blipFill>
+          <a:blip r:embed="rId3">
+            <a:extLst>
+              <a:ext uri="{28A0092B-C50C-407E-A947-70E740481C1C}">
+                <a14:useLocalDpi xmlns:a14="http://schemas.microsoft.com/office/drawing/2010/main" val="0"/>
+              </a:ext>
+            </a:extLst>
+          </a:blip>
+          <a:stretch>
+            <a:fillRect/>
+          </a:stretch>
+        </p:blipFill>
+        <p:spPr>
+          <a:xfrm>
+            <a:off x="6096000" y="2794000"/>
+            <a:ext cx="5630341" cy="3378205"/>
+          </a:xfrm>
+          <a:prstGeom prst="rect">
+            <a:avLst/>
+          </a:prstGeom>
+        </p:spPr>
+      </p:pic>
+      <p:sp>
+        <p:nvSpPr>
+          <p:cNvPr id="10" name="Content Placeholder 4">
+            <a:extLst>
+              <a:ext uri="{FF2B5EF4-FFF2-40B4-BE49-F238E27FC236}">
+                <a16:creationId xmlns:a16="http://schemas.microsoft.com/office/drawing/2014/main" id="{3F566A53-ECD4-F223-497B-8ECFF407053C}"/>
+              </a:ext>
+            </a:extLst>
+          </p:cNvPr>
+          <p:cNvSpPr txBox="1">
+            <a:spLocks/>
+          </p:cNvSpPr>
+          <p:nvPr/>
+        </p:nvSpPr>
+        <p:spPr>
+          <a:xfrm>
+            <a:off x="7271271" y="2422525"/>
+            <a:ext cx="2844800" cy="371475"/>
+          </a:xfrm>
+          <a:prstGeom prst="rect">
+            <a:avLst/>
+          </a:prstGeom>
+        </p:spPr>
+        <p:txBody>
+          <a:bodyPr vert="horz" lIns="91440" tIns="45720" rIns="91440" bIns="45720" rtlCol="0">
+            <a:normAutofit/>
           </a:bodyPr>
-          <a:lstStyle/>
-          <a:p>
-            <a:r>
-              <a:rPr lang="en-GB" dirty="0"/>
-              <a:t>About 30 microvolts. </a:t>
-            </a:r>
+          <a:lstStyle>
+            <a:lvl1pPr marL="228600" indent="-228600" algn="l" defTabSz="914400" rtl="0" eaLnBrk="1" latinLnBrk="0" hangingPunct="1">
+              <a:lnSpc>
+                <a:spcPct val="90000"/>
+              </a:lnSpc>
+              <a:spcBef>
+                <a:spcPts val="1000"/>
+              </a:spcBef>
+              <a:buFont typeface="Arial" panose="020B0604020202020204" pitchFamily="34" charset="0"/>
+              <a:buChar char="•"/>
+              <a:defRPr sz="2800" kern="1200">
+                <a:solidFill>
+                  <a:schemeClr val="tx1"/>
+                </a:solidFill>
+                <a:latin typeface="+mn-lt"/>
+                <a:ea typeface="+mn-ea"/>
+                <a:cs typeface="+mn-cs"/>
+              </a:defRPr>
+            </a:lvl1pPr>
+            <a:lvl2pPr marL="685800" indent="-228600" algn="l" defTabSz="914400" rtl="0" eaLnBrk="1" latinLnBrk="0" hangingPunct="1">
+              <a:lnSpc>
+                <a:spcPct val="90000"/>
+              </a:lnSpc>
+              <a:spcBef>
+                <a:spcPts val="500"/>
+              </a:spcBef>
+              <a:buFont typeface="Arial" panose="020B0604020202020204" pitchFamily="34" charset="0"/>
+              <a:buChar char="•"/>
+              <a:defRPr sz="2400" kern="1200">
+                <a:solidFill>
+                  <a:schemeClr val="tx1"/>
+                </a:solidFill>
+                <a:latin typeface="+mn-lt"/>
+                <a:ea typeface="+mn-ea"/>
+                <a:cs typeface="+mn-cs"/>
+              </a:defRPr>
+            </a:lvl2pPr>
+            <a:lvl3pPr marL="1143000" indent="-228600" algn="l" defTabSz="914400" rtl="0" eaLnBrk="1" latinLnBrk="0" hangingPunct="1">
+              <a:lnSpc>
+                <a:spcPct val="90000"/>
+              </a:lnSpc>
+              <a:spcBef>
+                <a:spcPts val="500"/>
+              </a:spcBef>
+              <a:buFont typeface="Arial" panose="020B0604020202020204" pitchFamily="34" charset="0"/>
+              <a:buChar char="•"/>
+              <a:defRPr sz="2000" kern="1200">
+                <a:solidFill>
+                  <a:schemeClr val="tx1"/>
+                </a:solidFill>
+                <a:latin typeface="+mn-lt"/>
+                <a:ea typeface="+mn-ea"/>
+                <a:cs typeface="+mn-cs"/>
+              </a:defRPr>
+            </a:lvl3pPr>
+            <a:lvl4pPr marL="1600200" indent="-228600" algn="l" defTabSz="914400" rtl="0" eaLnBrk="1" latinLnBrk="0" hangingPunct="1">
+              <a:lnSpc>
+                <a:spcPct val="90000"/>
+              </a:lnSpc>
+              <a:spcBef>
+                <a:spcPts val="500"/>
+              </a:spcBef>
+              <a:buFont typeface="Arial" panose="020B0604020202020204" pitchFamily="34" charset="0"/>
+              <a:buChar char="•"/>
+              <a:defRPr sz="1800" kern="1200">
+                <a:solidFill>
+                  <a:schemeClr val="tx1"/>
+                </a:solidFill>
+                <a:latin typeface="+mn-lt"/>
+                <a:ea typeface="+mn-ea"/>
+                <a:cs typeface="+mn-cs"/>
+              </a:defRPr>
+            </a:lvl4pPr>
+            <a:lvl5pPr marL="2057400" indent="-228600" algn="l" defTabSz="914400" rtl="0" eaLnBrk="1" latinLnBrk="0" hangingPunct="1">
+              <a:lnSpc>
+                <a:spcPct val="90000"/>
+              </a:lnSpc>
+              <a:spcBef>
+                <a:spcPts val="500"/>
+              </a:spcBef>
+              <a:buFont typeface="Arial" panose="020B0604020202020204" pitchFamily="34" charset="0"/>
+              <a:buChar char="•"/>
+              <a:defRPr sz="1800" kern="1200">
+                <a:solidFill>
+                  <a:schemeClr val="tx1"/>
+                </a:solidFill>
+                <a:latin typeface="+mn-lt"/>
+                <a:ea typeface="+mn-ea"/>
+                <a:cs typeface="+mn-cs"/>
+              </a:defRPr>
+            </a:lvl5pPr>
+            <a:lvl6pPr marL="2514600" indent="-228600" algn="l" defTabSz="914400" rtl="0" eaLnBrk="1" latinLnBrk="0" hangingPunct="1">
+              <a:lnSpc>
+                <a:spcPct val="90000"/>
+              </a:lnSpc>
+              <a:spcBef>
+                <a:spcPts val="500"/>
+              </a:spcBef>
+              <a:buFont typeface="Arial" panose="020B0604020202020204" pitchFamily="34" charset="0"/>
+              <a:buChar char="•"/>
+              <a:defRPr sz="1800" kern="1200">
+                <a:solidFill>
+                  <a:schemeClr val="tx1"/>
+                </a:solidFill>
+                <a:latin typeface="+mn-lt"/>
+                <a:ea typeface="+mn-ea"/>
+                <a:cs typeface="+mn-cs"/>
+              </a:defRPr>
+            </a:lvl6pPr>
+            <a:lvl7pPr marL="2971800" indent="-228600" algn="l" defTabSz="914400" rtl="0" eaLnBrk="1" latinLnBrk="0" hangingPunct="1">
+              <a:lnSpc>
+                <a:spcPct val="90000"/>
+              </a:lnSpc>
+              <a:spcBef>
+                <a:spcPts val="500"/>
+              </a:spcBef>
+              <a:buFont typeface="Arial" panose="020B0604020202020204" pitchFamily="34" charset="0"/>
+              <a:buChar char="•"/>
+              <a:defRPr sz="1800" kern="1200">
+                <a:solidFill>
+                  <a:schemeClr val="tx1"/>
+                </a:solidFill>
+                <a:latin typeface="+mn-lt"/>
+                <a:ea typeface="+mn-ea"/>
+                <a:cs typeface="+mn-cs"/>
+              </a:defRPr>
+            </a:lvl7pPr>
+            <a:lvl8pPr marL="3429000" indent="-228600" algn="l" defTabSz="914400" rtl="0" eaLnBrk="1" latinLnBrk="0" hangingPunct="1">
+              <a:lnSpc>
+                <a:spcPct val="90000"/>
+              </a:lnSpc>
+              <a:spcBef>
+                <a:spcPts val="500"/>
+              </a:spcBef>
+              <a:buFont typeface="Arial" panose="020B0604020202020204" pitchFamily="34" charset="0"/>
+              <a:buChar char="•"/>
+              <a:defRPr sz="1800" kern="1200">
+                <a:solidFill>
+                  <a:schemeClr val="tx1"/>
+                </a:solidFill>
+                <a:latin typeface="+mn-lt"/>
+                <a:ea typeface="+mn-ea"/>
+                <a:cs typeface="+mn-cs"/>
+              </a:defRPr>
+            </a:lvl8pPr>
+            <a:lvl9pPr marL="3886200" indent="-228600" algn="l" defTabSz="914400" rtl="0" eaLnBrk="1" latinLnBrk="0" hangingPunct="1">
+              <a:lnSpc>
+                <a:spcPct val="90000"/>
+              </a:lnSpc>
+              <a:spcBef>
+                <a:spcPts val="500"/>
+              </a:spcBef>
+              <a:buFont typeface="Arial" panose="020B0604020202020204" pitchFamily="34" charset="0"/>
+              <a:buChar char="•"/>
+              <a:defRPr sz="1800" kern="1200">
+                <a:solidFill>
+                  <a:schemeClr val="tx1"/>
+                </a:solidFill>
+                <a:latin typeface="+mn-lt"/>
+                <a:ea typeface="+mn-ea"/>
+                <a:cs typeface="+mn-cs"/>
+              </a:defRPr>
+            </a:lvl9pPr>
+          </a:lstStyle>
+          <a:p>
+            <a:pPr marL="0" indent="0">
+              <a:buNone/>
+            </a:pPr>
+            <a:r>
+              <a:rPr lang="en-US" sz="1400" dirty="0"/>
+              <a:t>Direct stim results PRF = 2</a:t>
+            </a:r>
+            <a:endParaRPr lang="en-GB" sz="1400" dirty="0"/>
+          </a:p>
+        </p:txBody>
+      </p:sp>
+      <p:sp>
+        <p:nvSpPr>
+          <p:cNvPr id="11" name="Oval 10">
+            <a:extLst>
+              <a:ext uri="{FF2B5EF4-FFF2-40B4-BE49-F238E27FC236}">
+                <a16:creationId xmlns:a16="http://schemas.microsoft.com/office/drawing/2014/main" id="{D179C6CE-2424-9517-4E9A-56EBE6631D7A}"/>
+              </a:ext>
+            </a:extLst>
+          </p:cNvPr>
+          <p:cNvSpPr/>
+          <p:nvPr/>
+        </p:nvSpPr>
+        <p:spPr>
+          <a:xfrm>
+            <a:off x="7975600" y="3289300"/>
+            <a:ext cx="695960" cy="774701"/>
+          </a:xfrm>
+          <a:prstGeom prst="ellipse">
+            <a:avLst/>
+          </a:prstGeom>
+          <a:solidFill>
+            <a:schemeClr val="bg1">
+              <a:alpha val="0"/>
+            </a:schemeClr>
+          </a:solidFill>
+        </p:spPr>
+        <p:style>
+          <a:lnRef idx="2">
+            <a:schemeClr val="accent1">
+              <a:shade val="15000"/>
+            </a:schemeClr>
+          </a:lnRef>
+          <a:fillRef idx="1">
+            <a:schemeClr val="accent1"/>
+          </a:fillRef>
+          <a:effectRef idx="0">
+            <a:schemeClr val="accent1"/>
+          </a:effectRef>
+          <a:fontRef idx="minor">
+            <a:schemeClr val="lt1"/>
+          </a:fontRef>
+        </p:style>
+        <p:txBody>
+          <a:bodyPr rtlCol="0" anchor="ctr"/>
+          <a:lstStyle/>
+          <a:p>
+            <a:pPr algn="ctr"/>
+            <a:endParaRPr lang="en-GB"/>
+          </a:p>
+        </p:txBody>
+      </p:sp>
+      <p:sp>
+        <p:nvSpPr>
+          <p:cNvPr id="12" name="Oval 11">
+            <a:extLst>
+              <a:ext uri="{FF2B5EF4-FFF2-40B4-BE49-F238E27FC236}">
+                <a16:creationId xmlns:a16="http://schemas.microsoft.com/office/drawing/2014/main" id="{9B79BF8A-7741-F5A0-2B32-F4D084FFEC34}"/>
+              </a:ext>
+            </a:extLst>
+          </p:cNvPr>
+          <p:cNvSpPr/>
+          <p:nvPr/>
+        </p:nvSpPr>
+        <p:spPr>
+          <a:xfrm>
+            <a:off x="2265680" y="3606800"/>
+            <a:ext cx="439420" cy="651511"/>
+          </a:xfrm>
+          <a:prstGeom prst="ellipse">
+            <a:avLst/>
+          </a:prstGeom>
+          <a:solidFill>
+            <a:schemeClr val="bg1">
+              <a:alpha val="0"/>
+            </a:schemeClr>
+          </a:solidFill>
+        </p:spPr>
+        <p:style>
+          <a:lnRef idx="2">
+            <a:schemeClr val="accent1">
+              <a:shade val="15000"/>
+            </a:schemeClr>
+          </a:lnRef>
+          <a:fillRef idx="1">
+            <a:schemeClr val="accent1"/>
+          </a:fillRef>
+          <a:effectRef idx="0">
+            <a:schemeClr val="accent1"/>
+          </a:effectRef>
+          <a:fontRef idx="minor">
+            <a:schemeClr val="lt1"/>
+          </a:fontRef>
+        </p:style>
+        <p:txBody>
+          <a:bodyPr rtlCol="0" anchor="ctr"/>
+          <a:lstStyle/>
+          <a:p>
+            <a:pPr algn="ctr"/>
+            <a:endParaRPr lang="en-GB"/>
+          </a:p>
+        </p:txBody>
+      </p:sp>
+      <p:sp>
+        <p:nvSpPr>
+          <p:cNvPr id="13" name="Content Placeholder 4">
+            <a:extLst>
+              <a:ext uri="{FF2B5EF4-FFF2-40B4-BE49-F238E27FC236}">
+                <a16:creationId xmlns:a16="http://schemas.microsoft.com/office/drawing/2014/main" id="{94BAA7A8-9392-16C1-1B1D-BFBC05453C3F}"/>
+              </a:ext>
+            </a:extLst>
+          </p:cNvPr>
+          <p:cNvSpPr txBox="1">
+            <a:spLocks/>
+          </p:cNvSpPr>
+          <p:nvPr/>
+        </p:nvSpPr>
+        <p:spPr>
+          <a:xfrm>
+            <a:off x="8396491" y="1445895"/>
+            <a:ext cx="2844800" cy="371475"/>
+          </a:xfrm>
+          <a:prstGeom prst="rect">
+            <a:avLst/>
+          </a:prstGeom>
+        </p:spPr>
+        <p:txBody>
+          <a:bodyPr vert="horz" lIns="91440" tIns="45720" rIns="91440" bIns="45720" rtlCol="0">
+            <a:normAutofit fontScale="92500"/>
+          </a:bodyPr>
+          <a:lstStyle>
+            <a:lvl1pPr marL="228600" indent="-228600" algn="l" defTabSz="914400" rtl="0" eaLnBrk="1" latinLnBrk="0" hangingPunct="1">
+              <a:lnSpc>
+                <a:spcPct val="90000"/>
+              </a:lnSpc>
+              <a:spcBef>
+                <a:spcPts val="1000"/>
+              </a:spcBef>
+              <a:buFont typeface="Arial" panose="020B0604020202020204" pitchFamily="34" charset="0"/>
+              <a:buChar char="•"/>
+              <a:defRPr sz="2800" kern="1200">
+                <a:solidFill>
+                  <a:schemeClr val="tx1"/>
+                </a:solidFill>
+                <a:latin typeface="+mn-lt"/>
+                <a:ea typeface="+mn-ea"/>
+                <a:cs typeface="+mn-cs"/>
+              </a:defRPr>
+            </a:lvl1pPr>
+            <a:lvl2pPr marL="685800" indent="-228600" algn="l" defTabSz="914400" rtl="0" eaLnBrk="1" latinLnBrk="0" hangingPunct="1">
+              <a:lnSpc>
+                <a:spcPct val="90000"/>
+              </a:lnSpc>
+              <a:spcBef>
+                <a:spcPts val="500"/>
+              </a:spcBef>
+              <a:buFont typeface="Arial" panose="020B0604020202020204" pitchFamily="34" charset="0"/>
+              <a:buChar char="•"/>
+              <a:defRPr sz="2400" kern="1200">
+                <a:solidFill>
+                  <a:schemeClr val="tx1"/>
+                </a:solidFill>
+                <a:latin typeface="+mn-lt"/>
+                <a:ea typeface="+mn-ea"/>
+                <a:cs typeface="+mn-cs"/>
+              </a:defRPr>
+            </a:lvl2pPr>
+            <a:lvl3pPr marL="1143000" indent="-228600" algn="l" defTabSz="914400" rtl="0" eaLnBrk="1" latinLnBrk="0" hangingPunct="1">
+              <a:lnSpc>
+                <a:spcPct val="90000"/>
+              </a:lnSpc>
+              <a:spcBef>
+                <a:spcPts val="500"/>
+              </a:spcBef>
+              <a:buFont typeface="Arial" panose="020B0604020202020204" pitchFamily="34" charset="0"/>
+              <a:buChar char="•"/>
+              <a:defRPr sz="2000" kern="1200">
+                <a:solidFill>
+                  <a:schemeClr val="tx1"/>
+                </a:solidFill>
+                <a:latin typeface="+mn-lt"/>
+                <a:ea typeface="+mn-ea"/>
+                <a:cs typeface="+mn-cs"/>
+              </a:defRPr>
+            </a:lvl3pPr>
+            <a:lvl4pPr marL="1600200" indent="-228600" algn="l" defTabSz="914400" rtl="0" eaLnBrk="1" latinLnBrk="0" hangingPunct="1">
+              <a:lnSpc>
+                <a:spcPct val="90000"/>
+              </a:lnSpc>
+              <a:spcBef>
+                <a:spcPts val="500"/>
+              </a:spcBef>
+              <a:buFont typeface="Arial" panose="020B0604020202020204" pitchFamily="34" charset="0"/>
+              <a:buChar char="•"/>
+              <a:defRPr sz="1800" kern="1200">
+                <a:solidFill>
+                  <a:schemeClr val="tx1"/>
+                </a:solidFill>
+                <a:latin typeface="+mn-lt"/>
+                <a:ea typeface="+mn-ea"/>
+                <a:cs typeface="+mn-cs"/>
+              </a:defRPr>
+            </a:lvl4pPr>
+            <a:lvl5pPr marL="2057400" indent="-228600" algn="l" defTabSz="914400" rtl="0" eaLnBrk="1" latinLnBrk="0" hangingPunct="1">
+              <a:lnSpc>
+                <a:spcPct val="90000"/>
+              </a:lnSpc>
+              <a:spcBef>
+                <a:spcPts val="500"/>
+              </a:spcBef>
+              <a:buFont typeface="Arial" panose="020B0604020202020204" pitchFamily="34" charset="0"/>
+              <a:buChar char="•"/>
+              <a:defRPr sz="1800" kern="1200">
+                <a:solidFill>
+                  <a:schemeClr val="tx1"/>
+                </a:solidFill>
+                <a:latin typeface="+mn-lt"/>
+                <a:ea typeface="+mn-ea"/>
+                <a:cs typeface="+mn-cs"/>
+              </a:defRPr>
+            </a:lvl5pPr>
+            <a:lvl6pPr marL="2514600" indent="-228600" algn="l" defTabSz="914400" rtl="0" eaLnBrk="1" latinLnBrk="0" hangingPunct="1">
+              <a:lnSpc>
+                <a:spcPct val="90000"/>
+              </a:lnSpc>
+              <a:spcBef>
+                <a:spcPts val="500"/>
+              </a:spcBef>
+              <a:buFont typeface="Arial" panose="020B0604020202020204" pitchFamily="34" charset="0"/>
+              <a:buChar char="•"/>
+              <a:defRPr sz="1800" kern="1200">
+                <a:solidFill>
+                  <a:schemeClr val="tx1"/>
+                </a:solidFill>
+                <a:latin typeface="+mn-lt"/>
+                <a:ea typeface="+mn-ea"/>
+                <a:cs typeface="+mn-cs"/>
+              </a:defRPr>
+            </a:lvl6pPr>
+            <a:lvl7pPr marL="2971800" indent="-228600" algn="l" defTabSz="914400" rtl="0" eaLnBrk="1" latinLnBrk="0" hangingPunct="1">
+              <a:lnSpc>
+                <a:spcPct val="90000"/>
+              </a:lnSpc>
+              <a:spcBef>
+                <a:spcPts val="500"/>
+              </a:spcBef>
+              <a:buFont typeface="Arial" panose="020B0604020202020204" pitchFamily="34" charset="0"/>
+              <a:buChar char="•"/>
+              <a:defRPr sz="1800" kern="1200">
+                <a:solidFill>
+                  <a:schemeClr val="tx1"/>
+                </a:solidFill>
+                <a:latin typeface="+mn-lt"/>
+                <a:ea typeface="+mn-ea"/>
+                <a:cs typeface="+mn-cs"/>
+              </a:defRPr>
+            </a:lvl7pPr>
+            <a:lvl8pPr marL="3429000" indent="-228600" algn="l" defTabSz="914400" rtl="0" eaLnBrk="1" latinLnBrk="0" hangingPunct="1">
+              <a:lnSpc>
+                <a:spcPct val="90000"/>
+              </a:lnSpc>
+              <a:spcBef>
+                <a:spcPts val="500"/>
+              </a:spcBef>
+              <a:buFont typeface="Arial" panose="020B0604020202020204" pitchFamily="34" charset="0"/>
+              <a:buChar char="•"/>
+              <a:defRPr sz="1800" kern="1200">
+                <a:solidFill>
+                  <a:schemeClr val="tx1"/>
+                </a:solidFill>
+                <a:latin typeface="+mn-lt"/>
+                <a:ea typeface="+mn-ea"/>
+                <a:cs typeface="+mn-cs"/>
+              </a:defRPr>
+            </a:lvl8pPr>
+            <a:lvl9pPr marL="3886200" indent="-228600" algn="l" defTabSz="914400" rtl="0" eaLnBrk="1" latinLnBrk="0" hangingPunct="1">
+              <a:lnSpc>
+                <a:spcPct val="90000"/>
+              </a:lnSpc>
+              <a:spcBef>
+                <a:spcPts val="500"/>
+              </a:spcBef>
+              <a:buFont typeface="Arial" panose="020B0604020202020204" pitchFamily="34" charset="0"/>
+              <a:buChar char="•"/>
+              <a:defRPr sz="1800" kern="1200">
+                <a:solidFill>
+                  <a:schemeClr val="tx1"/>
+                </a:solidFill>
+                <a:latin typeface="+mn-lt"/>
+                <a:ea typeface="+mn-ea"/>
+                <a:cs typeface="+mn-cs"/>
+              </a:defRPr>
+            </a:lvl9pPr>
+          </a:lstStyle>
+          <a:p>
+            <a:pPr marL="0" indent="0">
+              <a:buNone/>
+            </a:pPr>
+            <a:r>
+              <a:rPr lang="en-US" sz="1400" dirty="0"/>
+              <a:t>Error bar is the 95% confidence interval</a:t>
+            </a:r>
+            <a:endParaRPr lang="en-GB" sz="1400" dirty="0"/>
           </a:p>
         </p:txBody>
       </p:sp>
     </p:spTree>
     <p:extLst>
       <p:ext uri="{BB962C8B-B14F-4D97-AF65-F5344CB8AC3E}">
-        <p14:creationId xmlns:p14="http://schemas.microsoft.com/office/powerpoint/2010/main" val="2836892060"/>
+        <p14:creationId xmlns:p14="http://schemas.microsoft.com/office/powerpoint/2010/main" val="3533381317"/>
       </p:ext>
     </p:extLst>
   </p:cSld>
@@ -6763,7 +5010,7 @@
           <p:cNvPr id="2" name="Title 1">
             <a:extLst>
               <a:ext uri="{FF2B5EF4-FFF2-40B4-BE49-F238E27FC236}">
-                <a16:creationId xmlns:a16="http://schemas.microsoft.com/office/drawing/2014/main" id="{D0C3744B-3E82-15C7-402A-4779212907C5}"/>
+                <a16:creationId xmlns:a16="http://schemas.microsoft.com/office/drawing/2014/main" id="{B74033F5-DFF8-A457-ED2E-A6957772DFB3}"/>
               </a:ext>
             </a:extLst>
           </p:cNvPr>
@@ -6774,41 +5021,37 @@
             <p:ph type="title"/>
           </p:nvPr>
         </p:nvSpPr>
-        <p:spPr/>
+        <p:spPr>
+          <a:xfrm>
+            <a:off x="838200" y="365125"/>
+            <a:ext cx="10515600" cy="1140773"/>
+          </a:xfrm>
+        </p:spPr>
         <p:txBody>
           <a:bodyPr/>
           <a:lstStyle/>
           <a:p>
             <a:r>
-              <a:rPr lang="en-GB" dirty="0"/>
-              <a:t>1MHz carrier, </a:t>
-            </a:r>
-            <a:r>
-              <a:rPr lang="en-GB" dirty="0" err="1"/>
-              <a:t>df</a:t>
-            </a:r>
-            <a:r>
-              <a:rPr lang="en-GB" dirty="0"/>
-              <a:t> = 5Hz. (file 5)</a:t>
-            </a:r>
+              <a:rPr lang="en-US" dirty="0"/>
+              <a:t>RF TI</a:t>
+            </a:r>
+            <a:endParaRPr lang="en-GB" dirty="0"/>
           </a:p>
         </p:txBody>
       </p:sp>
       <p:pic>
         <p:nvPicPr>
-          <p:cNvPr id="5" name="Content Placeholder 4" descr="A red and black sound waves&#10;&#10;Description automatically generated">
-            <a:extLst>
-              <a:ext uri="{FF2B5EF4-FFF2-40B4-BE49-F238E27FC236}">
-                <a16:creationId xmlns:a16="http://schemas.microsoft.com/office/drawing/2014/main" id="{9DE9BC66-9349-E3FE-8B97-73DB2AB4842D}"/>
+          <p:cNvPr id="5" name="Picture 4" descr="A graph showing a graph&#10;&#10;Description automatically generated">
+            <a:extLst>
+              <a:ext uri="{FF2B5EF4-FFF2-40B4-BE49-F238E27FC236}">
+                <a16:creationId xmlns:a16="http://schemas.microsoft.com/office/drawing/2014/main" id="{A46B963E-315D-64D3-63B2-0900423319BA}"/>
               </a:ext>
             </a:extLst>
           </p:cNvPr>
           <p:cNvPicPr>
-            <a:picLocks noGrp="1" noChangeAspect="1"/>
+            <a:picLocks noChangeAspect="1"/>
           </p:cNvPicPr>
-          <p:nvPr>
-            <p:ph idx="1"/>
-          </p:nvPr>
+          <p:nvPr/>
         </p:nvPicPr>
         <p:blipFill>
           <a:blip r:embed="rId2">
@@ -6824,15 +5067,602 @@
         </p:blipFill>
         <p:spPr>
           <a:xfrm>
-            <a:off x="838200" y="1921160"/>
-            <a:ext cx="7252229" cy="4351338"/>
+            <a:off x="571491" y="2608262"/>
+            <a:ext cx="5174724" cy="3104835"/>
+          </a:xfrm>
+          <a:prstGeom prst="rect">
+            <a:avLst/>
+          </a:prstGeom>
+        </p:spPr>
+      </p:pic>
+      <p:pic>
+        <p:nvPicPr>
+          <p:cNvPr id="7" name="Picture 6" descr="A graph showing a red line&#10;&#10;Description automatically generated">
+            <a:extLst>
+              <a:ext uri="{FF2B5EF4-FFF2-40B4-BE49-F238E27FC236}">
+                <a16:creationId xmlns:a16="http://schemas.microsoft.com/office/drawing/2014/main" id="{8528E792-E9D8-52B8-2397-BEC08C7B0C93}"/>
+              </a:ext>
+            </a:extLst>
+          </p:cNvPr>
+          <p:cNvPicPr>
+            <a:picLocks noChangeAspect="1"/>
+          </p:cNvPicPr>
+          <p:nvPr/>
+        </p:nvPicPr>
+        <p:blipFill>
+          <a:blip r:embed="rId3">
+            <a:extLst>
+              <a:ext uri="{28A0092B-C50C-407E-A947-70E740481C1C}">
+                <a14:useLocalDpi xmlns:a14="http://schemas.microsoft.com/office/drawing/2010/main" val="0"/>
+              </a:ext>
+            </a:extLst>
+          </a:blip>
+          <a:stretch>
+            <a:fillRect/>
+          </a:stretch>
+        </p:blipFill>
+        <p:spPr>
+          <a:xfrm>
+            <a:off x="5995461" y="2785430"/>
+            <a:ext cx="5174724" cy="3104835"/>
+          </a:xfrm>
+          <a:prstGeom prst="rect">
+            <a:avLst/>
+          </a:prstGeom>
+        </p:spPr>
+      </p:pic>
+      <p:sp>
+        <p:nvSpPr>
+          <p:cNvPr id="8" name="Content Placeholder 4">
+            <a:extLst>
+              <a:ext uri="{FF2B5EF4-FFF2-40B4-BE49-F238E27FC236}">
+                <a16:creationId xmlns:a16="http://schemas.microsoft.com/office/drawing/2014/main" id="{63EE09DD-C253-5028-B5ED-1AB25B7F211C}"/>
+              </a:ext>
+            </a:extLst>
+          </p:cNvPr>
+          <p:cNvSpPr>
+            <a:spLocks noGrp="1"/>
+          </p:cNvSpPr>
+          <p:nvPr>
+            <p:ph idx="1"/>
+          </p:nvPr>
+        </p:nvSpPr>
+        <p:spPr>
+          <a:xfrm>
+            <a:off x="1937271" y="2524125"/>
+            <a:ext cx="2844800" cy="371475"/>
           </a:xfrm>
         </p:spPr>
-      </p:pic>
+        <p:txBody>
+          <a:bodyPr>
+            <a:normAutofit/>
+          </a:bodyPr>
+          <a:lstStyle/>
+          <a:p>
+            <a:pPr marL="0" indent="0">
+              <a:buNone/>
+            </a:pPr>
+            <a:r>
+              <a:rPr lang="en-US" sz="1400" dirty="0"/>
+              <a:t>RF stim results PRF = 1</a:t>
+            </a:r>
+            <a:endParaRPr lang="en-GB" sz="1400" dirty="0"/>
+          </a:p>
+        </p:txBody>
+      </p:sp>
+      <p:sp>
+        <p:nvSpPr>
+          <p:cNvPr id="9" name="Content Placeholder 4">
+            <a:extLst>
+              <a:ext uri="{FF2B5EF4-FFF2-40B4-BE49-F238E27FC236}">
+                <a16:creationId xmlns:a16="http://schemas.microsoft.com/office/drawing/2014/main" id="{59AEB8ED-20BF-5F85-54CA-CE7E04C1252D}"/>
+              </a:ext>
+            </a:extLst>
+          </p:cNvPr>
+          <p:cNvSpPr txBox="1">
+            <a:spLocks/>
+          </p:cNvSpPr>
+          <p:nvPr/>
+        </p:nvSpPr>
+        <p:spPr>
+          <a:xfrm>
+            <a:off x="7271271" y="2422525"/>
+            <a:ext cx="2844800" cy="371475"/>
+          </a:xfrm>
+          <a:prstGeom prst="rect">
+            <a:avLst/>
+          </a:prstGeom>
+        </p:spPr>
+        <p:txBody>
+          <a:bodyPr vert="horz" lIns="91440" tIns="45720" rIns="91440" bIns="45720" rtlCol="0">
+            <a:normAutofit/>
+          </a:bodyPr>
+          <a:lstStyle>
+            <a:lvl1pPr marL="228600" indent="-228600" algn="l" defTabSz="914400" rtl="0" eaLnBrk="1" latinLnBrk="0" hangingPunct="1">
+              <a:lnSpc>
+                <a:spcPct val="90000"/>
+              </a:lnSpc>
+              <a:spcBef>
+                <a:spcPts val="1000"/>
+              </a:spcBef>
+              <a:buFont typeface="Arial" panose="020B0604020202020204" pitchFamily="34" charset="0"/>
+              <a:buChar char="•"/>
+              <a:defRPr sz="2800" kern="1200">
+                <a:solidFill>
+                  <a:schemeClr val="tx1"/>
+                </a:solidFill>
+                <a:latin typeface="+mn-lt"/>
+                <a:ea typeface="+mn-ea"/>
+                <a:cs typeface="+mn-cs"/>
+              </a:defRPr>
+            </a:lvl1pPr>
+            <a:lvl2pPr marL="685800" indent="-228600" algn="l" defTabSz="914400" rtl="0" eaLnBrk="1" latinLnBrk="0" hangingPunct="1">
+              <a:lnSpc>
+                <a:spcPct val="90000"/>
+              </a:lnSpc>
+              <a:spcBef>
+                <a:spcPts val="500"/>
+              </a:spcBef>
+              <a:buFont typeface="Arial" panose="020B0604020202020204" pitchFamily="34" charset="0"/>
+              <a:buChar char="•"/>
+              <a:defRPr sz="2400" kern="1200">
+                <a:solidFill>
+                  <a:schemeClr val="tx1"/>
+                </a:solidFill>
+                <a:latin typeface="+mn-lt"/>
+                <a:ea typeface="+mn-ea"/>
+                <a:cs typeface="+mn-cs"/>
+              </a:defRPr>
+            </a:lvl2pPr>
+            <a:lvl3pPr marL="1143000" indent="-228600" algn="l" defTabSz="914400" rtl="0" eaLnBrk="1" latinLnBrk="0" hangingPunct="1">
+              <a:lnSpc>
+                <a:spcPct val="90000"/>
+              </a:lnSpc>
+              <a:spcBef>
+                <a:spcPts val="500"/>
+              </a:spcBef>
+              <a:buFont typeface="Arial" panose="020B0604020202020204" pitchFamily="34" charset="0"/>
+              <a:buChar char="•"/>
+              <a:defRPr sz="2000" kern="1200">
+                <a:solidFill>
+                  <a:schemeClr val="tx1"/>
+                </a:solidFill>
+                <a:latin typeface="+mn-lt"/>
+                <a:ea typeface="+mn-ea"/>
+                <a:cs typeface="+mn-cs"/>
+              </a:defRPr>
+            </a:lvl3pPr>
+            <a:lvl4pPr marL="1600200" indent="-228600" algn="l" defTabSz="914400" rtl="0" eaLnBrk="1" latinLnBrk="0" hangingPunct="1">
+              <a:lnSpc>
+                <a:spcPct val="90000"/>
+              </a:lnSpc>
+              <a:spcBef>
+                <a:spcPts val="500"/>
+              </a:spcBef>
+              <a:buFont typeface="Arial" panose="020B0604020202020204" pitchFamily="34" charset="0"/>
+              <a:buChar char="•"/>
+              <a:defRPr sz="1800" kern="1200">
+                <a:solidFill>
+                  <a:schemeClr val="tx1"/>
+                </a:solidFill>
+                <a:latin typeface="+mn-lt"/>
+                <a:ea typeface="+mn-ea"/>
+                <a:cs typeface="+mn-cs"/>
+              </a:defRPr>
+            </a:lvl4pPr>
+            <a:lvl5pPr marL="2057400" indent="-228600" algn="l" defTabSz="914400" rtl="0" eaLnBrk="1" latinLnBrk="0" hangingPunct="1">
+              <a:lnSpc>
+                <a:spcPct val="90000"/>
+              </a:lnSpc>
+              <a:spcBef>
+                <a:spcPts val="500"/>
+              </a:spcBef>
+              <a:buFont typeface="Arial" panose="020B0604020202020204" pitchFamily="34" charset="0"/>
+              <a:buChar char="•"/>
+              <a:defRPr sz="1800" kern="1200">
+                <a:solidFill>
+                  <a:schemeClr val="tx1"/>
+                </a:solidFill>
+                <a:latin typeface="+mn-lt"/>
+                <a:ea typeface="+mn-ea"/>
+                <a:cs typeface="+mn-cs"/>
+              </a:defRPr>
+            </a:lvl5pPr>
+            <a:lvl6pPr marL="2514600" indent="-228600" algn="l" defTabSz="914400" rtl="0" eaLnBrk="1" latinLnBrk="0" hangingPunct="1">
+              <a:lnSpc>
+                <a:spcPct val="90000"/>
+              </a:lnSpc>
+              <a:spcBef>
+                <a:spcPts val="500"/>
+              </a:spcBef>
+              <a:buFont typeface="Arial" panose="020B0604020202020204" pitchFamily="34" charset="0"/>
+              <a:buChar char="•"/>
+              <a:defRPr sz="1800" kern="1200">
+                <a:solidFill>
+                  <a:schemeClr val="tx1"/>
+                </a:solidFill>
+                <a:latin typeface="+mn-lt"/>
+                <a:ea typeface="+mn-ea"/>
+                <a:cs typeface="+mn-cs"/>
+              </a:defRPr>
+            </a:lvl6pPr>
+            <a:lvl7pPr marL="2971800" indent="-228600" algn="l" defTabSz="914400" rtl="0" eaLnBrk="1" latinLnBrk="0" hangingPunct="1">
+              <a:lnSpc>
+                <a:spcPct val="90000"/>
+              </a:lnSpc>
+              <a:spcBef>
+                <a:spcPts val="500"/>
+              </a:spcBef>
+              <a:buFont typeface="Arial" panose="020B0604020202020204" pitchFamily="34" charset="0"/>
+              <a:buChar char="•"/>
+              <a:defRPr sz="1800" kern="1200">
+                <a:solidFill>
+                  <a:schemeClr val="tx1"/>
+                </a:solidFill>
+                <a:latin typeface="+mn-lt"/>
+                <a:ea typeface="+mn-ea"/>
+                <a:cs typeface="+mn-cs"/>
+              </a:defRPr>
+            </a:lvl7pPr>
+            <a:lvl8pPr marL="3429000" indent="-228600" algn="l" defTabSz="914400" rtl="0" eaLnBrk="1" latinLnBrk="0" hangingPunct="1">
+              <a:lnSpc>
+                <a:spcPct val="90000"/>
+              </a:lnSpc>
+              <a:spcBef>
+                <a:spcPts val="500"/>
+              </a:spcBef>
+              <a:buFont typeface="Arial" panose="020B0604020202020204" pitchFamily="34" charset="0"/>
+              <a:buChar char="•"/>
+              <a:defRPr sz="1800" kern="1200">
+                <a:solidFill>
+                  <a:schemeClr val="tx1"/>
+                </a:solidFill>
+                <a:latin typeface="+mn-lt"/>
+                <a:ea typeface="+mn-ea"/>
+                <a:cs typeface="+mn-cs"/>
+              </a:defRPr>
+            </a:lvl8pPr>
+            <a:lvl9pPr marL="3886200" indent="-228600" algn="l" defTabSz="914400" rtl="0" eaLnBrk="1" latinLnBrk="0" hangingPunct="1">
+              <a:lnSpc>
+                <a:spcPct val="90000"/>
+              </a:lnSpc>
+              <a:spcBef>
+                <a:spcPts val="500"/>
+              </a:spcBef>
+              <a:buFont typeface="Arial" panose="020B0604020202020204" pitchFamily="34" charset="0"/>
+              <a:buChar char="•"/>
+              <a:defRPr sz="1800" kern="1200">
+                <a:solidFill>
+                  <a:schemeClr val="tx1"/>
+                </a:solidFill>
+                <a:latin typeface="+mn-lt"/>
+                <a:ea typeface="+mn-ea"/>
+                <a:cs typeface="+mn-cs"/>
+              </a:defRPr>
+            </a:lvl9pPr>
+          </a:lstStyle>
+          <a:p>
+            <a:pPr marL="0" indent="0">
+              <a:buNone/>
+            </a:pPr>
+            <a:r>
+              <a:rPr lang="en-US" sz="1400" dirty="0"/>
+              <a:t>RF stim results PRF = 2</a:t>
+            </a:r>
+            <a:endParaRPr lang="en-GB" sz="1400" dirty="0"/>
+          </a:p>
+        </p:txBody>
+      </p:sp>
+      <p:sp>
+        <p:nvSpPr>
+          <p:cNvPr id="10" name="Oval 9">
+            <a:extLst>
+              <a:ext uri="{FF2B5EF4-FFF2-40B4-BE49-F238E27FC236}">
+                <a16:creationId xmlns:a16="http://schemas.microsoft.com/office/drawing/2014/main" id="{47D125B6-4932-155E-CEB1-67F79E168736}"/>
+              </a:ext>
+            </a:extLst>
+          </p:cNvPr>
+          <p:cNvSpPr/>
+          <p:nvPr/>
+        </p:nvSpPr>
+        <p:spPr>
+          <a:xfrm>
+            <a:off x="2240280" y="3534410"/>
+            <a:ext cx="807720" cy="1037590"/>
+          </a:xfrm>
+          <a:prstGeom prst="ellipse">
+            <a:avLst/>
+          </a:prstGeom>
+          <a:solidFill>
+            <a:schemeClr val="bg1">
+              <a:alpha val="0"/>
+            </a:schemeClr>
+          </a:solidFill>
+        </p:spPr>
+        <p:style>
+          <a:lnRef idx="2">
+            <a:schemeClr val="accent1">
+              <a:shade val="15000"/>
+            </a:schemeClr>
+          </a:lnRef>
+          <a:fillRef idx="1">
+            <a:schemeClr val="accent1"/>
+          </a:fillRef>
+          <a:effectRef idx="0">
+            <a:schemeClr val="accent1"/>
+          </a:effectRef>
+          <a:fontRef idx="minor">
+            <a:schemeClr val="lt1"/>
+          </a:fontRef>
+        </p:style>
+        <p:txBody>
+          <a:bodyPr rtlCol="0" anchor="ctr"/>
+          <a:lstStyle/>
+          <a:p>
+            <a:pPr algn="ctr"/>
+            <a:endParaRPr lang="en-GB"/>
+          </a:p>
+        </p:txBody>
+      </p:sp>
+      <p:sp>
+        <p:nvSpPr>
+          <p:cNvPr id="11" name="Oval 10">
+            <a:extLst>
+              <a:ext uri="{FF2B5EF4-FFF2-40B4-BE49-F238E27FC236}">
+                <a16:creationId xmlns:a16="http://schemas.microsoft.com/office/drawing/2014/main" id="{CB1EEC0F-286E-2C49-430C-D5D5FFE21E57}"/>
+              </a:ext>
+            </a:extLst>
+          </p:cNvPr>
+          <p:cNvSpPr/>
+          <p:nvPr/>
+        </p:nvSpPr>
+        <p:spPr>
+          <a:xfrm>
+            <a:off x="7625080" y="3750311"/>
+            <a:ext cx="807720" cy="1037590"/>
+          </a:xfrm>
+          <a:prstGeom prst="ellipse">
+            <a:avLst/>
+          </a:prstGeom>
+          <a:solidFill>
+            <a:schemeClr val="bg1">
+              <a:alpha val="0"/>
+            </a:schemeClr>
+          </a:solidFill>
+        </p:spPr>
+        <p:style>
+          <a:lnRef idx="2">
+            <a:schemeClr val="accent1">
+              <a:shade val="15000"/>
+            </a:schemeClr>
+          </a:lnRef>
+          <a:fillRef idx="1">
+            <a:schemeClr val="accent1"/>
+          </a:fillRef>
+          <a:effectRef idx="0">
+            <a:schemeClr val="accent1"/>
+          </a:effectRef>
+          <a:fontRef idx="minor">
+            <a:schemeClr val="lt1"/>
+          </a:fontRef>
+        </p:style>
+        <p:txBody>
+          <a:bodyPr rtlCol="0" anchor="ctr"/>
+          <a:lstStyle/>
+          <a:p>
+            <a:pPr algn="ctr"/>
+            <a:endParaRPr lang="en-GB"/>
+          </a:p>
+        </p:txBody>
+      </p:sp>
+      <p:sp>
+        <p:nvSpPr>
+          <p:cNvPr id="12" name="Content Placeholder 4">
+            <a:extLst>
+              <a:ext uri="{FF2B5EF4-FFF2-40B4-BE49-F238E27FC236}">
+                <a16:creationId xmlns:a16="http://schemas.microsoft.com/office/drawing/2014/main" id="{F6634D3F-EE0D-1126-ACB1-7AA065A868DE}"/>
+              </a:ext>
+            </a:extLst>
+          </p:cNvPr>
+          <p:cNvSpPr txBox="1">
+            <a:spLocks/>
+          </p:cNvSpPr>
+          <p:nvPr/>
+        </p:nvSpPr>
+        <p:spPr>
+          <a:xfrm>
+            <a:off x="4784468" y="1473991"/>
+            <a:ext cx="2844800" cy="371475"/>
+          </a:xfrm>
+          <a:prstGeom prst="rect">
+            <a:avLst/>
+          </a:prstGeom>
+        </p:spPr>
+        <p:txBody>
+          <a:bodyPr vert="horz" lIns="91440" tIns="45720" rIns="91440" bIns="45720" rtlCol="0">
+            <a:normAutofit/>
+          </a:bodyPr>
+          <a:lstStyle>
+            <a:lvl1pPr marL="228600" indent="-228600" algn="l" defTabSz="914400" rtl="0" eaLnBrk="1" latinLnBrk="0" hangingPunct="1">
+              <a:lnSpc>
+                <a:spcPct val="90000"/>
+              </a:lnSpc>
+              <a:spcBef>
+                <a:spcPts val="1000"/>
+              </a:spcBef>
+              <a:buFont typeface="Arial" panose="020B0604020202020204" pitchFamily="34" charset="0"/>
+              <a:buChar char="•"/>
+              <a:defRPr sz="2800" kern="1200">
+                <a:solidFill>
+                  <a:schemeClr val="tx1"/>
+                </a:solidFill>
+                <a:latin typeface="+mn-lt"/>
+                <a:ea typeface="+mn-ea"/>
+                <a:cs typeface="+mn-cs"/>
+              </a:defRPr>
+            </a:lvl1pPr>
+            <a:lvl2pPr marL="685800" indent="-228600" algn="l" defTabSz="914400" rtl="0" eaLnBrk="1" latinLnBrk="0" hangingPunct="1">
+              <a:lnSpc>
+                <a:spcPct val="90000"/>
+              </a:lnSpc>
+              <a:spcBef>
+                <a:spcPts val="500"/>
+              </a:spcBef>
+              <a:buFont typeface="Arial" panose="020B0604020202020204" pitchFamily="34" charset="0"/>
+              <a:buChar char="•"/>
+              <a:defRPr sz="2400" kern="1200">
+                <a:solidFill>
+                  <a:schemeClr val="tx1"/>
+                </a:solidFill>
+                <a:latin typeface="+mn-lt"/>
+                <a:ea typeface="+mn-ea"/>
+                <a:cs typeface="+mn-cs"/>
+              </a:defRPr>
+            </a:lvl2pPr>
+            <a:lvl3pPr marL="1143000" indent="-228600" algn="l" defTabSz="914400" rtl="0" eaLnBrk="1" latinLnBrk="0" hangingPunct="1">
+              <a:lnSpc>
+                <a:spcPct val="90000"/>
+              </a:lnSpc>
+              <a:spcBef>
+                <a:spcPts val="500"/>
+              </a:spcBef>
+              <a:buFont typeface="Arial" panose="020B0604020202020204" pitchFamily="34" charset="0"/>
+              <a:buChar char="•"/>
+              <a:defRPr sz="2000" kern="1200">
+                <a:solidFill>
+                  <a:schemeClr val="tx1"/>
+                </a:solidFill>
+                <a:latin typeface="+mn-lt"/>
+                <a:ea typeface="+mn-ea"/>
+                <a:cs typeface="+mn-cs"/>
+              </a:defRPr>
+            </a:lvl3pPr>
+            <a:lvl4pPr marL="1600200" indent="-228600" algn="l" defTabSz="914400" rtl="0" eaLnBrk="1" latinLnBrk="0" hangingPunct="1">
+              <a:lnSpc>
+                <a:spcPct val="90000"/>
+              </a:lnSpc>
+              <a:spcBef>
+                <a:spcPts val="500"/>
+              </a:spcBef>
+              <a:buFont typeface="Arial" panose="020B0604020202020204" pitchFamily="34" charset="0"/>
+              <a:buChar char="•"/>
+              <a:defRPr sz="1800" kern="1200">
+                <a:solidFill>
+                  <a:schemeClr val="tx1"/>
+                </a:solidFill>
+                <a:latin typeface="+mn-lt"/>
+                <a:ea typeface="+mn-ea"/>
+                <a:cs typeface="+mn-cs"/>
+              </a:defRPr>
+            </a:lvl4pPr>
+            <a:lvl5pPr marL="2057400" indent="-228600" algn="l" defTabSz="914400" rtl="0" eaLnBrk="1" latinLnBrk="0" hangingPunct="1">
+              <a:lnSpc>
+                <a:spcPct val="90000"/>
+              </a:lnSpc>
+              <a:spcBef>
+                <a:spcPts val="500"/>
+              </a:spcBef>
+              <a:buFont typeface="Arial" panose="020B0604020202020204" pitchFamily="34" charset="0"/>
+              <a:buChar char="•"/>
+              <a:defRPr sz="1800" kern="1200">
+                <a:solidFill>
+                  <a:schemeClr val="tx1"/>
+                </a:solidFill>
+                <a:latin typeface="+mn-lt"/>
+                <a:ea typeface="+mn-ea"/>
+                <a:cs typeface="+mn-cs"/>
+              </a:defRPr>
+            </a:lvl5pPr>
+            <a:lvl6pPr marL="2514600" indent="-228600" algn="l" defTabSz="914400" rtl="0" eaLnBrk="1" latinLnBrk="0" hangingPunct="1">
+              <a:lnSpc>
+                <a:spcPct val="90000"/>
+              </a:lnSpc>
+              <a:spcBef>
+                <a:spcPts val="500"/>
+              </a:spcBef>
+              <a:buFont typeface="Arial" panose="020B0604020202020204" pitchFamily="34" charset="0"/>
+              <a:buChar char="•"/>
+              <a:defRPr sz="1800" kern="1200">
+                <a:solidFill>
+                  <a:schemeClr val="tx1"/>
+                </a:solidFill>
+                <a:latin typeface="+mn-lt"/>
+                <a:ea typeface="+mn-ea"/>
+                <a:cs typeface="+mn-cs"/>
+              </a:defRPr>
+            </a:lvl6pPr>
+            <a:lvl7pPr marL="2971800" indent="-228600" algn="l" defTabSz="914400" rtl="0" eaLnBrk="1" latinLnBrk="0" hangingPunct="1">
+              <a:lnSpc>
+                <a:spcPct val="90000"/>
+              </a:lnSpc>
+              <a:spcBef>
+                <a:spcPts val="500"/>
+              </a:spcBef>
+              <a:buFont typeface="Arial" panose="020B0604020202020204" pitchFamily="34" charset="0"/>
+              <a:buChar char="•"/>
+              <a:defRPr sz="1800" kern="1200">
+                <a:solidFill>
+                  <a:schemeClr val="tx1"/>
+                </a:solidFill>
+                <a:latin typeface="+mn-lt"/>
+                <a:ea typeface="+mn-ea"/>
+                <a:cs typeface="+mn-cs"/>
+              </a:defRPr>
+            </a:lvl7pPr>
+            <a:lvl8pPr marL="3429000" indent="-228600" algn="l" defTabSz="914400" rtl="0" eaLnBrk="1" latinLnBrk="0" hangingPunct="1">
+              <a:lnSpc>
+                <a:spcPct val="90000"/>
+              </a:lnSpc>
+              <a:spcBef>
+                <a:spcPts val="500"/>
+              </a:spcBef>
+              <a:buFont typeface="Arial" panose="020B0604020202020204" pitchFamily="34" charset="0"/>
+              <a:buChar char="•"/>
+              <a:defRPr sz="1800" kern="1200">
+                <a:solidFill>
+                  <a:schemeClr val="tx1"/>
+                </a:solidFill>
+                <a:latin typeface="+mn-lt"/>
+                <a:ea typeface="+mn-ea"/>
+                <a:cs typeface="+mn-cs"/>
+              </a:defRPr>
+            </a:lvl8pPr>
+            <a:lvl9pPr marL="3886200" indent="-228600" algn="l" defTabSz="914400" rtl="0" eaLnBrk="1" latinLnBrk="0" hangingPunct="1">
+              <a:lnSpc>
+                <a:spcPct val="90000"/>
+              </a:lnSpc>
+              <a:spcBef>
+                <a:spcPts val="500"/>
+              </a:spcBef>
+              <a:buFont typeface="Arial" panose="020B0604020202020204" pitchFamily="34" charset="0"/>
+              <a:buChar char="•"/>
+              <a:defRPr sz="1800" kern="1200">
+                <a:solidFill>
+                  <a:schemeClr val="tx1"/>
+                </a:solidFill>
+                <a:latin typeface="+mn-lt"/>
+                <a:ea typeface="+mn-ea"/>
+                <a:cs typeface="+mn-cs"/>
+              </a:defRPr>
+            </a:lvl9pPr>
+          </a:lstStyle>
+          <a:p>
+            <a:pPr marL="0" indent="0">
+              <a:buFont typeface="Arial" panose="020B0604020202020204" pitchFamily="34" charset="0"/>
+              <a:buNone/>
+            </a:pPr>
+            <a:r>
+              <a:rPr lang="en-US" sz="1400" dirty="0"/>
+              <a:t>E116 t2   200 microsecond pulse.</a:t>
+            </a:r>
+            <a:endParaRPr lang="en-GB" sz="1400" dirty="0"/>
+          </a:p>
+        </p:txBody>
+      </p:sp>
     </p:spTree>
     <p:extLst>
       <p:ext uri="{BB962C8B-B14F-4D97-AF65-F5344CB8AC3E}">
-        <p14:creationId xmlns:p14="http://schemas.microsoft.com/office/powerpoint/2010/main" val="1714847229"/>
+        <p14:creationId xmlns:p14="http://schemas.microsoft.com/office/powerpoint/2010/main" val="2903496767"/>
       </p:ext>
     </p:extLst>
   </p:cSld>
@@ -6864,7 +5694,7 @@
           <p:cNvPr id="2" name="Title 1">
             <a:extLst>
               <a:ext uri="{FF2B5EF4-FFF2-40B4-BE49-F238E27FC236}">
-                <a16:creationId xmlns:a16="http://schemas.microsoft.com/office/drawing/2014/main" id="{A0813CA5-4C90-BA04-58D3-A8F6D1D77CAE}"/>
+                <a16:creationId xmlns:a16="http://schemas.microsoft.com/office/drawing/2014/main" id="{1E3A1463-F79F-61C6-A218-9DA063C9D583}"/>
               </a:ext>
             </a:extLst>
           </p:cNvPr>
@@ -6877,8 +5707,8 @@
         </p:nvSpPr>
         <p:spPr>
           <a:xfrm>
-            <a:off x="838200" y="286603"/>
-            <a:ext cx="10515600" cy="818866"/>
+            <a:off x="838200" y="365125"/>
+            <a:ext cx="1549400" cy="828675"/>
           </a:xfrm>
         </p:spPr>
         <p:txBody>
@@ -6886,26 +5716,19 @@
           <a:lstStyle/>
           <a:p>
             <a:r>
-              <a:rPr lang="en-GB" dirty="0"/>
-              <a:t>1MHz carrier, </a:t>
-            </a:r>
-            <a:r>
-              <a:rPr lang="en-GB" dirty="0" err="1"/>
-              <a:t>df</a:t>
-            </a:r>
-            <a:r>
-              <a:rPr lang="en-GB" dirty="0"/>
-              <a:t> = 10Hz. (file 6)</a:t>
-            </a:r>
+              <a:rPr lang="en-US" dirty="0"/>
+              <a:t>RF TI</a:t>
+            </a:r>
+            <a:endParaRPr lang="en-GB" dirty="0"/>
           </a:p>
         </p:txBody>
       </p:sp>
       <p:pic>
         <p:nvPicPr>
-          <p:cNvPr id="7" name="Picture 6" descr="A red and black graph&#10;&#10;Description automatically generated">
-            <a:extLst>
-              <a:ext uri="{FF2B5EF4-FFF2-40B4-BE49-F238E27FC236}">
-                <a16:creationId xmlns:a16="http://schemas.microsoft.com/office/drawing/2014/main" id="{EBC04830-B44B-5B72-749D-F9360F1BE168}"/>
+          <p:cNvPr id="5" name="Picture 4" descr="A graph showing a line&#10;&#10;Description automatically generated">
+            <a:extLst>
+              <a:ext uri="{FF2B5EF4-FFF2-40B4-BE49-F238E27FC236}">
+                <a16:creationId xmlns:a16="http://schemas.microsoft.com/office/drawing/2014/main" id="{15FA2F94-2BDC-43A1-AC78-48AEDE47506F}"/>
               </a:ext>
             </a:extLst>
           </p:cNvPr>
@@ -6928,18 +5751,603 @@
         </p:blipFill>
         <p:spPr>
           <a:xfrm>
-            <a:off x="241102" y="1084986"/>
-            <a:ext cx="9144018" cy="5486411"/>
+            <a:off x="190490" y="3073400"/>
+            <a:ext cx="5308609" cy="3185166"/>
           </a:xfrm>
           <a:prstGeom prst="rect">
             <a:avLst/>
           </a:prstGeom>
         </p:spPr>
       </p:pic>
+      <p:pic>
+        <p:nvPicPr>
+          <p:cNvPr id="7" name="Picture 6" descr="A graph with a red line&#10;&#10;Description automatically generated">
+            <a:extLst>
+              <a:ext uri="{FF2B5EF4-FFF2-40B4-BE49-F238E27FC236}">
+                <a16:creationId xmlns:a16="http://schemas.microsoft.com/office/drawing/2014/main" id="{7D0AC8F9-8AF3-FA28-D0D0-F81EA5C3920D}"/>
+              </a:ext>
+            </a:extLst>
+          </p:cNvPr>
+          <p:cNvPicPr>
+            <a:picLocks noChangeAspect="1"/>
+          </p:cNvPicPr>
+          <p:nvPr/>
+        </p:nvPicPr>
+        <p:blipFill>
+          <a:blip r:embed="rId3">
+            <a:extLst>
+              <a:ext uri="{28A0092B-C50C-407E-A947-70E740481C1C}">
+                <a14:useLocalDpi xmlns:a14="http://schemas.microsoft.com/office/drawing/2010/main" val="0"/>
+              </a:ext>
+            </a:extLst>
+          </a:blip>
+          <a:stretch>
+            <a:fillRect/>
+          </a:stretch>
+        </p:blipFill>
+        <p:spPr>
+          <a:xfrm>
+            <a:off x="5913966" y="2857500"/>
+            <a:ext cx="5630342" cy="3378205"/>
+          </a:xfrm>
+          <a:prstGeom prst="rect">
+            <a:avLst/>
+          </a:prstGeom>
+        </p:spPr>
+      </p:pic>
+      <p:sp>
+        <p:nvSpPr>
+          <p:cNvPr id="8" name="Content Placeholder 4">
+            <a:extLst>
+              <a:ext uri="{FF2B5EF4-FFF2-40B4-BE49-F238E27FC236}">
+                <a16:creationId xmlns:a16="http://schemas.microsoft.com/office/drawing/2014/main" id="{00A3A041-82EE-5036-8887-8BCA4630E367}"/>
+              </a:ext>
+            </a:extLst>
+          </p:cNvPr>
+          <p:cNvSpPr>
+            <a:spLocks noGrp="1"/>
+          </p:cNvSpPr>
+          <p:nvPr>
+            <p:ph idx="1"/>
+          </p:nvPr>
+        </p:nvSpPr>
+        <p:spPr>
+          <a:xfrm>
+            <a:off x="1584068" y="2706686"/>
+            <a:ext cx="2844800" cy="371475"/>
+          </a:xfrm>
+        </p:spPr>
+        <p:txBody>
+          <a:bodyPr>
+            <a:normAutofit/>
+          </a:bodyPr>
+          <a:lstStyle/>
+          <a:p>
+            <a:pPr marL="0" indent="0">
+              <a:buNone/>
+            </a:pPr>
+            <a:r>
+              <a:rPr lang="en-US" sz="1400" dirty="0"/>
+              <a:t>RF stim results PRF = 5</a:t>
+            </a:r>
+            <a:endParaRPr lang="en-GB" sz="1400" dirty="0"/>
+          </a:p>
+        </p:txBody>
+      </p:sp>
+      <p:sp>
+        <p:nvSpPr>
+          <p:cNvPr id="9" name="Content Placeholder 4">
+            <a:extLst>
+              <a:ext uri="{FF2B5EF4-FFF2-40B4-BE49-F238E27FC236}">
+                <a16:creationId xmlns:a16="http://schemas.microsoft.com/office/drawing/2014/main" id="{429AB393-197B-202A-0213-AF4A4E7B6981}"/>
+              </a:ext>
+            </a:extLst>
+          </p:cNvPr>
+          <p:cNvSpPr txBox="1">
+            <a:spLocks/>
+          </p:cNvSpPr>
+          <p:nvPr/>
+        </p:nvSpPr>
+        <p:spPr>
+          <a:xfrm>
+            <a:off x="7537971" y="2671761"/>
+            <a:ext cx="2844800" cy="371475"/>
+          </a:xfrm>
+          <a:prstGeom prst="rect">
+            <a:avLst/>
+          </a:prstGeom>
+        </p:spPr>
+        <p:txBody>
+          <a:bodyPr vert="horz" lIns="91440" tIns="45720" rIns="91440" bIns="45720" rtlCol="0">
+            <a:normAutofit/>
+          </a:bodyPr>
+          <a:lstStyle>
+            <a:lvl1pPr marL="228600" indent="-228600" algn="l" defTabSz="914400" rtl="0" eaLnBrk="1" latinLnBrk="0" hangingPunct="1">
+              <a:lnSpc>
+                <a:spcPct val="90000"/>
+              </a:lnSpc>
+              <a:spcBef>
+                <a:spcPts val="1000"/>
+              </a:spcBef>
+              <a:buFont typeface="Arial" panose="020B0604020202020204" pitchFamily="34" charset="0"/>
+              <a:buChar char="•"/>
+              <a:defRPr sz="2800" kern="1200">
+                <a:solidFill>
+                  <a:schemeClr val="tx1"/>
+                </a:solidFill>
+                <a:latin typeface="+mn-lt"/>
+                <a:ea typeface="+mn-ea"/>
+                <a:cs typeface="+mn-cs"/>
+              </a:defRPr>
+            </a:lvl1pPr>
+            <a:lvl2pPr marL="685800" indent="-228600" algn="l" defTabSz="914400" rtl="0" eaLnBrk="1" latinLnBrk="0" hangingPunct="1">
+              <a:lnSpc>
+                <a:spcPct val="90000"/>
+              </a:lnSpc>
+              <a:spcBef>
+                <a:spcPts val="500"/>
+              </a:spcBef>
+              <a:buFont typeface="Arial" panose="020B0604020202020204" pitchFamily="34" charset="0"/>
+              <a:buChar char="•"/>
+              <a:defRPr sz="2400" kern="1200">
+                <a:solidFill>
+                  <a:schemeClr val="tx1"/>
+                </a:solidFill>
+                <a:latin typeface="+mn-lt"/>
+                <a:ea typeface="+mn-ea"/>
+                <a:cs typeface="+mn-cs"/>
+              </a:defRPr>
+            </a:lvl2pPr>
+            <a:lvl3pPr marL="1143000" indent="-228600" algn="l" defTabSz="914400" rtl="0" eaLnBrk="1" latinLnBrk="0" hangingPunct="1">
+              <a:lnSpc>
+                <a:spcPct val="90000"/>
+              </a:lnSpc>
+              <a:spcBef>
+                <a:spcPts val="500"/>
+              </a:spcBef>
+              <a:buFont typeface="Arial" panose="020B0604020202020204" pitchFamily="34" charset="0"/>
+              <a:buChar char="•"/>
+              <a:defRPr sz="2000" kern="1200">
+                <a:solidFill>
+                  <a:schemeClr val="tx1"/>
+                </a:solidFill>
+                <a:latin typeface="+mn-lt"/>
+                <a:ea typeface="+mn-ea"/>
+                <a:cs typeface="+mn-cs"/>
+              </a:defRPr>
+            </a:lvl3pPr>
+            <a:lvl4pPr marL="1600200" indent="-228600" algn="l" defTabSz="914400" rtl="0" eaLnBrk="1" latinLnBrk="0" hangingPunct="1">
+              <a:lnSpc>
+                <a:spcPct val="90000"/>
+              </a:lnSpc>
+              <a:spcBef>
+                <a:spcPts val="500"/>
+              </a:spcBef>
+              <a:buFont typeface="Arial" panose="020B0604020202020204" pitchFamily="34" charset="0"/>
+              <a:buChar char="•"/>
+              <a:defRPr sz="1800" kern="1200">
+                <a:solidFill>
+                  <a:schemeClr val="tx1"/>
+                </a:solidFill>
+                <a:latin typeface="+mn-lt"/>
+                <a:ea typeface="+mn-ea"/>
+                <a:cs typeface="+mn-cs"/>
+              </a:defRPr>
+            </a:lvl4pPr>
+            <a:lvl5pPr marL="2057400" indent="-228600" algn="l" defTabSz="914400" rtl="0" eaLnBrk="1" latinLnBrk="0" hangingPunct="1">
+              <a:lnSpc>
+                <a:spcPct val="90000"/>
+              </a:lnSpc>
+              <a:spcBef>
+                <a:spcPts val="500"/>
+              </a:spcBef>
+              <a:buFont typeface="Arial" panose="020B0604020202020204" pitchFamily="34" charset="0"/>
+              <a:buChar char="•"/>
+              <a:defRPr sz="1800" kern="1200">
+                <a:solidFill>
+                  <a:schemeClr val="tx1"/>
+                </a:solidFill>
+                <a:latin typeface="+mn-lt"/>
+                <a:ea typeface="+mn-ea"/>
+                <a:cs typeface="+mn-cs"/>
+              </a:defRPr>
+            </a:lvl5pPr>
+            <a:lvl6pPr marL="2514600" indent="-228600" algn="l" defTabSz="914400" rtl="0" eaLnBrk="1" latinLnBrk="0" hangingPunct="1">
+              <a:lnSpc>
+                <a:spcPct val="90000"/>
+              </a:lnSpc>
+              <a:spcBef>
+                <a:spcPts val="500"/>
+              </a:spcBef>
+              <a:buFont typeface="Arial" panose="020B0604020202020204" pitchFamily="34" charset="0"/>
+              <a:buChar char="•"/>
+              <a:defRPr sz="1800" kern="1200">
+                <a:solidFill>
+                  <a:schemeClr val="tx1"/>
+                </a:solidFill>
+                <a:latin typeface="+mn-lt"/>
+                <a:ea typeface="+mn-ea"/>
+                <a:cs typeface="+mn-cs"/>
+              </a:defRPr>
+            </a:lvl6pPr>
+            <a:lvl7pPr marL="2971800" indent="-228600" algn="l" defTabSz="914400" rtl="0" eaLnBrk="1" latinLnBrk="0" hangingPunct="1">
+              <a:lnSpc>
+                <a:spcPct val="90000"/>
+              </a:lnSpc>
+              <a:spcBef>
+                <a:spcPts val="500"/>
+              </a:spcBef>
+              <a:buFont typeface="Arial" panose="020B0604020202020204" pitchFamily="34" charset="0"/>
+              <a:buChar char="•"/>
+              <a:defRPr sz="1800" kern="1200">
+                <a:solidFill>
+                  <a:schemeClr val="tx1"/>
+                </a:solidFill>
+                <a:latin typeface="+mn-lt"/>
+                <a:ea typeface="+mn-ea"/>
+                <a:cs typeface="+mn-cs"/>
+              </a:defRPr>
+            </a:lvl7pPr>
+            <a:lvl8pPr marL="3429000" indent="-228600" algn="l" defTabSz="914400" rtl="0" eaLnBrk="1" latinLnBrk="0" hangingPunct="1">
+              <a:lnSpc>
+                <a:spcPct val="90000"/>
+              </a:lnSpc>
+              <a:spcBef>
+                <a:spcPts val="500"/>
+              </a:spcBef>
+              <a:buFont typeface="Arial" panose="020B0604020202020204" pitchFamily="34" charset="0"/>
+              <a:buChar char="•"/>
+              <a:defRPr sz="1800" kern="1200">
+                <a:solidFill>
+                  <a:schemeClr val="tx1"/>
+                </a:solidFill>
+                <a:latin typeface="+mn-lt"/>
+                <a:ea typeface="+mn-ea"/>
+                <a:cs typeface="+mn-cs"/>
+              </a:defRPr>
+            </a:lvl8pPr>
+            <a:lvl9pPr marL="3886200" indent="-228600" algn="l" defTabSz="914400" rtl="0" eaLnBrk="1" latinLnBrk="0" hangingPunct="1">
+              <a:lnSpc>
+                <a:spcPct val="90000"/>
+              </a:lnSpc>
+              <a:spcBef>
+                <a:spcPts val="500"/>
+              </a:spcBef>
+              <a:buFont typeface="Arial" panose="020B0604020202020204" pitchFamily="34" charset="0"/>
+              <a:buChar char="•"/>
+              <a:defRPr sz="1800" kern="1200">
+                <a:solidFill>
+                  <a:schemeClr val="tx1"/>
+                </a:solidFill>
+                <a:latin typeface="+mn-lt"/>
+                <a:ea typeface="+mn-ea"/>
+                <a:cs typeface="+mn-cs"/>
+              </a:defRPr>
+            </a:lvl9pPr>
+          </a:lstStyle>
+          <a:p>
+            <a:pPr marL="0" indent="0">
+              <a:buFont typeface="Arial" panose="020B0604020202020204" pitchFamily="34" charset="0"/>
+              <a:buNone/>
+            </a:pPr>
+            <a:r>
+              <a:rPr lang="en-US" sz="1400" dirty="0"/>
+              <a:t>RF stim results PRF = 10</a:t>
+            </a:r>
+            <a:endParaRPr lang="en-GB" sz="1400" dirty="0"/>
+          </a:p>
+        </p:txBody>
+      </p:sp>
+      <p:sp>
+        <p:nvSpPr>
+          <p:cNvPr id="10" name="Content Placeholder 4">
+            <a:extLst>
+              <a:ext uri="{FF2B5EF4-FFF2-40B4-BE49-F238E27FC236}">
+                <a16:creationId xmlns:a16="http://schemas.microsoft.com/office/drawing/2014/main" id="{D796DD25-5B17-EAFB-0290-29A9ECD3D9AC}"/>
+              </a:ext>
+            </a:extLst>
+          </p:cNvPr>
+          <p:cNvSpPr txBox="1">
+            <a:spLocks/>
+          </p:cNvSpPr>
+          <p:nvPr/>
+        </p:nvSpPr>
+        <p:spPr>
+          <a:xfrm>
+            <a:off x="4784468" y="1473991"/>
+            <a:ext cx="2844800" cy="371475"/>
+          </a:xfrm>
+          <a:prstGeom prst="rect">
+            <a:avLst/>
+          </a:prstGeom>
+        </p:spPr>
+        <p:txBody>
+          <a:bodyPr vert="horz" lIns="91440" tIns="45720" rIns="91440" bIns="45720" rtlCol="0">
+            <a:normAutofit/>
+          </a:bodyPr>
+          <a:lstStyle>
+            <a:lvl1pPr marL="228600" indent="-228600" algn="l" defTabSz="914400" rtl="0" eaLnBrk="1" latinLnBrk="0" hangingPunct="1">
+              <a:lnSpc>
+                <a:spcPct val="90000"/>
+              </a:lnSpc>
+              <a:spcBef>
+                <a:spcPts val="1000"/>
+              </a:spcBef>
+              <a:buFont typeface="Arial" panose="020B0604020202020204" pitchFamily="34" charset="0"/>
+              <a:buChar char="•"/>
+              <a:defRPr sz="2800" kern="1200">
+                <a:solidFill>
+                  <a:schemeClr val="tx1"/>
+                </a:solidFill>
+                <a:latin typeface="+mn-lt"/>
+                <a:ea typeface="+mn-ea"/>
+                <a:cs typeface="+mn-cs"/>
+              </a:defRPr>
+            </a:lvl1pPr>
+            <a:lvl2pPr marL="685800" indent="-228600" algn="l" defTabSz="914400" rtl="0" eaLnBrk="1" latinLnBrk="0" hangingPunct="1">
+              <a:lnSpc>
+                <a:spcPct val="90000"/>
+              </a:lnSpc>
+              <a:spcBef>
+                <a:spcPts val="500"/>
+              </a:spcBef>
+              <a:buFont typeface="Arial" panose="020B0604020202020204" pitchFamily="34" charset="0"/>
+              <a:buChar char="•"/>
+              <a:defRPr sz="2400" kern="1200">
+                <a:solidFill>
+                  <a:schemeClr val="tx1"/>
+                </a:solidFill>
+                <a:latin typeface="+mn-lt"/>
+                <a:ea typeface="+mn-ea"/>
+                <a:cs typeface="+mn-cs"/>
+              </a:defRPr>
+            </a:lvl2pPr>
+            <a:lvl3pPr marL="1143000" indent="-228600" algn="l" defTabSz="914400" rtl="0" eaLnBrk="1" latinLnBrk="0" hangingPunct="1">
+              <a:lnSpc>
+                <a:spcPct val="90000"/>
+              </a:lnSpc>
+              <a:spcBef>
+                <a:spcPts val="500"/>
+              </a:spcBef>
+              <a:buFont typeface="Arial" panose="020B0604020202020204" pitchFamily="34" charset="0"/>
+              <a:buChar char="•"/>
+              <a:defRPr sz="2000" kern="1200">
+                <a:solidFill>
+                  <a:schemeClr val="tx1"/>
+                </a:solidFill>
+                <a:latin typeface="+mn-lt"/>
+                <a:ea typeface="+mn-ea"/>
+                <a:cs typeface="+mn-cs"/>
+              </a:defRPr>
+            </a:lvl3pPr>
+            <a:lvl4pPr marL="1600200" indent="-228600" algn="l" defTabSz="914400" rtl="0" eaLnBrk="1" latinLnBrk="0" hangingPunct="1">
+              <a:lnSpc>
+                <a:spcPct val="90000"/>
+              </a:lnSpc>
+              <a:spcBef>
+                <a:spcPts val="500"/>
+              </a:spcBef>
+              <a:buFont typeface="Arial" panose="020B0604020202020204" pitchFamily="34" charset="0"/>
+              <a:buChar char="•"/>
+              <a:defRPr sz="1800" kern="1200">
+                <a:solidFill>
+                  <a:schemeClr val="tx1"/>
+                </a:solidFill>
+                <a:latin typeface="+mn-lt"/>
+                <a:ea typeface="+mn-ea"/>
+                <a:cs typeface="+mn-cs"/>
+              </a:defRPr>
+            </a:lvl4pPr>
+            <a:lvl5pPr marL="2057400" indent="-228600" algn="l" defTabSz="914400" rtl="0" eaLnBrk="1" latinLnBrk="0" hangingPunct="1">
+              <a:lnSpc>
+                <a:spcPct val="90000"/>
+              </a:lnSpc>
+              <a:spcBef>
+                <a:spcPts val="500"/>
+              </a:spcBef>
+              <a:buFont typeface="Arial" panose="020B0604020202020204" pitchFamily="34" charset="0"/>
+              <a:buChar char="•"/>
+              <a:defRPr sz="1800" kern="1200">
+                <a:solidFill>
+                  <a:schemeClr val="tx1"/>
+                </a:solidFill>
+                <a:latin typeface="+mn-lt"/>
+                <a:ea typeface="+mn-ea"/>
+                <a:cs typeface="+mn-cs"/>
+              </a:defRPr>
+            </a:lvl5pPr>
+            <a:lvl6pPr marL="2514600" indent="-228600" algn="l" defTabSz="914400" rtl="0" eaLnBrk="1" latinLnBrk="0" hangingPunct="1">
+              <a:lnSpc>
+                <a:spcPct val="90000"/>
+              </a:lnSpc>
+              <a:spcBef>
+                <a:spcPts val="500"/>
+              </a:spcBef>
+              <a:buFont typeface="Arial" panose="020B0604020202020204" pitchFamily="34" charset="0"/>
+              <a:buChar char="•"/>
+              <a:defRPr sz="1800" kern="1200">
+                <a:solidFill>
+                  <a:schemeClr val="tx1"/>
+                </a:solidFill>
+                <a:latin typeface="+mn-lt"/>
+                <a:ea typeface="+mn-ea"/>
+                <a:cs typeface="+mn-cs"/>
+              </a:defRPr>
+            </a:lvl6pPr>
+            <a:lvl7pPr marL="2971800" indent="-228600" algn="l" defTabSz="914400" rtl="0" eaLnBrk="1" latinLnBrk="0" hangingPunct="1">
+              <a:lnSpc>
+                <a:spcPct val="90000"/>
+              </a:lnSpc>
+              <a:spcBef>
+                <a:spcPts val="500"/>
+              </a:spcBef>
+              <a:buFont typeface="Arial" panose="020B0604020202020204" pitchFamily="34" charset="0"/>
+              <a:buChar char="•"/>
+              <a:defRPr sz="1800" kern="1200">
+                <a:solidFill>
+                  <a:schemeClr val="tx1"/>
+                </a:solidFill>
+                <a:latin typeface="+mn-lt"/>
+                <a:ea typeface="+mn-ea"/>
+                <a:cs typeface="+mn-cs"/>
+              </a:defRPr>
+            </a:lvl7pPr>
+            <a:lvl8pPr marL="3429000" indent="-228600" algn="l" defTabSz="914400" rtl="0" eaLnBrk="1" latinLnBrk="0" hangingPunct="1">
+              <a:lnSpc>
+                <a:spcPct val="90000"/>
+              </a:lnSpc>
+              <a:spcBef>
+                <a:spcPts val="500"/>
+              </a:spcBef>
+              <a:buFont typeface="Arial" panose="020B0604020202020204" pitchFamily="34" charset="0"/>
+              <a:buChar char="•"/>
+              <a:defRPr sz="1800" kern="1200">
+                <a:solidFill>
+                  <a:schemeClr val="tx1"/>
+                </a:solidFill>
+                <a:latin typeface="+mn-lt"/>
+                <a:ea typeface="+mn-ea"/>
+                <a:cs typeface="+mn-cs"/>
+              </a:defRPr>
+            </a:lvl8pPr>
+            <a:lvl9pPr marL="3886200" indent="-228600" algn="l" defTabSz="914400" rtl="0" eaLnBrk="1" latinLnBrk="0" hangingPunct="1">
+              <a:lnSpc>
+                <a:spcPct val="90000"/>
+              </a:lnSpc>
+              <a:spcBef>
+                <a:spcPts val="500"/>
+              </a:spcBef>
+              <a:buFont typeface="Arial" panose="020B0604020202020204" pitchFamily="34" charset="0"/>
+              <a:buChar char="•"/>
+              <a:defRPr sz="1800" kern="1200">
+                <a:solidFill>
+                  <a:schemeClr val="tx1"/>
+                </a:solidFill>
+                <a:latin typeface="+mn-lt"/>
+                <a:ea typeface="+mn-ea"/>
+                <a:cs typeface="+mn-cs"/>
+              </a:defRPr>
+            </a:lvl9pPr>
+          </a:lstStyle>
+          <a:p>
+            <a:pPr marL="0" indent="0">
+              <a:buFont typeface="Arial" panose="020B0604020202020204" pitchFamily="34" charset="0"/>
+              <a:buNone/>
+            </a:pPr>
+            <a:r>
+              <a:rPr lang="en-US" sz="1400" dirty="0"/>
+              <a:t>E116 t2   200 microsecond pulse.</a:t>
+            </a:r>
+            <a:endParaRPr lang="en-GB" sz="1400" dirty="0"/>
+          </a:p>
+        </p:txBody>
+      </p:sp>
+      <p:sp>
+        <p:nvSpPr>
+          <p:cNvPr id="11" name="Oval 10">
+            <a:extLst>
+              <a:ext uri="{FF2B5EF4-FFF2-40B4-BE49-F238E27FC236}">
+                <a16:creationId xmlns:a16="http://schemas.microsoft.com/office/drawing/2014/main" id="{39E03252-1707-F5B2-0B73-D949929370C2}"/>
+              </a:ext>
+            </a:extLst>
+          </p:cNvPr>
+          <p:cNvSpPr/>
+          <p:nvPr/>
+        </p:nvSpPr>
+        <p:spPr>
+          <a:xfrm>
+            <a:off x="8051800" y="3601880"/>
+            <a:ext cx="1312431" cy="1389220"/>
+          </a:xfrm>
+          <a:prstGeom prst="ellipse">
+            <a:avLst/>
+          </a:prstGeom>
+          <a:solidFill>
+            <a:schemeClr val="bg1">
+              <a:alpha val="0"/>
+            </a:schemeClr>
+          </a:solidFill>
+        </p:spPr>
+        <p:style>
+          <a:lnRef idx="2">
+            <a:schemeClr val="accent1">
+              <a:shade val="15000"/>
+            </a:schemeClr>
+          </a:lnRef>
+          <a:fillRef idx="1">
+            <a:schemeClr val="accent1"/>
+          </a:fillRef>
+          <a:effectRef idx="0">
+            <a:schemeClr val="accent1"/>
+          </a:effectRef>
+          <a:fontRef idx="minor">
+            <a:schemeClr val="lt1"/>
+          </a:fontRef>
+        </p:style>
+        <p:txBody>
+          <a:bodyPr rtlCol="0" anchor="ctr"/>
+          <a:lstStyle/>
+          <a:p>
+            <a:pPr algn="ctr"/>
+            <a:endParaRPr lang="en-GB"/>
+          </a:p>
+        </p:txBody>
+      </p:sp>
+      <p:sp>
+        <p:nvSpPr>
+          <p:cNvPr id="12" name="Oval 11">
+            <a:extLst>
+              <a:ext uri="{FF2B5EF4-FFF2-40B4-BE49-F238E27FC236}">
+                <a16:creationId xmlns:a16="http://schemas.microsoft.com/office/drawing/2014/main" id="{ACCA5D3F-D1CA-5DE3-C511-D88C743AFB86}"/>
+              </a:ext>
+            </a:extLst>
+          </p:cNvPr>
+          <p:cNvSpPr/>
+          <p:nvPr/>
+        </p:nvSpPr>
+        <p:spPr>
+          <a:xfrm>
+            <a:off x="1727200" y="4496597"/>
+            <a:ext cx="558801" cy="685960"/>
+          </a:xfrm>
+          <a:prstGeom prst="ellipse">
+            <a:avLst/>
+          </a:prstGeom>
+          <a:solidFill>
+            <a:schemeClr val="bg1">
+              <a:alpha val="0"/>
+            </a:schemeClr>
+          </a:solidFill>
+        </p:spPr>
+        <p:style>
+          <a:lnRef idx="2">
+            <a:schemeClr val="accent1">
+              <a:shade val="15000"/>
+            </a:schemeClr>
+          </a:lnRef>
+          <a:fillRef idx="1">
+            <a:schemeClr val="accent1"/>
+          </a:fillRef>
+          <a:effectRef idx="0">
+            <a:schemeClr val="accent1"/>
+          </a:effectRef>
+          <a:fontRef idx="minor">
+            <a:schemeClr val="lt1"/>
+          </a:fontRef>
+        </p:style>
+        <p:txBody>
+          <a:bodyPr rtlCol="0" anchor="ctr"/>
+          <a:lstStyle/>
+          <a:p>
+            <a:pPr algn="ctr"/>
+            <a:endParaRPr lang="en-GB"/>
+          </a:p>
+        </p:txBody>
+      </p:sp>
     </p:spTree>
     <p:extLst>
       <p:ext uri="{BB962C8B-B14F-4D97-AF65-F5344CB8AC3E}">
-        <p14:creationId xmlns:p14="http://schemas.microsoft.com/office/powerpoint/2010/main" val="1814392359"/>
+        <p14:creationId xmlns:p14="http://schemas.microsoft.com/office/powerpoint/2010/main" val="921499195"/>
       </p:ext>
     </p:extLst>
   </p:cSld>
